--- a/docs/CS510-Fall25-Project3-Tutorial.pptx
+++ b/docs/CS510-Fall25-Project3-Tutorial.pptx
@@ -5,7 +5,7 @@
     <p:sldMasterId id="2147483648" r:id="rId1"/>
   </p:sldMasterIdLst>
   <p:notesMasterIdLst>
-    <p:notesMasterId r:id="rId48"/>
+    <p:notesMasterId r:id="rId49"/>
   </p:notesMasterIdLst>
   <p:sldIdLst>
     <p:sldId id="256" r:id="rId2"/>
@@ -32,28 +32,29 @@
     <p:sldId id="279" r:id="rId23"/>
     <p:sldId id="282" r:id="rId24"/>
     <p:sldId id="303" r:id="rId25"/>
-    <p:sldId id="297" r:id="rId26"/>
-    <p:sldId id="298" r:id="rId27"/>
-    <p:sldId id="299" r:id="rId28"/>
-    <p:sldId id="300" r:id="rId29"/>
-    <p:sldId id="308" r:id="rId30"/>
-    <p:sldId id="301" r:id="rId31"/>
-    <p:sldId id="283" r:id="rId32"/>
-    <p:sldId id="304" r:id="rId33"/>
-    <p:sldId id="284" r:id="rId34"/>
-    <p:sldId id="305" r:id="rId35"/>
-    <p:sldId id="261" r:id="rId36"/>
-    <p:sldId id="291" r:id="rId37"/>
-    <p:sldId id="290" r:id="rId38"/>
-    <p:sldId id="292" r:id="rId39"/>
-    <p:sldId id="293" r:id="rId40"/>
-    <p:sldId id="306" r:id="rId41"/>
-    <p:sldId id="286" r:id="rId42"/>
-    <p:sldId id="263" r:id="rId43"/>
-    <p:sldId id="287" r:id="rId44"/>
-    <p:sldId id="285" r:id="rId45"/>
-    <p:sldId id="262" r:id="rId46"/>
-    <p:sldId id="288" r:id="rId47"/>
+    <p:sldId id="309" r:id="rId26"/>
+    <p:sldId id="297" r:id="rId27"/>
+    <p:sldId id="298" r:id="rId28"/>
+    <p:sldId id="299" r:id="rId29"/>
+    <p:sldId id="300" r:id="rId30"/>
+    <p:sldId id="308" r:id="rId31"/>
+    <p:sldId id="301" r:id="rId32"/>
+    <p:sldId id="283" r:id="rId33"/>
+    <p:sldId id="304" r:id="rId34"/>
+    <p:sldId id="284" r:id="rId35"/>
+    <p:sldId id="305" r:id="rId36"/>
+    <p:sldId id="261" r:id="rId37"/>
+    <p:sldId id="291" r:id="rId38"/>
+    <p:sldId id="290" r:id="rId39"/>
+    <p:sldId id="292" r:id="rId40"/>
+    <p:sldId id="293" r:id="rId41"/>
+    <p:sldId id="306" r:id="rId42"/>
+    <p:sldId id="286" r:id="rId43"/>
+    <p:sldId id="263" r:id="rId44"/>
+    <p:sldId id="287" r:id="rId45"/>
+    <p:sldId id="285" r:id="rId46"/>
+    <p:sldId id="262" r:id="rId47"/>
+    <p:sldId id="288" r:id="rId48"/>
   </p:sldIdLst>
   <p:sldSz cx="12192000" cy="6858000"/>
   <p:notesSz cx="6858000" cy="9144000"/>
@@ -171,14 +172,6 @@
 </p:presentation>
 </file>
 
-<file path=ppt/revisionInfo.xml><?xml version="1.0" encoding="utf-8"?>
-<p1510:revInfo xmlns:a="http://schemas.openxmlformats.org/drawingml/2006/main" xmlns:r="http://schemas.openxmlformats.org/officeDocument/2006/relationships" xmlns:p1510="http://schemas.microsoft.com/office/powerpoint/2015/10/main">
-  <p1510:revLst>
-    <p1510:client id="{E3A4B42A-F968-8143-8FC9-A1B4B6C8E4C7}" v="1624" dt="2025-11-10T23:55:57.372"/>
-  </p1510:revLst>
-</p1510:revInfo>
-</file>
-
 <file path=ppt/notesMasters/notesMaster1.xml><?xml version="1.0" encoding="utf-8"?>
 <p:notesMaster xmlns:a="http://schemas.openxmlformats.org/drawingml/2006/main" xmlns:r="http://schemas.openxmlformats.org/officeDocument/2006/relationships" xmlns:p="http://schemas.openxmlformats.org/presentationml/2006/main">
   <p:cSld>
@@ -261,7 +254,7 @@
           <a:p>
             <a:fld id="{841FF610-C449-EF44-9B18-5C9505D61A2D}" type="datetimeFigureOut">
               <a:rPr lang="en-US" smtClean="0"/>
-              <a:t>11/10/25</a:t>
+              <a:t>11/11/25</a:t>
             </a:fld>
             <a:endParaRPr lang="en-US"/>
           </a:p>
@@ -675,7 +668,7 @@
           <a:p>
             <a:fld id="{177575CB-CC02-B441-A61A-5E29F9C47F08}" type="datetime1">
               <a:rPr lang="en-US" smtClean="0"/>
-              <a:t>11/10/25</a:t>
+              <a:t>11/11/25</a:t>
             </a:fld>
             <a:endParaRPr lang="en-US"/>
           </a:p>
@@ -885,7 +878,7 @@
           <a:p>
             <a:fld id="{20B2FF06-BB61-0D4E-B789-40585E757A2F}" type="datetime1">
               <a:rPr lang="en-US" smtClean="0"/>
-              <a:t>11/10/25</a:t>
+              <a:t>11/11/25</a:t>
             </a:fld>
             <a:endParaRPr lang="en-US"/>
           </a:p>
@@ -1105,7 +1098,7 @@
           <a:p>
             <a:fld id="{159D0BFA-EBCC-244B-8D8F-C2FAEFCC8262}" type="datetime1">
               <a:rPr lang="en-US" smtClean="0"/>
-              <a:t>11/10/25</a:t>
+              <a:t>11/11/25</a:t>
             </a:fld>
             <a:endParaRPr lang="en-US"/>
           </a:p>
@@ -1340,7 +1333,7 @@
           <a:p>
             <a:fld id="{604E10BD-E4A7-5144-8D8B-2E425295E0AA}" type="datetime1">
               <a:rPr lang="en-US" smtClean="0"/>
-              <a:t>11/10/25</a:t>
+              <a:t>11/11/25</a:t>
             </a:fld>
             <a:endParaRPr lang="en-US"/>
           </a:p>
@@ -1685,7 +1678,7 @@
           <a:p>
             <a:fld id="{9FA17ACA-CD92-5347-9C0D-EB8AE5B63AFE}" type="datetime1">
               <a:rPr lang="en-US" smtClean="0"/>
-              <a:t>11/10/25</a:t>
+              <a:t>11/11/25</a:t>
             </a:fld>
             <a:endParaRPr lang="en-US"/>
           </a:p>
@@ -1962,7 +1955,7 @@
           <a:p>
             <a:fld id="{9241913D-850E-704D-8445-65689C2A7F2C}" type="datetime1">
               <a:rPr lang="en-US" smtClean="0"/>
-              <a:t>11/10/25</a:t>
+              <a:t>11/11/25</a:t>
             </a:fld>
             <a:endParaRPr lang="en-US"/>
           </a:p>
@@ -2387,7 +2380,7 @@
           <a:p>
             <a:fld id="{7F0435F7-5322-DF4D-BE5C-D07BDA2AD8F2}" type="datetime1">
               <a:rPr lang="en-US" smtClean="0"/>
-              <a:t>11/10/25</a:t>
+              <a:t>11/11/25</a:t>
             </a:fld>
             <a:endParaRPr lang="en-US"/>
           </a:p>
@@ -2540,7 +2533,7 @@
           <a:p>
             <a:fld id="{65698DF7-D2AD-DA40-BA89-844617963716}" type="datetime1">
               <a:rPr lang="en-US" smtClean="0"/>
-              <a:t>11/10/25</a:t>
+              <a:t>11/11/25</a:t>
             </a:fld>
             <a:endParaRPr lang="en-US"/>
           </a:p>
@@ -2665,7 +2658,7 @@
           <a:p>
             <a:fld id="{3320D6CD-772F-8145-8242-A6C20F0359CB}" type="datetime1">
               <a:rPr lang="en-US" smtClean="0"/>
-              <a:t>11/10/25</a:t>
+              <a:t>11/11/25</a:t>
             </a:fld>
             <a:endParaRPr lang="en-US"/>
           </a:p>
@@ -2988,7 +2981,7 @@
           <a:p>
             <a:fld id="{E18FEA76-DE4E-8D46-87A1-AE022B966D5E}" type="datetime1">
               <a:rPr lang="en-US" smtClean="0"/>
-              <a:t>11/10/25</a:t>
+              <a:t>11/11/25</a:t>
             </a:fld>
             <a:endParaRPr lang="en-US"/>
           </a:p>
@@ -3291,7 +3284,7 @@
           <a:p>
             <a:fld id="{03E2816C-6193-6E4F-A673-ABBFCC8CFE4E}" type="datetime1">
               <a:rPr lang="en-US" smtClean="0"/>
-              <a:t>11/10/25</a:t>
+              <a:t>11/11/25</a:t>
             </a:fld>
             <a:endParaRPr lang="en-US"/>
           </a:p>
@@ -3546,7 +3539,7 @@
           <a:p>
             <a:fld id="{5EBE308C-669E-4046-932B-BFA0D233DAD8}" type="datetime1">
               <a:rPr lang="en-US" smtClean="0"/>
-              <a:t>11/10/25</a:t>
+              <a:t>11/11/25</a:t>
             </a:fld>
             <a:endParaRPr lang="en-US"/>
           </a:p>
@@ -4334,14 +4327,6 @@
             </a:r>
             <a:r>
               <a:rPr lang="en-US" altLang="zh-CN" dirty="0"/>
-              <a:t>Can</a:t>
-            </a:r>
-            <a:r>
-              <a:rPr lang="zh-CN" altLang="en-US" dirty="0"/>
-              <a:t> </a:t>
-            </a:r>
-            <a:r>
-              <a:rPr lang="en-US" altLang="zh-CN" dirty="0"/>
               <a:t>Support</a:t>
             </a:r>
             <a:r>
@@ -4709,14 +4694,6 @@
             </a:r>
             <a:r>
               <a:rPr lang="en-US" altLang="zh-CN" dirty="0"/>
-              <a:t>Can</a:t>
-            </a:r>
-            <a:r>
-              <a:rPr lang="zh-CN" altLang="en-US" dirty="0"/>
-              <a:t> </a:t>
-            </a:r>
-            <a:r>
-              <a:rPr lang="en-US" altLang="zh-CN" dirty="0"/>
               <a:t>Support</a:t>
             </a:r>
             <a:r>
@@ -5077,14 +5054,6 @@
             <a:r>
               <a:rPr lang="en-US" altLang="zh-CN" dirty="0"/>
               <a:t>LLMs</a:t>
-            </a:r>
-            <a:r>
-              <a:rPr lang="zh-CN" altLang="en-US" dirty="0"/>
-              <a:t> </a:t>
-            </a:r>
-            <a:r>
-              <a:rPr lang="en-US" altLang="zh-CN" dirty="0"/>
-              <a:t>Can</a:t>
             </a:r>
             <a:r>
               <a:rPr lang="zh-CN" altLang="en-US" dirty="0"/>
@@ -6119,7 +6088,7 @@
               <a:t> </a:t>
             </a:r>
             <a:r>
-              <a:rPr lang="en-US" altLang="zh-CN" sz="1300" dirty="0">
+              <a:rPr lang="en-US" altLang="zh-CN" sz="1300" i="1" dirty="0">
                 <a:latin typeface="Consolas" panose="020B0609020204030204" pitchFamily="49" charset="0"/>
                 <a:cs typeface="Courier New" panose="02070309020205020404" pitchFamily="49" charset="0"/>
               </a:rPr>
@@ -6553,7 +6522,21 @@
                 <a:latin typeface="Consolas" panose="020B0609020204030204" pitchFamily="49" charset="0"/>
                 <a:cs typeface="Consolas" panose="020B0609020204030204" pitchFamily="49" charset="0"/>
               </a:rPr>
-              <a:t>: Definition of repeated - starting point</a:t>
+              <a:t>: Definition of </a:t>
+            </a:r>
+            <a:r>
+              <a:rPr lang="en-HK" sz="1200" i="1" dirty="0">
+                <a:latin typeface="Consolas" panose="020B0609020204030204" pitchFamily="49" charset="0"/>
+                <a:cs typeface="Consolas" panose="020B0609020204030204" pitchFamily="49" charset="0"/>
+              </a:rPr>
+              <a:t>repeated</a:t>
+            </a:r>
+            <a:r>
+              <a:rPr lang="en-HK" sz="1200" dirty="0">
+                <a:latin typeface="Consolas" panose="020B0609020204030204" pitchFamily="49" charset="0"/>
+                <a:cs typeface="Consolas" panose="020B0609020204030204" pitchFamily="49" charset="0"/>
+              </a:rPr>
+              <a:t> - starting point</a:t>
             </a:r>
           </a:p>
           <a:p>
@@ -6576,7 +6559,21 @@
                 <a:latin typeface="Consolas" panose="020B0609020204030204" pitchFamily="49" charset="0"/>
                 <a:cs typeface="Consolas" panose="020B0609020204030204" pitchFamily="49" charset="0"/>
               </a:rPr>
-              <a:t>: Condition directly uses repeated - data dependent</a:t>
+              <a:t>: Condition directly uses </a:t>
+            </a:r>
+            <a:r>
+              <a:rPr lang="en-HK" sz="1200" i="1" dirty="0">
+                <a:latin typeface="Consolas" panose="020B0609020204030204" pitchFamily="49" charset="0"/>
+                <a:cs typeface="Consolas" panose="020B0609020204030204" pitchFamily="49" charset="0"/>
+              </a:rPr>
+              <a:t>repeated</a:t>
+            </a:r>
+            <a:r>
+              <a:rPr lang="en-HK" sz="1200" dirty="0">
+                <a:latin typeface="Consolas" panose="020B0609020204030204" pitchFamily="49" charset="0"/>
+                <a:cs typeface="Consolas" panose="020B0609020204030204" pitchFamily="49" charset="0"/>
+              </a:rPr>
+              <a:t> - data dependent</a:t>
             </a:r>
           </a:p>
           <a:p>
@@ -6592,7 +6589,21 @@
                 <a:latin typeface="Consolas" panose="020B0609020204030204" pitchFamily="49" charset="0"/>
                 <a:cs typeface="Consolas" panose="020B0609020204030204" pitchFamily="49" charset="0"/>
               </a:rPr>
-              <a:t>: Executes only when repeated is true - control dependent on line 5</a:t>
+              <a:t>: Executes only when </a:t>
+            </a:r>
+            <a:r>
+              <a:rPr lang="en-HK" sz="1200" i="1" dirty="0">
+                <a:latin typeface="Consolas" panose="020B0609020204030204" pitchFamily="49" charset="0"/>
+                <a:cs typeface="Consolas" panose="020B0609020204030204" pitchFamily="49" charset="0"/>
+              </a:rPr>
+              <a:t>repeated</a:t>
+            </a:r>
+            <a:r>
+              <a:rPr lang="en-HK" sz="1200" dirty="0">
+                <a:latin typeface="Consolas" panose="020B0609020204030204" pitchFamily="49" charset="0"/>
+                <a:cs typeface="Consolas" panose="020B0609020204030204" pitchFamily="49" charset="0"/>
+              </a:rPr>
+              <a:t> is true - control dependent on line 5</a:t>
             </a:r>
           </a:p>
           <a:p>
@@ -12512,6 +12523,405 @@
   <p:cSld>
     <p:spTree>
       <p:nvGrpSpPr>
+        <p:cNvPr id="1" name="">
+          <a:extLst>
+            <a:ext uri="{FF2B5EF4-FFF2-40B4-BE49-F238E27FC236}">
+              <a16:creationId xmlns:a16="http://schemas.microsoft.com/office/drawing/2014/main" id="{CC471377-7FAC-E613-14AC-15140A72EDE5}"/>
+            </a:ext>
+          </a:extLst>
+        </p:cNvPr>
+        <p:cNvGrpSpPr/>
+        <p:nvPr/>
+      </p:nvGrpSpPr>
+      <p:grpSpPr>
+        <a:xfrm>
+          <a:off x="0" y="0"/>
+          <a:ext cx="0" cy="0"/>
+          <a:chOff x="0" y="0"/>
+          <a:chExt cx="0" cy="0"/>
+        </a:xfrm>
+      </p:grpSpPr>
+      <p:sp>
+        <p:nvSpPr>
+          <p:cNvPr id="2" name="Content Placeholder 1">
+            <a:extLst>
+              <a:ext uri="{FF2B5EF4-FFF2-40B4-BE49-F238E27FC236}">
+                <a16:creationId xmlns:a16="http://schemas.microsoft.com/office/drawing/2014/main" id="{A92A8825-5816-32C9-1C55-ED7F7D1D1D2F}"/>
+              </a:ext>
+            </a:extLst>
+          </p:cNvPr>
+          <p:cNvSpPr>
+            <a:spLocks noGrp="1"/>
+          </p:cNvSpPr>
+          <p:nvPr>
+            <p:ph idx="1"/>
+          </p:nvPr>
+        </p:nvSpPr>
+        <p:spPr>
+          <a:xfrm>
+            <a:off x="838200" y="1117601"/>
+            <a:ext cx="10515600" cy="5021942"/>
+          </a:xfrm>
+        </p:spPr>
+        <p:txBody>
+          <a:bodyPr/>
+          <a:lstStyle/>
+          <a:p>
+            <a:r>
+              <a:rPr lang="en-US" altLang="zh-CN" dirty="0"/>
+              <a:t>Implement</a:t>
+            </a:r>
+            <a:r>
+              <a:rPr lang="zh-CN" altLang="en-US" dirty="0"/>
+              <a:t> </a:t>
+            </a:r>
+            <a:r>
+              <a:rPr lang="en-US" altLang="zh-CN" dirty="0"/>
+              <a:t>a</a:t>
+            </a:r>
+            <a:r>
+              <a:rPr lang="zh-CN" altLang="en-US" dirty="0"/>
+              <a:t> </a:t>
+            </a:r>
+            <a:r>
+              <a:rPr lang="en-US" altLang="zh-CN" dirty="0"/>
+              <a:t>worklist</a:t>
+            </a:r>
+            <a:r>
+              <a:rPr lang="zh-CN" altLang="en-US" dirty="0"/>
+              <a:t> </a:t>
+            </a:r>
+            <a:r>
+              <a:rPr lang="en-US" altLang="zh-CN" dirty="0"/>
+              <a:t>algorithm</a:t>
+            </a:r>
+            <a:r>
+              <a:rPr lang="zh-CN" altLang="en-US" dirty="0"/>
+              <a:t> </a:t>
+            </a:r>
+            <a:r>
+              <a:rPr lang="en-US" altLang="zh-CN" dirty="0"/>
+              <a:t>to</a:t>
+            </a:r>
+            <a:r>
+              <a:rPr lang="zh-CN" altLang="en-US" dirty="0"/>
+              <a:t> </a:t>
+            </a:r>
+            <a:r>
+              <a:rPr lang="en-US" altLang="zh-CN" dirty="0"/>
+              <a:t>collect</a:t>
+            </a:r>
+            <a:r>
+              <a:rPr lang="zh-CN" altLang="en-US" dirty="0"/>
+              <a:t> </a:t>
+            </a:r>
+            <a:r>
+              <a:rPr lang="en-US" altLang="zh-CN" dirty="0"/>
+              <a:t>the</a:t>
+            </a:r>
+            <a:r>
+              <a:rPr lang="zh-CN" altLang="en-US" dirty="0"/>
+              <a:t> </a:t>
+            </a:r>
+            <a:r>
+              <a:rPr lang="en-US" altLang="zh-CN" dirty="0"/>
+              <a:t>backward/forward</a:t>
+            </a:r>
+            <a:r>
+              <a:rPr lang="zh-CN" altLang="en-US" dirty="0"/>
+              <a:t> </a:t>
+            </a:r>
+            <a:r>
+              <a:rPr lang="en-US" altLang="zh-CN" dirty="0"/>
+              <a:t>slices</a:t>
+            </a:r>
+            <a:r>
+              <a:rPr lang="zh-CN" altLang="en-US" dirty="0"/>
+              <a:t> </a:t>
+            </a:r>
+            <a:r>
+              <a:rPr lang="en-US" altLang="zh-CN" dirty="0"/>
+              <a:t>in</a:t>
+            </a:r>
+            <a:r>
+              <a:rPr lang="zh-CN" altLang="en-US" dirty="0"/>
+              <a:t> </a:t>
+            </a:r>
+            <a:r>
+              <a:rPr lang="en-US" altLang="zh-CN" dirty="0"/>
+              <a:t>a</a:t>
+            </a:r>
+            <a:r>
+              <a:rPr lang="zh-CN" altLang="en-US" dirty="0"/>
+              <a:t> </a:t>
+            </a:r>
+            <a:r>
+              <a:rPr lang="en-US" altLang="zh-CN" dirty="0"/>
+              <a:t>given</a:t>
+            </a:r>
+            <a:r>
+              <a:rPr lang="zh-CN" altLang="en-US" dirty="0"/>
+              <a:t> </a:t>
+            </a:r>
+            <a:r>
+              <a:rPr lang="en-US" altLang="zh-CN" dirty="0"/>
+              <a:t>code</a:t>
+            </a:r>
+            <a:r>
+              <a:rPr lang="zh-CN" altLang="en-US" dirty="0"/>
+              <a:t> </a:t>
+            </a:r>
+            <a:r>
+              <a:rPr lang="en-US" altLang="zh-CN" dirty="0"/>
+              <a:t>repository</a:t>
+            </a:r>
+          </a:p>
+          <a:p>
+            <a:pPr lvl="1"/>
+            <a:r>
+              <a:rPr lang="en-US" altLang="zh-CN" dirty="0"/>
+              <a:t>Neural</a:t>
+            </a:r>
+            <a:r>
+              <a:rPr lang="zh-CN" altLang="en-US" dirty="0"/>
+              <a:t> </a:t>
+            </a:r>
+            <a:r>
+              <a:rPr lang="en-US" altLang="zh-CN" dirty="0"/>
+              <a:t>analysis</a:t>
+            </a:r>
+            <a:r>
+              <a:rPr lang="zh-CN" altLang="en-US" dirty="0"/>
+              <a:t> </a:t>
+            </a:r>
+            <a:r>
+              <a:rPr lang="en-US" altLang="zh-CN" dirty="0"/>
+              <a:t>via</a:t>
+            </a:r>
+            <a:r>
+              <a:rPr lang="zh-CN" altLang="en-US" dirty="0"/>
+              <a:t> </a:t>
+            </a:r>
+            <a:r>
+              <a:rPr lang="en-US" altLang="zh-CN" dirty="0"/>
+              <a:t>prompt</a:t>
+            </a:r>
+            <a:r>
+              <a:rPr lang="zh-CN" altLang="en-US" dirty="0"/>
+              <a:t> </a:t>
+            </a:r>
+            <a:r>
+              <a:rPr lang="en-US" altLang="zh-CN" dirty="0"/>
+              <a:t>engineering:</a:t>
+            </a:r>
+            <a:r>
+              <a:rPr lang="zh-CN" altLang="en-US" dirty="0"/>
+              <a:t> </a:t>
+            </a:r>
+            <a:r>
+              <a:rPr lang="en-US" altLang="zh-CN" dirty="0"/>
+              <a:t>Intra-procedural</a:t>
+            </a:r>
+            <a:r>
+              <a:rPr lang="zh-CN" altLang="en-US" dirty="0"/>
+              <a:t> </a:t>
+            </a:r>
+            <a:r>
+              <a:rPr lang="en-US" altLang="zh-CN" dirty="0"/>
+              <a:t>backward/forward</a:t>
+            </a:r>
+            <a:r>
+              <a:rPr lang="zh-CN" altLang="en-US" dirty="0"/>
+              <a:t> </a:t>
+            </a:r>
+            <a:r>
+              <a:rPr lang="en-US" altLang="zh-CN" dirty="0"/>
+              <a:t>slicing</a:t>
+            </a:r>
+          </a:p>
+          <a:p>
+            <a:pPr lvl="1"/>
+            <a:r>
+              <a:rPr lang="en-US" altLang="zh-CN" dirty="0"/>
+              <a:t>Symbolic</a:t>
+            </a:r>
+            <a:r>
+              <a:rPr lang="zh-CN" altLang="en-US" dirty="0"/>
+              <a:t> </a:t>
+            </a:r>
+            <a:r>
+              <a:rPr lang="en-US" altLang="zh-CN" dirty="0"/>
+              <a:t>analysis</a:t>
+            </a:r>
+            <a:r>
+              <a:rPr lang="zh-CN" altLang="en-US" dirty="0"/>
+              <a:t> </a:t>
+            </a:r>
+            <a:r>
+              <a:rPr lang="en-US" altLang="zh-CN" dirty="0"/>
+              <a:t>via</a:t>
+            </a:r>
+            <a:r>
+              <a:rPr lang="zh-CN" altLang="en-US" dirty="0"/>
+              <a:t> </a:t>
+            </a:r>
+            <a:r>
+              <a:rPr lang="en-US" altLang="zh-CN" dirty="0"/>
+              <a:t>worklist</a:t>
+            </a:r>
+            <a:r>
+              <a:rPr lang="zh-CN" altLang="en-US" dirty="0"/>
+              <a:t> </a:t>
+            </a:r>
+            <a:r>
+              <a:rPr lang="en-US" altLang="zh-CN" dirty="0"/>
+              <a:t>iteration</a:t>
+            </a:r>
+          </a:p>
+          <a:p>
+            <a:pPr lvl="1"/>
+            <a:endParaRPr lang="en-US" altLang="zh-CN" dirty="0"/>
+          </a:p>
+          <a:p>
+            <a:endParaRPr lang="en-US" dirty="0"/>
+          </a:p>
+          <a:p>
+            <a:endParaRPr lang="en-US" dirty="0"/>
+          </a:p>
+        </p:txBody>
+      </p:sp>
+      <p:sp>
+        <p:nvSpPr>
+          <p:cNvPr id="3" name="Slide Number Placeholder 2">
+            <a:extLst>
+              <a:ext uri="{FF2B5EF4-FFF2-40B4-BE49-F238E27FC236}">
+                <a16:creationId xmlns:a16="http://schemas.microsoft.com/office/drawing/2014/main" id="{E97F576F-A2D6-8773-290D-758329F46711}"/>
+              </a:ext>
+            </a:extLst>
+          </p:cNvPr>
+          <p:cNvSpPr>
+            <a:spLocks noGrp="1"/>
+          </p:cNvSpPr>
+          <p:nvPr>
+            <p:ph type="sldNum" sz="quarter" idx="12"/>
+          </p:nvPr>
+        </p:nvSpPr>
+        <p:spPr/>
+        <p:txBody>
+          <a:bodyPr/>
+          <a:lstStyle/>
+          <a:p>
+            <a:fld id="{EBB1F091-3A24-4346-912C-5ECD06B05EBE}" type="slidenum">
+              <a:rPr lang="en-US" smtClean="0"/>
+              <a:t>25</a:t>
+            </a:fld>
+            <a:endParaRPr lang="en-US"/>
+          </a:p>
+        </p:txBody>
+      </p:sp>
+      <p:sp>
+        <p:nvSpPr>
+          <p:cNvPr id="4" name="Title 3">
+            <a:extLst>
+              <a:ext uri="{FF2B5EF4-FFF2-40B4-BE49-F238E27FC236}">
+                <a16:creationId xmlns:a16="http://schemas.microsoft.com/office/drawing/2014/main" id="{66DB9462-A592-F2D7-0557-A2FDC9893EE5}"/>
+              </a:ext>
+            </a:extLst>
+          </p:cNvPr>
+          <p:cNvSpPr>
+            <a:spLocks noGrp="1"/>
+          </p:cNvSpPr>
+          <p:nvPr>
+            <p:ph type="title"/>
+          </p:nvPr>
+        </p:nvSpPr>
+        <p:spPr/>
+        <p:txBody>
+          <a:bodyPr/>
+          <a:lstStyle/>
+          <a:p>
+            <a:r>
+              <a:rPr lang="en-US" altLang="zh-CN" dirty="0" err="1"/>
+              <a:t>RepoSlice</a:t>
+            </a:r>
+            <a:r>
+              <a:rPr lang="en-US" altLang="zh-CN" dirty="0"/>
+              <a:t>:</a:t>
+            </a:r>
+            <a:r>
+              <a:rPr lang="zh-CN" altLang="en-US" dirty="0"/>
+              <a:t> </a:t>
+            </a:r>
+            <a:r>
+              <a:rPr lang="en-US" altLang="zh-CN" dirty="0"/>
+              <a:t>What</a:t>
+            </a:r>
+            <a:r>
+              <a:rPr lang="zh-CN" altLang="en-US" dirty="0"/>
+              <a:t> </a:t>
+            </a:r>
+            <a:r>
+              <a:rPr lang="en-US" altLang="zh-CN" dirty="0"/>
+              <a:t>U</a:t>
+            </a:r>
+            <a:r>
+              <a:rPr lang="zh-CN" altLang="en-US" dirty="0"/>
+              <a:t> </a:t>
+            </a:r>
+            <a:r>
+              <a:rPr lang="en-US" altLang="zh-CN" dirty="0"/>
+              <a:t>Need</a:t>
+            </a:r>
+            <a:r>
+              <a:rPr lang="zh-CN" altLang="en-US" dirty="0"/>
+              <a:t> </a:t>
+            </a:r>
+            <a:r>
+              <a:rPr lang="en-US" altLang="zh-CN" dirty="0"/>
+              <a:t>to</a:t>
+            </a:r>
+            <a:r>
+              <a:rPr lang="zh-CN" altLang="en-US" dirty="0"/>
+              <a:t> </a:t>
+            </a:r>
+            <a:r>
+              <a:rPr lang="en-US" altLang="zh-CN" dirty="0"/>
+              <a:t>Do</a:t>
+            </a:r>
+            <a:endParaRPr lang="en-US" dirty="0"/>
+          </a:p>
+        </p:txBody>
+      </p:sp>
+    </p:spTree>
+    <p:extLst>
+      <p:ext uri="{BB962C8B-B14F-4D97-AF65-F5344CB8AC3E}">
+        <p14:creationId xmlns:p14="http://schemas.microsoft.com/office/powerpoint/2010/main" val="3069767567"/>
+      </p:ext>
+    </p:extLst>
+  </p:cSld>
+  <p:clrMapOvr>
+    <a:masterClrMapping/>
+  </p:clrMapOvr>
+  <mc:AlternateContent xmlns:mc="http://schemas.openxmlformats.org/markup-compatibility/2006" xmlns:p14="http://schemas.microsoft.com/office/powerpoint/2010/main">
+    <mc:Choice Requires="p14">
+      <p:transition p14:dur="100">
+        <p:cut/>
+      </p:transition>
+    </mc:Choice>
+    <mc:Fallback xmlns="">
+      <p:transition>
+        <p:cut/>
+      </p:transition>
+    </mc:Fallback>
+  </mc:AlternateContent>
+</p:sld>
+</file>
+
+<file path=ppt/slides/slide26.xml><?xml version="1.0" encoding="utf-8"?>
+<p:sld xmlns:a="http://schemas.openxmlformats.org/drawingml/2006/main" xmlns:r="http://schemas.openxmlformats.org/officeDocument/2006/relationships" xmlns:p="http://schemas.openxmlformats.org/presentationml/2006/main">
+  <p:cSld>
+    <p:spTree>
+      <p:nvGrpSpPr>
         <p:cNvPr id="1" name=""/>
         <p:cNvGrpSpPr/>
         <p:nvPr/>
@@ -12869,7 +13279,7 @@
           <a:p>
             <a:fld id="{EBB1F091-3A24-4346-912C-5ECD06B05EBE}" type="slidenum">
               <a:rPr lang="en-US" smtClean="0"/>
-              <a:t>25</a:t>
+              <a:t>26</a:t>
             </a:fld>
             <a:endParaRPr lang="en-US"/>
           </a:p>
@@ -15394,7 +15804,7 @@
 </p:sld>
 </file>
 
-<file path=ppt/slides/slide26.xml><?xml version="1.0" encoding="utf-8"?>
+<file path=ppt/slides/slide27.xml><?xml version="1.0" encoding="utf-8"?>
 <p:sld xmlns:a="http://schemas.openxmlformats.org/drawingml/2006/main" xmlns:r="http://schemas.openxmlformats.org/officeDocument/2006/relationships" xmlns:p="http://schemas.openxmlformats.org/presentationml/2006/main">
   <p:cSld>
     <p:spTree>
@@ -15800,7 +16210,7 @@
           <a:p>
             <a:fld id="{EBB1F091-3A24-4346-912C-5ECD06B05EBE}" type="slidenum">
               <a:rPr lang="en-US" smtClean="0"/>
-              <a:t>26</a:t>
+              <a:t>27</a:t>
             </a:fld>
             <a:endParaRPr lang="en-US"/>
           </a:p>
@@ -17391,7 +17801,7 @@
 </p:sld>
 </file>
 
-<file path=ppt/slides/slide27.xml><?xml version="1.0" encoding="utf-8"?>
+<file path=ppt/slides/slide28.xml><?xml version="1.0" encoding="utf-8"?>
 <p:sld xmlns:a="http://schemas.openxmlformats.org/drawingml/2006/main" xmlns:r="http://schemas.openxmlformats.org/officeDocument/2006/relationships" xmlns:p="http://schemas.openxmlformats.org/presentationml/2006/main">
   <p:cSld>
     <p:spTree>
@@ -17766,7 +18176,7 @@
           <a:p>
             <a:fld id="{EBB1F091-3A24-4346-912C-5ECD06B05EBE}" type="slidenum">
               <a:rPr lang="en-US" smtClean="0"/>
-              <a:t>27</a:t>
+              <a:t>28</a:t>
             </a:fld>
             <a:endParaRPr lang="en-US"/>
           </a:p>
@@ -18836,7 +19246,7 @@
 </p:sld>
 </file>
 
-<file path=ppt/slides/slide28.xml><?xml version="1.0" encoding="utf-8"?>
+<file path=ppt/slides/slide29.xml><?xml version="1.0" encoding="utf-8"?>
 <p:sld xmlns:a="http://schemas.openxmlformats.org/drawingml/2006/main" xmlns:r="http://schemas.openxmlformats.org/officeDocument/2006/relationships" xmlns:p="http://schemas.openxmlformats.org/presentationml/2006/main">
   <p:cSld>
     <p:spTree>
@@ -19287,7 +19697,7 @@
           <a:p>
             <a:fld id="{EBB1F091-3A24-4346-912C-5ECD06B05EBE}" type="slidenum">
               <a:rPr lang="en-US" smtClean="0"/>
-              <a:t>28</a:t>
+              <a:t>29</a:t>
             </a:fld>
             <a:endParaRPr lang="en-US"/>
           </a:p>
@@ -20420,1352 +20830,6 @@
 </p:sld>
 </file>
 
-<file path=ppt/slides/slide29.xml><?xml version="1.0" encoding="utf-8"?>
-<p:sld xmlns:a="http://schemas.openxmlformats.org/drawingml/2006/main" xmlns:r="http://schemas.openxmlformats.org/officeDocument/2006/relationships" xmlns:p="http://schemas.openxmlformats.org/presentationml/2006/main">
-  <p:cSld>
-    <p:spTree>
-      <p:nvGrpSpPr>
-        <p:cNvPr id="1" name="">
-          <a:extLst>
-            <a:ext uri="{FF2B5EF4-FFF2-40B4-BE49-F238E27FC236}">
-              <a16:creationId xmlns:a16="http://schemas.microsoft.com/office/drawing/2014/main" id="{C2054337-8034-4DC8-737A-D8F0E9AB06BB}"/>
-            </a:ext>
-          </a:extLst>
-        </p:cNvPr>
-        <p:cNvGrpSpPr/>
-        <p:nvPr/>
-      </p:nvGrpSpPr>
-      <p:grpSpPr>
-        <a:xfrm>
-          <a:off x="0" y="0"/>
-          <a:ext cx="0" cy="0"/>
-          <a:chOff x="0" y="0"/>
-          <a:chExt cx="0" cy="0"/>
-        </a:xfrm>
-      </p:grpSpPr>
-      <p:sp>
-        <p:nvSpPr>
-          <p:cNvPr id="2" name="Content Placeholder 1">
-            <a:extLst>
-              <a:ext uri="{FF2B5EF4-FFF2-40B4-BE49-F238E27FC236}">
-                <a16:creationId xmlns:a16="http://schemas.microsoft.com/office/drawing/2014/main" id="{E0AD3B66-D124-7335-53E3-A2559AA3C11C}"/>
-              </a:ext>
-            </a:extLst>
-          </p:cNvPr>
-          <p:cNvSpPr>
-            <a:spLocks noGrp="1"/>
-          </p:cNvSpPr>
-          <p:nvPr>
-            <p:ph idx="1"/>
-          </p:nvPr>
-        </p:nvSpPr>
-        <p:spPr/>
-        <p:txBody>
-          <a:bodyPr/>
-          <a:lstStyle/>
-          <a:p>
-            <a:r>
-              <a:rPr lang="en-US" altLang="zh-CN" dirty="0"/>
-              <a:t>Several</a:t>
-            </a:r>
-            <a:r>
-              <a:rPr lang="zh-CN" altLang="en-US" dirty="0"/>
-              <a:t> </a:t>
-            </a:r>
-            <a:r>
-              <a:rPr lang="en-US" altLang="zh-CN" dirty="0"/>
-              <a:t>program</a:t>
-            </a:r>
-            <a:r>
-              <a:rPr lang="zh-CN" altLang="en-US" dirty="0"/>
-              <a:t> </a:t>
-            </a:r>
-            <a:r>
-              <a:rPr lang="en-US" altLang="zh-CN" dirty="0"/>
-              <a:t>lines</a:t>
-            </a:r>
-            <a:r>
-              <a:rPr lang="zh-CN" altLang="en-US" dirty="0"/>
-              <a:t> </a:t>
-            </a:r>
-            <a:r>
-              <a:rPr lang="en-US" altLang="zh-CN" dirty="0"/>
-              <a:t>do</a:t>
-            </a:r>
-            <a:r>
-              <a:rPr lang="zh-CN" altLang="en-US" dirty="0"/>
-              <a:t> </a:t>
-            </a:r>
-            <a:r>
-              <a:rPr lang="en-US" altLang="zh-CN" dirty="0"/>
-              <a:t>not</a:t>
-            </a:r>
-            <a:r>
-              <a:rPr lang="zh-CN" altLang="en-US" dirty="0"/>
-              <a:t> </a:t>
-            </a:r>
-            <a:r>
-              <a:rPr lang="en-US" altLang="zh-CN" dirty="0"/>
-              <a:t>really</a:t>
-            </a:r>
-            <a:r>
-              <a:rPr lang="zh-CN" altLang="en-US" dirty="0"/>
-              <a:t> </a:t>
-            </a:r>
-            <a:r>
-              <a:rPr lang="en-US" altLang="zh-CN" dirty="0"/>
-              <a:t>matter</a:t>
-            </a:r>
-          </a:p>
-          <a:p>
-            <a:pPr lvl="1"/>
-            <a:r>
-              <a:rPr lang="en-US" altLang="zh-CN" dirty="0"/>
-              <a:t>The</a:t>
-            </a:r>
-            <a:r>
-              <a:rPr lang="zh-CN" altLang="en-US" dirty="0"/>
-              <a:t> </a:t>
-            </a:r>
-            <a:r>
-              <a:rPr lang="en-US" altLang="zh-CN" dirty="0"/>
-              <a:t>function</a:t>
-            </a:r>
-            <a:r>
-              <a:rPr lang="zh-CN" altLang="en-US" dirty="0"/>
-              <a:t> </a:t>
-            </a:r>
-            <a:r>
-              <a:rPr lang="en-US" altLang="zh-CN" dirty="0"/>
-              <a:t>declaration</a:t>
-            </a:r>
-          </a:p>
-          <a:p>
-            <a:pPr lvl="1"/>
-            <a:r>
-              <a:rPr lang="en-US" altLang="zh-CN" dirty="0"/>
-              <a:t>The</a:t>
-            </a:r>
-            <a:r>
-              <a:rPr lang="zh-CN" altLang="en-US" dirty="0"/>
-              <a:t> </a:t>
-            </a:r>
-            <a:r>
-              <a:rPr lang="en-US" altLang="zh-CN" dirty="0"/>
-              <a:t>variable</a:t>
-            </a:r>
-            <a:r>
-              <a:rPr lang="zh-CN" altLang="en-US" dirty="0"/>
-              <a:t> </a:t>
-            </a:r>
-            <a:r>
-              <a:rPr lang="en-US" altLang="zh-CN" dirty="0"/>
-              <a:t>declaration</a:t>
-            </a:r>
-          </a:p>
-          <a:p>
-            <a:pPr lvl="1"/>
-            <a:r>
-              <a:rPr lang="en-US" altLang="zh-CN" dirty="0"/>
-              <a:t>Big</a:t>
-            </a:r>
-            <a:r>
-              <a:rPr lang="zh-CN" altLang="en-US" dirty="0"/>
-              <a:t> </a:t>
-            </a:r>
-            <a:r>
-              <a:rPr lang="en-US" altLang="zh-CN" dirty="0"/>
-              <a:t>brackets</a:t>
-            </a:r>
-            <a:r>
-              <a:rPr lang="zh-CN" altLang="en-US" dirty="0"/>
-              <a:t> </a:t>
-            </a:r>
-            <a:r>
-              <a:rPr lang="en-US" altLang="zh-CN" dirty="0"/>
-              <a:t>(i.e.,</a:t>
-            </a:r>
-            <a:r>
-              <a:rPr lang="zh-CN" altLang="en-US" dirty="0"/>
-              <a:t> </a:t>
-            </a:r>
-            <a:r>
-              <a:rPr lang="en-US" altLang="zh-CN" dirty="0"/>
-              <a:t>{</a:t>
-            </a:r>
-            <a:r>
-              <a:rPr lang="zh-CN" altLang="en-US" dirty="0"/>
-              <a:t> </a:t>
-            </a:r>
-            <a:r>
-              <a:rPr lang="en-US" altLang="zh-CN" dirty="0"/>
-              <a:t>and</a:t>
-            </a:r>
-            <a:r>
-              <a:rPr lang="zh-CN" altLang="en-US" dirty="0"/>
-              <a:t> </a:t>
-            </a:r>
-            <a:r>
-              <a:rPr lang="en-US" altLang="zh-CN" dirty="0"/>
-              <a:t>})</a:t>
-            </a:r>
-          </a:p>
-          <a:p>
-            <a:pPr lvl="1"/>
-            <a:r>
-              <a:rPr lang="en-US" altLang="zh-CN" dirty="0"/>
-              <a:t>Space</a:t>
-            </a:r>
-            <a:r>
-              <a:rPr lang="zh-CN" altLang="en-US" dirty="0"/>
-              <a:t> </a:t>
-            </a:r>
-            <a:r>
-              <a:rPr lang="en-US" altLang="zh-CN" dirty="0"/>
-              <a:t>lines</a:t>
-            </a:r>
-          </a:p>
-          <a:p>
-            <a:pPr lvl="1"/>
-            <a:endParaRPr lang="en-US" altLang="zh-CN" dirty="0"/>
-          </a:p>
-          <a:p>
-            <a:pPr lvl="1"/>
-            <a:endParaRPr lang="en-US" altLang="zh-CN" dirty="0"/>
-          </a:p>
-          <a:p>
-            <a:r>
-              <a:rPr lang="en-US" altLang="zh-CN" dirty="0"/>
-              <a:t>We</a:t>
-            </a:r>
-            <a:r>
-              <a:rPr lang="zh-CN" altLang="en-US" dirty="0"/>
-              <a:t> </a:t>
-            </a:r>
-            <a:r>
-              <a:rPr lang="en-US" altLang="zh-CN" dirty="0"/>
-              <a:t>add</a:t>
-            </a:r>
-            <a:r>
-              <a:rPr lang="zh-CN" altLang="en-US" dirty="0"/>
-              <a:t> </a:t>
-            </a:r>
-            <a:r>
-              <a:rPr lang="en-US" altLang="zh-CN" dirty="0"/>
-              <a:t>them</a:t>
-            </a:r>
-            <a:r>
-              <a:rPr lang="zh-CN" altLang="en-US" dirty="0"/>
-              <a:t> </a:t>
-            </a:r>
-            <a:r>
-              <a:rPr lang="en-US" altLang="zh-CN" dirty="0"/>
-              <a:t>in</a:t>
-            </a:r>
-            <a:r>
-              <a:rPr lang="zh-CN" altLang="en-US" dirty="0"/>
-              <a:t> </a:t>
-            </a:r>
-            <a:r>
-              <a:rPr lang="en-US" altLang="zh-CN" dirty="0"/>
-              <a:t>the</a:t>
-            </a:r>
-            <a:r>
-              <a:rPr lang="zh-CN" altLang="en-US" dirty="0"/>
-              <a:t> </a:t>
-            </a:r>
-            <a:r>
-              <a:rPr lang="en-US" altLang="zh-CN" dirty="0"/>
-              <a:t>whitelist</a:t>
-            </a:r>
-          </a:p>
-          <a:p>
-            <a:pPr lvl="1"/>
-            <a:r>
-              <a:rPr lang="en-US" altLang="zh-CN" dirty="0"/>
-              <a:t>Just</a:t>
-            </a:r>
-            <a:r>
-              <a:rPr lang="zh-CN" altLang="en-US" dirty="0"/>
-              <a:t> </a:t>
-            </a:r>
-            <a:r>
-              <a:rPr lang="en-US" altLang="zh-CN" dirty="0"/>
-              <a:t>ignore</a:t>
-            </a:r>
-            <a:r>
-              <a:rPr lang="zh-CN" altLang="en-US" dirty="0"/>
-              <a:t> </a:t>
-            </a:r>
-            <a:r>
-              <a:rPr lang="en-US" altLang="zh-CN" dirty="0"/>
-              <a:t>them</a:t>
-            </a:r>
-          </a:p>
-          <a:p>
-            <a:pPr lvl="1"/>
-            <a:endParaRPr lang="en-US" altLang="zh-CN" dirty="0"/>
-          </a:p>
-          <a:p>
-            <a:endParaRPr lang="en-US" dirty="0"/>
-          </a:p>
-          <a:p>
-            <a:endParaRPr lang="en-US" dirty="0"/>
-          </a:p>
-        </p:txBody>
-      </p:sp>
-      <p:sp>
-        <p:nvSpPr>
-          <p:cNvPr id="3" name="Slide Number Placeholder 2">
-            <a:extLst>
-              <a:ext uri="{FF2B5EF4-FFF2-40B4-BE49-F238E27FC236}">
-                <a16:creationId xmlns:a16="http://schemas.microsoft.com/office/drawing/2014/main" id="{D4261D79-83FD-7676-BE9B-1E24BEC877B2}"/>
-              </a:ext>
-            </a:extLst>
-          </p:cNvPr>
-          <p:cNvSpPr>
-            <a:spLocks noGrp="1"/>
-          </p:cNvSpPr>
-          <p:nvPr>
-            <p:ph type="sldNum" sz="quarter" idx="12"/>
-          </p:nvPr>
-        </p:nvSpPr>
-        <p:spPr/>
-        <p:txBody>
-          <a:bodyPr/>
-          <a:lstStyle/>
-          <a:p>
-            <a:fld id="{EBB1F091-3A24-4346-912C-5ECD06B05EBE}" type="slidenum">
-              <a:rPr lang="en-US" smtClean="0"/>
-              <a:t>29</a:t>
-            </a:fld>
-            <a:endParaRPr lang="en-US"/>
-          </a:p>
-        </p:txBody>
-      </p:sp>
-      <p:sp>
-        <p:nvSpPr>
-          <p:cNvPr id="4" name="Title 3">
-            <a:extLst>
-              <a:ext uri="{FF2B5EF4-FFF2-40B4-BE49-F238E27FC236}">
-                <a16:creationId xmlns:a16="http://schemas.microsoft.com/office/drawing/2014/main" id="{36BDDE61-17A3-D560-3C89-7BB04F54B072}"/>
-              </a:ext>
-            </a:extLst>
-          </p:cNvPr>
-          <p:cNvSpPr>
-            <a:spLocks noGrp="1"/>
-          </p:cNvSpPr>
-          <p:nvPr>
-            <p:ph type="title"/>
-          </p:nvPr>
-        </p:nvSpPr>
-        <p:spPr/>
-        <p:txBody>
-          <a:bodyPr/>
-          <a:lstStyle/>
-          <a:p>
-            <a:r>
-              <a:rPr lang="en-US" altLang="zh-CN" dirty="0" err="1"/>
-              <a:t>RepoSlice</a:t>
-            </a:r>
-            <a:r>
-              <a:rPr lang="en-US" altLang="zh-CN" dirty="0"/>
-              <a:t>:</a:t>
-            </a:r>
-            <a:r>
-              <a:rPr lang="zh-CN" altLang="en-US" dirty="0"/>
-              <a:t> </a:t>
-            </a:r>
-            <a:r>
-              <a:rPr lang="en-US" altLang="zh-CN" dirty="0"/>
-              <a:t>What</a:t>
-            </a:r>
-            <a:r>
-              <a:rPr lang="zh-CN" altLang="en-US" dirty="0"/>
-              <a:t> </a:t>
-            </a:r>
-            <a:r>
-              <a:rPr lang="en-US" altLang="zh-CN" dirty="0"/>
-              <a:t>U</a:t>
-            </a:r>
-            <a:r>
-              <a:rPr lang="zh-CN" altLang="en-US" dirty="0"/>
-              <a:t> </a:t>
-            </a:r>
-            <a:r>
-              <a:rPr lang="en-US" altLang="zh-CN" dirty="0"/>
-              <a:t>Need</a:t>
-            </a:r>
-            <a:r>
-              <a:rPr lang="zh-CN" altLang="en-US" dirty="0"/>
-              <a:t> </a:t>
-            </a:r>
-            <a:r>
-              <a:rPr lang="en-US" altLang="zh-CN" dirty="0"/>
-              <a:t>to</a:t>
-            </a:r>
-            <a:r>
-              <a:rPr lang="zh-CN" altLang="en-US" dirty="0"/>
-              <a:t> </a:t>
-            </a:r>
-            <a:r>
-              <a:rPr lang="en-US" altLang="zh-CN" dirty="0"/>
-              <a:t>Do</a:t>
-            </a:r>
-            <a:endParaRPr lang="en-US" dirty="0"/>
-          </a:p>
-        </p:txBody>
-      </p:sp>
-      <p:sp>
-        <p:nvSpPr>
-          <p:cNvPr id="8" name="Text Box 7">
-            <a:extLst>
-              <a:ext uri="{FF2B5EF4-FFF2-40B4-BE49-F238E27FC236}">
-                <a16:creationId xmlns:a16="http://schemas.microsoft.com/office/drawing/2014/main" id="{3500D829-CAB5-9B80-7FC5-AAD310F60DC7}"/>
-              </a:ext>
-            </a:extLst>
-          </p:cNvPr>
-          <p:cNvSpPr txBox="1">
-            <a:spLocks noChangeArrowheads="1"/>
-          </p:cNvSpPr>
-          <p:nvPr/>
-        </p:nvSpPr>
-        <p:spPr bwMode="auto">
-          <a:xfrm>
-            <a:off x="7843036" y="1291636"/>
-            <a:ext cx="2878094" cy="3468835"/>
-          </a:xfrm>
-          <a:prstGeom prst="rect">
-            <a:avLst/>
-          </a:prstGeom>
-          <a:noFill/>
-          <a:ln w="12700">
-            <a:solidFill>
-              <a:schemeClr val="tx1"/>
-            </a:solidFill>
-            <a:miter lim="800000"/>
-            <a:headEnd type="none" w="sm" len="sm"/>
-            <a:tailEnd type="none" w="sm" len="sm"/>
-          </a:ln>
-          <a:extLst>
-            <a:ext uri="{909E8E84-426E-40DD-AFC4-6F175D3DCCD1}">
-              <a14:hiddenFill xmlns:a14="http://schemas.microsoft.com/office/drawing/2010/main">
-                <a:solidFill>
-                  <a:srgbClr val="FFFFFF"/>
-                </a:solidFill>
-              </a14:hiddenFill>
-            </a:ext>
-          </a:extLst>
-        </p:spPr>
-        <p:txBody>
-          <a:bodyPr wrap="square">
-            <a:spAutoFit/>
-          </a:bodyPr>
-          <a:lstStyle>
-            <a:lvl1pPr>
-              <a:spcBef>
-                <a:spcPct val="20000"/>
-              </a:spcBef>
-              <a:buClr>
-                <a:srgbClr val="CC3300"/>
-              </a:buClr>
-              <a:buBlip>
-                <a:blip r:embed="rId2"/>
-              </a:buBlip>
-              <a:defRPr sz="1900">
-                <a:solidFill>
-                  <a:schemeClr val="tx1"/>
-                </a:solidFill>
-                <a:latin typeface="Comic Sans MS" panose="030F0902030302020204" pitchFamily="66" charset="0"/>
-              </a:defRPr>
-            </a:lvl1pPr>
-            <a:lvl2pPr marL="742950" indent="-285750">
-              <a:spcBef>
-                <a:spcPct val="20000"/>
-              </a:spcBef>
-              <a:buBlip>
-                <a:blip r:embed="rId3"/>
-              </a:buBlip>
-              <a:defRPr sz="2800">
-                <a:solidFill>
-                  <a:schemeClr val="tx1"/>
-                </a:solidFill>
-                <a:latin typeface="Comic Sans MS" panose="030F0902030302020204" pitchFamily="66" charset="0"/>
-              </a:defRPr>
-            </a:lvl2pPr>
-            <a:lvl3pPr marL="1143000" indent="-228600">
-              <a:spcBef>
-                <a:spcPct val="20000"/>
-              </a:spcBef>
-              <a:buBlip>
-                <a:blip r:embed="rId4"/>
-              </a:buBlip>
-              <a:defRPr sz="1700">
-                <a:solidFill>
-                  <a:schemeClr val="tx1"/>
-                </a:solidFill>
-                <a:latin typeface="Comic Sans MS" panose="030F0902030302020204" pitchFamily="66" charset="0"/>
-              </a:defRPr>
-            </a:lvl3pPr>
-            <a:lvl4pPr marL="1600200" indent="-228600">
-              <a:spcBef>
-                <a:spcPct val="20000"/>
-              </a:spcBef>
-              <a:buChar char="–"/>
-              <a:defRPr sz="1600">
-                <a:solidFill>
-                  <a:schemeClr val="tx1"/>
-                </a:solidFill>
-                <a:latin typeface="Comic Sans MS" panose="030F0902030302020204" pitchFamily="66" charset="0"/>
-              </a:defRPr>
-            </a:lvl4pPr>
-            <a:lvl5pPr marL="2057400" indent="-228600">
-              <a:spcBef>
-                <a:spcPct val="20000"/>
-              </a:spcBef>
-              <a:buChar char="–"/>
-              <a:defRPr sz="1500">
-                <a:solidFill>
-                  <a:schemeClr val="tx1"/>
-                </a:solidFill>
-                <a:latin typeface="Comic Sans MS" panose="030F0902030302020204" pitchFamily="66" charset="0"/>
-              </a:defRPr>
-            </a:lvl5pPr>
-            <a:lvl6pPr marL="2514600" indent="-228600" eaLnBrk="0" fontAlgn="base" hangingPunct="0">
-              <a:spcBef>
-                <a:spcPct val="20000"/>
-              </a:spcBef>
-              <a:spcAft>
-                <a:spcPct val="0"/>
-              </a:spcAft>
-              <a:buChar char="–"/>
-              <a:defRPr sz="1500">
-                <a:solidFill>
-                  <a:schemeClr val="tx1"/>
-                </a:solidFill>
-                <a:latin typeface="Comic Sans MS" panose="030F0902030302020204" pitchFamily="66" charset="0"/>
-              </a:defRPr>
-            </a:lvl6pPr>
-            <a:lvl7pPr marL="2971800" indent="-228600" eaLnBrk="0" fontAlgn="base" hangingPunct="0">
-              <a:spcBef>
-                <a:spcPct val="20000"/>
-              </a:spcBef>
-              <a:spcAft>
-                <a:spcPct val="0"/>
-              </a:spcAft>
-              <a:buChar char="–"/>
-              <a:defRPr sz="1500">
-                <a:solidFill>
-                  <a:schemeClr val="tx1"/>
-                </a:solidFill>
-                <a:latin typeface="Comic Sans MS" panose="030F0902030302020204" pitchFamily="66" charset="0"/>
-              </a:defRPr>
-            </a:lvl7pPr>
-            <a:lvl8pPr marL="3429000" indent="-228600" eaLnBrk="0" fontAlgn="base" hangingPunct="0">
-              <a:spcBef>
-                <a:spcPct val="20000"/>
-              </a:spcBef>
-              <a:spcAft>
-                <a:spcPct val="0"/>
-              </a:spcAft>
-              <a:buChar char="–"/>
-              <a:defRPr sz="1500">
-                <a:solidFill>
-                  <a:schemeClr val="tx1"/>
-                </a:solidFill>
-                <a:latin typeface="Comic Sans MS" panose="030F0902030302020204" pitchFamily="66" charset="0"/>
-              </a:defRPr>
-            </a:lvl8pPr>
-            <a:lvl9pPr marL="3886200" indent="-228600" eaLnBrk="0" fontAlgn="base" hangingPunct="0">
-              <a:spcBef>
-                <a:spcPct val="20000"/>
-              </a:spcBef>
-              <a:spcAft>
-                <a:spcPct val="0"/>
-              </a:spcAft>
-              <a:buChar char="–"/>
-              <a:defRPr sz="1500">
-                <a:solidFill>
-                  <a:schemeClr val="tx1"/>
-                </a:solidFill>
-                <a:latin typeface="Comic Sans MS" panose="030F0902030302020204" pitchFamily="66" charset="0"/>
-              </a:defRPr>
-            </a:lvl9pPr>
-          </a:lstStyle>
-          <a:p>
-            <a:pPr eaLnBrk="1" hangingPunct="1">
-              <a:lnSpc>
-                <a:spcPct val="60000"/>
-              </a:lnSpc>
-              <a:spcBef>
-                <a:spcPct val="50000"/>
-              </a:spcBef>
-              <a:buClrTx/>
-              <a:buFontTx/>
-              <a:buNone/>
-            </a:pPr>
-            <a:endParaRPr lang="en-US" altLang="zh-CN" sz="100" dirty="0">
-              <a:latin typeface="Avenir Next LT Pro" panose="020B0504020202020204" pitchFamily="34" charset="77"/>
-              <a:ea typeface="宋体" panose="02010600030101010101" pitchFamily="2" charset="-122"/>
-            </a:endParaRPr>
-          </a:p>
-          <a:p>
-            <a:pPr eaLnBrk="1" hangingPunct="1">
-              <a:lnSpc>
-                <a:spcPct val="60000"/>
-              </a:lnSpc>
-              <a:spcBef>
-                <a:spcPct val="50000"/>
-              </a:spcBef>
-              <a:buClrTx/>
-              <a:buFontTx/>
-              <a:buNone/>
-            </a:pPr>
-            <a:r>
-              <a:rPr lang="zh-CN" altLang="en-US" sz="1800" dirty="0">
-                <a:latin typeface="Avenir Next LT Pro" panose="020B0504020202020204" pitchFamily="34" charset="77"/>
-                <a:ea typeface="宋体" panose="02010600030101010101" pitchFamily="2" charset="-122"/>
-              </a:rPr>
-              <a:t>  </a:t>
-            </a:r>
-            <a:r>
-              <a:rPr lang="en-US" altLang="zh-CN" sz="1800" dirty="0">
-                <a:latin typeface="Avenir Next LT Pro" panose="020B0504020202020204" pitchFamily="34" charset="77"/>
-                <a:ea typeface="宋体" panose="02010600030101010101" pitchFamily="2" charset="-122"/>
-              </a:rPr>
-              <a:t>1.</a:t>
-            </a:r>
-            <a:r>
-              <a:rPr lang="zh-CN" altLang="en-US" sz="1800" dirty="0">
-                <a:latin typeface="Avenir Next LT Pro" panose="020B0504020202020204" pitchFamily="34" charset="77"/>
-                <a:ea typeface="宋体" panose="02010600030101010101" pitchFamily="2" charset="-122"/>
-              </a:rPr>
-              <a:t> </a:t>
-            </a:r>
-            <a:r>
-              <a:rPr lang="en-US" altLang="zh-CN" sz="1800" dirty="0">
-                <a:latin typeface="Avenir Next LT Pro" panose="020B0504020202020204" pitchFamily="34" charset="77"/>
-                <a:ea typeface="宋体" panose="02010600030101010101" pitchFamily="2" charset="-122"/>
-              </a:rPr>
-              <a:t>void foo (int</a:t>
-            </a:r>
-            <a:r>
-              <a:rPr lang="zh-CN" altLang="en-US" sz="1800" dirty="0">
-                <a:latin typeface="Avenir Next LT Pro" panose="020B0504020202020204" pitchFamily="34" charset="77"/>
-                <a:ea typeface="宋体" panose="02010600030101010101" pitchFamily="2" charset="-122"/>
-              </a:rPr>
-              <a:t> </a:t>
-            </a:r>
-            <a:r>
-              <a:rPr lang="en-US" altLang="zh-CN" sz="1800" dirty="0">
-                <a:latin typeface="Avenir Next LT Pro" panose="020B0504020202020204" pitchFamily="34" charset="77"/>
-                <a:ea typeface="宋体" panose="02010600030101010101" pitchFamily="2" charset="-122"/>
-              </a:rPr>
-              <a:t>a) {</a:t>
-            </a:r>
-          </a:p>
-          <a:p>
-            <a:pPr eaLnBrk="1" hangingPunct="1">
-              <a:lnSpc>
-                <a:spcPct val="60000"/>
-              </a:lnSpc>
-              <a:spcBef>
-                <a:spcPct val="50000"/>
-              </a:spcBef>
-              <a:buClrTx/>
-              <a:buFontTx/>
-              <a:buNone/>
-            </a:pPr>
-            <a:r>
-              <a:rPr lang="zh-CN" altLang="en-US" sz="1800" dirty="0">
-                <a:latin typeface="Avenir Next LT Pro" panose="020B0504020202020204" pitchFamily="34" charset="77"/>
-                <a:ea typeface="宋体" panose="02010600030101010101" pitchFamily="2" charset="-122"/>
-              </a:rPr>
-              <a:t>  </a:t>
-            </a:r>
-            <a:r>
-              <a:rPr lang="en-US" altLang="zh-CN" sz="1800" dirty="0">
-                <a:latin typeface="Avenir Next LT Pro" panose="020B0504020202020204" pitchFamily="34" charset="77"/>
-                <a:ea typeface="宋体" panose="02010600030101010101" pitchFamily="2" charset="-122"/>
-              </a:rPr>
-              <a:t>2.</a:t>
-            </a:r>
-            <a:r>
-              <a:rPr lang="zh-CN" altLang="en-US" sz="1800" dirty="0">
-                <a:latin typeface="Avenir Next LT Pro" panose="020B0504020202020204" pitchFamily="34" charset="77"/>
-                <a:ea typeface="宋体" panose="02010600030101010101" pitchFamily="2" charset="-122"/>
-              </a:rPr>
-              <a:t> </a:t>
-            </a:r>
-            <a:r>
-              <a:rPr lang="en-US" altLang="zh-CN" sz="1800" dirty="0">
-                <a:latin typeface="Avenir Next LT Pro" panose="020B0504020202020204" pitchFamily="34" charset="77"/>
-                <a:ea typeface="宋体" panose="02010600030101010101" pitchFamily="2" charset="-122"/>
-              </a:rPr>
-              <a:t>   int I;</a:t>
-            </a:r>
-          </a:p>
-          <a:p>
-            <a:pPr eaLnBrk="1" hangingPunct="1">
-              <a:lnSpc>
-                <a:spcPct val="60000"/>
-              </a:lnSpc>
-              <a:spcBef>
-                <a:spcPct val="50000"/>
-              </a:spcBef>
-              <a:buClrTx/>
-              <a:buFontTx/>
-              <a:buNone/>
-            </a:pPr>
-            <a:r>
-              <a:rPr lang="zh-CN" altLang="en-US" sz="1800" dirty="0">
-                <a:latin typeface="Avenir Next LT Pro" panose="020B0504020202020204" pitchFamily="34" charset="77"/>
-                <a:ea typeface="宋体" panose="02010600030101010101" pitchFamily="2" charset="-122"/>
-              </a:rPr>
-              <a:t>  </a:t>
-            </a:r>
-            <a:r>
-              <a:rPr lang="en-US" altLang="zh-CN" sz="1800" dirty="0">
-                <a:latin typeface="Avenir Next LT Pro" panose="020B0504020202020204" pitchFamily="34" charset="77"/>
-                <a:ea typeface="宋体" panose="02010600030101010101" pitchFamily="2" charset="-122"/>
-              </a:rPr>
-              <a:t>3.</a:t>
-            </a:r>
-            <a:r>
-              <a:rPr lang="zh-CN" altLang="en-US" sz="1800" dirty="0">
-                <a:latin typeface="Avenir Next LT Pro" panose="020B0504020202020204" pitchFamily="34" charset="77"/>
-                <a:ea typeface="宋体" panose="02010600030101010101" pitchFamily="2" charset="-122"/>
-              </a:rPr>
-              <a:t>    </a:t>
-            </a:r>
-            <a:r>
-              <a:rPr lang="en-US" altLang="zh-CN" sz="1800" dirty="0">
-                <a:latin typeface="Avenir Next LT Pro" panose="020B0504020202020204" pitchFamily="34" charset="77"/>
-                <a:ea typeface="宋体" panose="02010600030101010101" pitchFamily="2" charset="-122"/>
-              </a:rPr>
-              <a:t>I</a:t>
-            </a:r>
-            <a:r>
-              <a:rPr lang="zh-CN" altLang="en-US" sz="1800" dirty="0">
-                <a:latin typeface="Avenir Next LT Pro" panose="020B0504020202020204" pitchFamily="34" charset="77"/>
-                <a:ea typeface="宋体" panose="02010600030101010101" pitchFamily="2" charset="-122"/>
-              </a:rPr>
-              <a:t> </a:t>
-            </a:r>
-            <a:r>
-              <a:rPr lang="en-US" altLang="zh-CN" sz="1800" dirty="0">
-                <a:latin typeface="Avenir Next LT Pro" panose="020B0504020202020204" pitchFamily="34" charset="77"/>
-                <a:ea typeface="宋体" panose="02010600030101010101" pitchFamily="2" charset="-122"/>
-              </a:rPr>
-              <a:t>=</a:t>
-            </a:r>
-            <a:r>
-              <a:rPr lang="zh-CN" altLang="en-US" sz="1800" dirty="0">
-                <a:latin typeface="Avenir Next LT Pro" panose="020B0504020202020204" pitchFamily="34" charset="77"/>
-                <a:ea typeface="宋体" panose="02010600030101010101" pitchFamily="2" charset="-122"/>
-              </a:rPr>
-              <a:t> </a:t>
-            </a:r>
-            <a:r>
-              <a:rPr lang="en-US" altLang="zh-CN" sz="1800" dirty="0">
-                <a:latin typeface="Avenir Next LT Pro" panose="020B0504020202020204" pitchFamily="34" charset="77"/>
-                <a:ea typeface="宋体" panose="02010600030101010101" pitchFamily="2" charset="-122"/>
-              </a:rPr>
-              <a:t>0;</a:t>
-            </a:r>
-          </a:p>
-          <a:p>
-            <a:pPr eaLnBrk="1" hangingPunct="1">
-              <a:lnSpc>
-                <a:spcPct val="60000"/>
-              </a:lnSpc>
-              <a:spcBef>
-                <a:spcPct val="50000"/>
-              </a:spcBef>
-              <a:buClrTx/>
-              <a:buFontTx/>
-              <a:buNone/>
-            </a:pPr>
-            <a:r>
-              <a:rPr lang="zh-CN" altLang="en-US" sz="1800" dirty="0">
-                <a:latin typeface="Avenir Next LT Pro" panose="020B0504020202020204" pitchFamily="34" charset="77"/>
-                <a:ea typeface="宋体" panose="02010600030101010101" pitchFamily="2" charset="-122"/>
-              </a:rPr>
-              <a:t>  </a:t>
-            </a:r>
-            <a:r>
-              <a:rPr lang="en-US" altLang="zh-CN" sz="1800" dirty="0">
-                <a:latin typeface="Avenir Next LT Pro" panose="020B0504020202020204" pitchFamily="34" charset="77"/>
-                <a:ea typeface="宋体" panose="02010600030101010101" pitchFamily="2" charset="-122"/>
-              </a:rPr>
-              <a:t>4.</a:t>
-            </a:r>
-            <a:r>
-              <a:rPr lang="zh-CN" altLang="en-US" sz="1800" dirty="0">
-                <a:latin typeface="Avenir Next LT Pro" panose="020B0504020202020204" pitchFamily="34" charset="77"/>
-                <a:ea typeface="宋体" panose="02010600030101010101" pitchFamily="2" charset="-122"/>
-              </a:rPr>
-              <a:t> </a:t>
-            </a:r>
-            <a:r>
-              <a:rPr lang="en-US" altLang="zh-CN" sz="1800" dirty="0">
-                <a:latin typeface="Avenir Next LT Pro" panose="020B0504020202020204" pitchFamily="34" charset="77"/>
-                <a:ea typeface="宋体" panose="02010600030101010101" pitchFamily="2" charset="-122"/>
-              </a:rPr>
-              <a:t>   int sum=0;</a:t>
-            </a:r>
-          </a:p>
-          <a:p>
-            <a:pPr eaLnBrk="1" hangingPunct="1">
-              <a:lnSpc>
-                <a:spcPct val="60000"/>
-              </a:lnSpc>
-              <a:spcBef>
-                <a:spcPct val="50000"/>
-              </a:spcBef>
-              <a:buClrTx/>
-              <a:buFontTx/>
-              <a:buNone/>
-            </a:pPr>
-            <a:r>
-              <a:rPr lang="zh-CN" altLang="en-US" sz="1800" dirty="0">
-                <a:latin typeface="Avenir Next LT Pro" panose="020B0504020202020204" pitchFamily="34" charset="77"/>
-                <a:ea typeface="宋体" panose="02010600030101010101" pitchFamily="2" charset="-122"/>
-              </a:rPr>
-              <a:t>  </a:t>
-            </a:r>
-            <a:r>
-              <a:rPr lang="en-US" altLang="zh-CN" sz="1800" dirty="0">
-                <a:latin typeface="Avenir Next LT Pro" panose="020B0504020202020204" pitchFamily="34" charset="77"/>
-                <a:ea typeface="宋体" panose="02010600030101010101" pitchFamily="2" charset="-122"/>
-              </a:rPr>
-              <a:t>5.</a:t>
-            </a:r>
-            <a:r>
-              <a:rPr lang="zh-CN" altLang="en-US" sz="1800" dirty="0">
-                <a:latin typeface="Avenir Next LT Pro" panose="020B0504020202020204" pitchFamily="34" charset="77"/>
-                <a:ea typeface="宋体" panose="02010600030101010101" pitchFamily="2" charset="-122"/>
-              </a:rPr>
-              <a:t> </a:t>
-            </a:r>
-            <a:r>
-              <a:rPr lang="en-US" altLang="zh-CN" sz="1800" dirty="0">
-                <a:latin typeface="Avenir Next LT Pro" panose="020B0504020202020204" pitchFamily="34" charset="77"/>
-                <a:ea typeface="宋体" panose="02010600030101010101" pitchFamily="2" charset="-122"/>
-              </a:rPr>
-              <a:t>   while (I&lt;N) {</a:t>
-            </a:r>
-          </a:p>
-          <a:p>
-            <a:pPr eaLnBrk="1" hangingPunct="1">
-              <a:lnSpc>
-                <a:spcPct val="60000"/>
-              </a:lnSpc>
-              <a:spcBef>
-                <a:spcPct val="50000"/>
-              </a:spcBef>
-              <a:buClrTx/>
-              <a:buFontTx/>
-              <a:buNone/>
-            </a:pPr>
-            <a:r>
-              <a:rPr lang="zh-CN" altLang="en-US" sz="1800" dirty="0">
-                <a:latin typeface="Avenir Next LT Pro" panose="020B0504020202020204" pitchFamily="34" charset="77"/>
-                <a:ea typeface="宋体" panose="02010600030101010101" pitchFamily="2" charset="-122"/>
-              </a:rPr>
-              <a:t>  </a:t>
-            </a:r>
-            <a:r>
-              <a:rPr lang="en-US" altLang="zh-CN" sz="1800" dirty="0">
-                <a:latin typeface="Avenir Next LT Pro" panose="020B0504020202020204" pitchFamily="34" charset="77"/>
-                <a:ea typeface="宋体" panose="02010600030101010101" pitchFamily="2" charset="-122"/>
-              </a:rPr>
-              <a:t>6.</a:t>
-            </a:r>
-            <a:r>
-              <a:rPr lang="zh-CN" altLang="en-US" sz="1800" dirty="0">
-                <a:latin typeface="Avenir Next LT Pro" panose="020B0504020202020204" pitchFamily="34" charset="77"/>
-                <a:ea typeface="宋体" panose="02010600030101010101" pitchFamily="2" charset="-122"/>
-              </a:rPr>
-              <a:t> </a:t>
-            </a:r>
-            <a:r>
-              <a:rPr lang="en-US" altLang="zh-CN" sz="1800" dirty="0">
-                <a:latin typeface="Avenir Next LT Pro" panose="020B0504020202020204" pitchFamily="34" charset="77"/>
-                <a:ea typeface="宋体" panose="02010600030101010101" pitchFamily="2" charset="-122"/>
-              </a:rPr>
-              <a:t>        sum=add(</a:t>
-            </a:r>
-            <a:r>
-              <a:rPr lang="en-US" altLang="zh-CN" sz="1800" dirty="0" err="1">
-                <a:latin typeface="Avenir Next LT Pro" panose="020B0504020202020204" pitchFamily="34" charset="77"/>
-                <a:ea typeface="宋体" panose="02010600030101010101" pitchFamily="2" charset="-122"/>
-              </a:rPr>
-              <a:t>sum,I</a:t>
-            </a:r>
-            <a:r>
-              <a:rPr lang="en-US" altLang="zh-CN" sz="1800" dirty="0">
-                <a:latin typeface="Avenir Next LT Pro" panose="020B0504020202020204" pitchFamily="34" charset="77"/>
-                <a:ea typeface="宋体" panose="02010600030101010101" pitchFamily="2" charset="-122"/>
-              </a:rPr>
-              <a:t>);</a:t>
-            </a:r>
-          </a:p>
-          <a:p>
-            <a:pPr eaLnBrk="1" hangingPunct="1">
-              <a:lnSpc>
-                <a:spcPct val="60000"/>
-              </a:lnSpc>
-              <a:spcBef>
-                <a:spcPct val="50000"/>
-              </a:spcBef>
-              <a:buClrTx/>
-              <a:buFontTx/>
-              <a:buNone/>
-            </a:pPr>
-            <a:r>
-              <a:rPr lang="zh-CN" altLang="en-US" sz="1800" dirty="0">
-                <a:latin typeface="Avenir Next LT Pro" panose="020B0504020202020204" pitchFamily="34" charset="77"/>
-                <a:ea typeface="宋体" panose="02010600030101010101" pitchFamily="2" charset="-122"/>
-              </a:rPr>
-              <a:t>  </a:t>
-            </a:r>
-            <a:r>
-              <a:rPr lang="en-US" altLang="zh-CN" sz="1800" dirty="0">
-                <a:latin typeface="Avenir Next LT Pro" panose="020B0504020202020204" pitchFamily="34" charset="77"/>
-                <a:ea typeface="宋体" panose="02010600030101010101" pitchFamily="2" charset="-122"/>
-              </a:rPr>
-              <a:t>7.</a:t>
-            </a:r>
-            <a:r>
-              <a:rPr lang="zh-CN" altLang="en-US" sz="1800" dirty="0">
-                <a:latin typeface="Avenir Next LT Pro" panose="020B0504020202020204" pitchFamily="34" charset="77"/>
-                <a:ea typeface="宋体" panose="02010600030101010101" pitchFamily="2" charset="-122"/>
-              </a:rPr>
-              <a:t> </a:t>
-            </a:r>
-            <a:r>
-              <a:rPr lang="en-US" altLang="zh-CN" sz="1800" dirty="0">
-                <a:latin typeface="Avenir Next LT Pro" panose="020B0504020202020204" pitchFamily="34" charset="77"/>
-                <a:ea typeface="宋体" panose="02010600030101010101" pitchFamily="2" charset="-122"/>
-              </a:rPr>
-              <a:t>        I=add(I,1);</a:t>
-            </a:r>
-          </a:p>
-          <a:p>
-            <a:pPr eaLnBrk="1" hangingPunct="1">
-              <a:lnSpc>
-                <a:spcPct val="60000"/>
-              </a:lnSpc>
-              <a:spcBef>
-                <a:spcPct val="50000"/>
-              </a:spcBef>
-              <a:buClrTx/>
-              <a:buFontTx/>
-              <a:buNone/>
-            </a:pPr>
-            <a:r>
-              <a:rPr lang="zh-CN" altLang="en-US" sz="1800" dirty="0">
-                <a:latin typeface="Avenir Next LT Pro" panose="020B0504020202020204" pitchFamily="34" charset="77"/>
-                <a:ea typeface="宋体" panose="02010600030101010101" pitchFamily="2" charset="-122"/>
-              </a:rPr>
-              <a:t>  </a:t>
-            </a:r>
-            <a:r>
-              <a:rPr lang="en-US" altLang="zh-CN" sz="1800" dirty="0">
-                <a:latin typeface="Avenir Next LT Pro" panose="020B0504020202020204" pitchFamily="34" charset="77"/>
-                <a:ea typeface="宋体" panose="02010600030101010101" pitchFamily="2" charset="-122"/>
-              </a:rPr>
-              <a:t>8.    }</a:t>
-            </a:r>
-          </a:p>
-          <a:p>
-            <a:pPr eaLnBrk="1" hangingPunct="1">
-              <a:lnSpc>
-                <a:spcPct val="60000"/>
-              </a:lnSpc>
-              <a:spcBef>
-                <a:spcPct val="50000"/>
-              </a:spcBef>
-              <a:buClrTx/>
-              <a:buFontTx/>
-              <a:buNone/>
-            </a:pPr>
-            <a:r>
-              <a:rPr lang="zh-CN" altLang="en-US" sz="1800" dirty="0">
-                <a:latin typeface="Avenir Next LT Pro" panose="020B0504020202020204" pitchFamily="34" charset="77"/>
-                <a:ea typeface="宋体" panose="02010600030101010101" pitchFamily="2" charset="-122"/>
-              </a:rPr>
-              <a:t>  </a:t>
-            </a:r>
-            <a:r>
-              <a:rPr lang="en-US" altLang="zh-CN" sz="1800" dirty="0">
-                <a:latin typeface="Avenir Next LT Pro" panose="020B0504020202020204" pitchFamily="34" charset="77"/>
-                <a:ea typeface="宋体" panose="02010600030101010101" pitchFamily="2" charset="-122"/>
-              </a:rPr>
-              <a:t>9.</a:t>
-            </a:r>
-          </a:p>
-          <a:p>
-            <a:pPr eaLnBrk="1" hangingPunct="1">
-              <a:lnSpc>
-                <a:spcPct val="60000"/>
-              </a:lnSpc>
-              <a:spcBef>
-                <a:spcPct val="50000"/>
-              </a:spcBef>
-              <a:buClrTx/>
-              <a:buFontTx/>
-              <a:buNone/>
-            </a:pPr>
-            <a:r>
-              <a:rPr lang="en-US" altLang="zh-CN" sz="1800" dirty="0">
-                <a:latin typeface="Avenir Next LT Pro" panose="020B0504020202020204" pitchFamily="34" charset="77"/>
-                <a:ea typeface="宋体" panose="02010600030101010101" pitchFamily="2" charset="-122"/>
-              </a:rPr>
-              <a:t>10.    return</a:t>
-            </a:r>
-            <a:r>
-              <a:rPr lang="zh-CN" altLang="en-US" sz="1800" dirty="0">
-                <a:latin typeface="Avenir Next LT Pro" panose="020B0504020202020204" pitchFamily="34" charset="77"/>
-                <a:ea typeface="宋体" panose="02010600030101010101" pitchFamily="2" charset="-122"/>
-              </a:rPr>
-              <a:t> </a:t>
-            </a:r>
-            <a:r>
-              <a:rPr lang="en-US" altLang="zh-CN" sz="1800" dirty="0">
-                <a:latin typeface="Avenir Next LT Pro" panose="020B0504020202020204" pitchFamily="34" charset="77"/>
-                <a:ea typeface="宋体" panose="02010600030101010101" pitchFamily="2" charset="-122"/>
-              </a:rPr>
-              <a:t>0;</a:t>
-            </a:r>
-          </a:p>
-          <a:p>
-            <a:pPr eaLnBrk="1" hangingPunct="1">
-              <a:lnSpc>
-                <a:spcPct val="60000"/>
-              </a:lnSpc>
-              <a:spcBef>
-                <a:spcPct val="50000"/>
-              </a:spcBef>
-              <a:buClrTx/>
-              <a:buFontTx/>
-              <a:buNone/>
-            </a:pPr>
-            <a:r>
-              <a:rPr lang="en-US" altLang="zh-CN" sz="1800" dirty="0">
-                <a:latin typeface="Avenir Next LT Pro" panose="020B0504020202020204" pitchFamily="34" charset="77"/>
-                <a:ea typeface="宋体" panose="02010600030101010101" pitchFamily="2" charset="-122"/>
-              </a:rPr>
-              <a:t>11.</a:t>
-            </a:r>
-            <a:r>
-              <a:rPr lang="zh-CN" altLang="en-US" sz="1800" dirty="0">
-                <a:latin typeface="Avenir Next LT Pro" panose="020B0504020202020204" pitchFamily="34" charset="77"/>
-                <a:ea typeface="宋体" panose="02010600030101010101" pitchFamily="2" charset="-122"/>
-              </a:rPr>
-              <a:t>  </a:t>
-            </a:r>
-            <a:r>
-              <a:rPr lang="en-US" altLang="zh-CN" sz="1800" dirty="0">
-                <a:latin typeface="Avenir Next LT Pro" panose="020B0504020202020204" pitchFamily="34" charset="77"/>
-                <a:ea typeface="宋体" panose="02010600030101010101" pitchFamily="2" charset="-122"/>
-              </a:rPr>
-              <a:t>}</a:t>
-            </a:r>
-          </a:p>
-        </p:txBody>
-      </p:sp>
-      <p:sp>
-        <p:nvSpPr>
-          <p:cNvPr id="17" name="Rectangle 16">
-            <a:extLst>
-              <a:ext uri="{FF2B5EF4-FFF2-40B4-BE49-F238E27FC236}">
-                <a16:creationId xmlns:a16="http://schemas.microsoft.com/office/drawing/2014/main" id="{8F8D3536-078C-B1A3-CFB8-D472191FE762}"/>
-              </a:ext>
-            </a:extLst>
-          </p:cNvPr>
-          <p:cNvSpPr/>
-          <p:nvPr/>
-        </p:nvSpPr>
-        <p:spPr>
-          <a:xfrm>
-            <a:off x="7843035" y="1378525"/>
-            <a:ext cx="2878094" cy="284854"/>
-          </a:xfrm>
-          <a:prstGeom prst="rect">
-            <a:avLst/>
-          </a:prstGeom>
-          <a:solidFill>
-            <a:schemeClr val="bg1">
-              <a:lumMod val="65000"/>
-              <a:alpha val="40000"/>
-            </a:schemeClr>
-          </a:solidFill>
-          <a:ln>
-            <a:noFill/>
-          </a:ln>
-        </p:spPr>
-        <p:style>
-          <a:lnRef idx="2">
-            <a:schemeClr val="accent6"/>
-          </a:lnRef>
-          <a:fillRef idx="1">
-            <a:schemeClr val="lt1"/>
-          </a:fillRef>
-          <a:effectRef idx="0">
-            <a:schemeClr val="accent6"/>
-          </a:effectRef>
-          <a:fontRef idx="minor">
-            <a:schemeClr val="dk1"/>
-          </a:fontRef>
-        </p:style>
-        <p:txBody>
-          <a:bodyPr rtlCol="0" anchor="ctr"/>
-          <a:lstStyle/>
-          <a:p>
-            <a:pPr algn="ctr"/>
-            <a:endParaRPr lang="en-US"/>
-          </a:p>
-        </p:txBody>
-      </p:sp>
-      <p:sp>
-        <p:nvSpPr>
-          <p:cNvPr id="18" name="Rectangle 17">
-            <a:extLst>
-              <a:ext uri="{FF2B5EF4-FFF2-40B4-BE49-F238E27FC236}">
-                <a16:creationId xmlns:a16="http://schemas.microsoft.com/office/drawing/2014/main" id="{F5BB52FC-A2A4-80C4-9CA8-4B60BE43C64C}"/>
-              </a:ext>
-            </a:extLst>
-          </p:cNvPr>
-          <p:cNvSpPr/>
-          <p:nvPr/>
-        </p:nvSpPr>
-        <p:spPr>
-          <a:xfrm>
-            <a:off x="7843035" y="1694001"/>
-            <a:ext cx="2878094" cy="284854"/>
-          </a:xfrm>
-          <a:prstGeom prst="rect">
-            <a:avLst/>
-          </a:prstGeom>
-          <a:solidFill>
-            <a:schemeClr val="bg1">
-              <a:lumMod val="65000"/>
-              <a:alpha val="40000"/>
-            </a:schemeClr>
-          </a:solidFill>
-          <a:ln>
-            <a:noFill/>
-          </a:ln>
-        </p:spPr>
-        <p:style>
-          <a:lnRef idx="2">
-            <a:schemeClr val="accent6"/>
-          </a:lnRef>
-          <a:fillRef idx="1">
-            <a:schemeClr val="lt1"/>
-          </a:fillRef>
-          <a:effectRef idx="0">
-            <a:schemeClr val="accent6"/>
-          </a:effectRef>
-          <a:fontRef idx="minor">
-            <a:schemeClr val="dk1"/>
-          </a:fontRef>
-        </p:style>
-        <p:txBody>
-          <a:bodyPr rtlCol="0" anchor="ctr"/>
-          <a:lstStyle/>
-          <a:p>
-            <a:pPr algn="ctr"/>
-            <a:endParaRPr lang="en-US"/>
-          </a:p>
-        </p:txBody>
-      </p:sp>
-      <p:sp>
-        <p:nvSpPr>
-          <p:cNvPr id="19" name="Rectangle 18">
-            <a:extLst>
-              <a:ext uri="{FF2B5EF4-FFF2-40B4-BE49-F238E27FC236}">
-                <a16:creationId xmlns:a16="http://schemas.microsoft.com/office/drawing/2014/main" id="{397C8604-2B03-B6EE-20EB-9B6CD84E31BD}"/>
-              </a:ext>
-            </a:extLst>
-          </p:cNvPr>
-          <p:cNvSpPr/>
-          <p:nvPr/>
-        </p:nvSpPr>
-        <p:spPr>
-          <a:xfrm>
-            <a:off x="7843035" y="3498225"/>
-            <a:ext cx="2878094" cy="284854"/>
-          </a:xfrm>
-          <a:prstGeom prst="rect">
-            <a:avLst/>
-          </a:prstGeom>
-          <a:solidFill>
-            <a:schemeClr val="bg1">
-              <a:lumMod val="65000"/>
-              <a:alpha val="40000"/>
-            </a:schemeClr>
-          </a:solidFill>
-          <a:ln>
-            <a:noFill/>
-          </a:ln>
-        </p:spPr>
-        <p:style>
-          <a:lnRef idx="2">
-            <a:schemeClr val="accent6"/>
-          </a:lnRef>
-          <a:fillRef idx="1">
-            <a:schemeClr val="lt1"/>
-          </a:fillRef>
-          <a:effectRef idx="0">
-            <a:schemeClr val="accent6"/>
-          </a:effectRef>
-          <a:fontRef idx="minor">
-            <a:schemeClr val="dk1"/>
-          </a:fontRef>
-        </p:style>
-        <p:txBody>
-          <a:bodyPr rtlCol="0" anchor="ctr"/>
-          <a:lstStyle/>
-          <a:p>
-            <a:pPr algn="ctr"/>
-            <a:endParaRPr lang="en-US"/>
-          </a:p>
-        </p:txBody>
-      </p:sp>
-      <p:sp>
-        <p:nvSpPr>
-          <p:cNvPr id="20" name="Rectangle 19">
-            <a:extLst>
-              <a:ext uri="{FF2B5EF4-FFF2-40B4-BE49-F238E27FC236}">
-                <a16:creationId xmlns:a16="http://schemas.microsoft.com/office/drawing/2014/main" id="{34849069-5BCF-E23C-003B-56C6BD58125D}"/>
-              </a:ext>
-            </a:extLst>
-          </p:cNvPr>
-          <p:cNvSpPr/>
-          <p:nvPr/>
-        </p:nvSpPr>
-        <p:spPr>
-          <a:xfrm>
-            <a:off x="7843035" y="4434521"/>
-            <a:ext cx="2878094" cy="284854"/>
-          </a:xfrm>
-          <a:prstGeom prst="rect">
-            <a:avLst/>
-          </a:prstGeom>
-          <a:solidFill>
-            <a:schemeClr val="bg1">
-              <a:lumMod val="65000"/>
-              <a:alpha val="40000"/>
-            </a:schemeClr>
-          </a:solidFill>
-          <a:ln>
-            <a:noFill/>
-          </a:ln>
-        </p:spPr>
-        <p:style>
-          <a:lnRef idx="2">
-            <a:schemeClr val="accent6"/>
-          </a:lnRef>
-          <a:fillRef idx="1">
-            <a:schemeClr val="lt1"/>
-          </a:fillRef>
-          <a:effectRef idx="0">
-            <a:schemeClr val="accent6"/>
-          </a:effectRef>
-          <a:fontRef idx="minor">
-            <a:schemeClr val="dk1"/>
-          </a:fontRef>
-        </p:style>
-        <p:txBody>
-          <a:bodyPr rtlCol="0" anchor="ctr"/>
-          <a:lstStyle/>
-          <a:p>
-            <a:pPr algn="ctr"/>
-            <a:endParaRPr lang="en-US"/>
-          </a:p>
-        </p:txBody>
-      </p:sp>
-      <p:sp>
-        <p:nvSpPr>
-          <p:cNvPr id="21" name="Rectangle 20">
-            <a:extLst>
-              <a:ext uri="{FF2B5EF4-FFF2-40B4-BE49-F238E27FC236}">
-                <a16:creationId xmlns:a16="http://schemas.microsoft.com/office/drawing/2014/main" id="{4852FDD1-52FC-4F96-958D-0365CCAC258C}"/>
-              </a:ext>
-            </a:extLst>
-          </p:cNvPr>
-          <p:cNvSpPr/>
-          <p:nvPr/>
-        </p:nvSpPr>
-        <p:spPr>
-          <a:xfrm>
-            <a:off x="7843035" y="3846921"/>
-            <a:ext cx="2878094" cy="284854"/>
-          </a:xfrm>
-          <a:prstGeom prst="rect">
-            <a:avLst/>
-          </a:prstGeom>
-          <a:solidFill>
-            <a:schemeClr val="bg1">
-              <a:lumMod val="65000"/>
-              <a:alpha val="40000"/>
-            </a:schemeClr>
-          </a:solidFill>
-          <a:ln>
-            <a:noFill/>
-          </a:ln>
-        </p:spPr>
-        <p:style>
-          <a:lnRef idx="2">
-            <a:schemeClr val="accent6"/>
-          </a:lnRef>
-          <a:fillRef idx="1">
-            <a:schemeClr val="lt1"/>
-          </a:fillRef>
-          <a:effectRef idx="0">
-            <a:schemeClr val="accent6"/>
-          </a:effectRef>
-          <a:fontRef idx="minor">
-            <a:schemeClr val="dk1"/>
-          </a:fontRef>
-        </p:style>
-        <p:txBody>
-          <a:bodyPr rtlCol="0" anchor="ctr"/>
-          <a:lstStyle/>
-          <a:p>
-            <a:pPr algn="ctr"/>
-            <a:endParaRPr lang="en-US"/>
-          </a:p>
-        </p:txBody>
-      </p:sp>
-    </p:spTree>
-    <p:extLst>
-      <p:ext uri="{BB962C8B-B14F-4D97-AF65-F5344CB8AC3E}">
-        <p14:creationId xmlns:p14="http://schemas.microsoft.com/office/powerpoint/2010/main" val="2927501517"/>
-      </p:ext>
-    </p:extLst>
-  </p:cSld>
-  <p:clrMapOvr>
-    <a:masterClrMapping/>
-  </p:clrMapOvr>
-  <mc:AlternateContent xmlns:mc="http://schemas.openxmlformats.org/markup-compatibility/2006" xmlns:p14="http://schemas.microsoft.com/office/powerpoint/2010/main">
-    <mc:Choice Requires="p14">
-      <p:transition p14:dur="100">
-        <p:cut/>
-      </p:transition>
-    </mc:Choice>
-    <mc:Fallback xmlns="">
-      <p:transition>
-        <p:cut/>
-      </p:transition>
-    </mc:Fallback>
-  </mc:AlternateContent>
-</p:sld>
-</file>
-
 <file path=ppt/slides/slide3.xml><?xml version="1.0" encoding="utf-8"?>
 <p:sld xmlns:a="http://schemas.openxmlformats.org/drawingml/2006/main" xmlns:r="http://schemas.openxmlformats.org/officeDocument/2006/relationships" xmlns:p="http://schemas.openxmlformats.org/presentationml/2006/main">
   <p:cSld>
@@ -22083,6 +21147,1352 @@
 </file>
 
 <file path=ppt/slides/slide30.xml><?xml version="1.0" encoding="utf-8"?>
+<p:sld xmlns:a="http://schemas.openxmlformats.org/drawingml/2006/main" xmlns:r="http://schemas.openxmlformats.org/officeDocument/2006/relationships" xmlns:p="http://schemas.openxmlformats.org/presentationml/2006/main">
+  <p:cSld>
+    <p:spTree>
+      <p:nvGrpSpPr>
+        <p:cNvPr id="1" name="">
+          <a:extLst>
+            <a:ext uri="{FF2B5EF4-FFF2-40B4-BE49-F238E27FC236}">
+              <a16:creationId xmlns:a16="http://schemas.microsoft.com/office/drawing/2014/main" id="{C2054337-8034-4DC8-737A-D8F0E9AB06BB}"/>
+            </a:ext>
+          </a:extLst>
+        </p:cNvPr>
+        <p:cNvGrpSpPr/>
+        <p:nvPr/>
+      </p:nvGrpSpPr>
+      <p:grpSpPr>
+        <a:xfrm>
+          <a:off x="0" y="0"/>
+          <a:ext cx="0" cy="0"/>
+          <a:chOff x="0" y="0"/>
+          <a:chExt cx="0" cy="0"/>
+        </a:xfrm>
+      </p:grpSpPr>
+      <p:sp>
+        <p:nvSpPr>
+          <p:cNvPr id="2" name="Content Placeholder 1">
+            <a:extLst>
+              <a:ext uri="{FF2B5EF4-FFF2-40B4-BE49-F238E27FC236}">
+                <a16:creationId xmlns:a16="http://schemas.microsoft.com/office/drawing/2014/main" id="{E0AD3B66-D124-7335-53E3-A2559AA3C11C}"/>
+              </a:ext>
+            </a:extLst>
+          </p:cNvPr>
+          <p:cNvSpPr>
+            <a:spLocks noGrp="1"/>
+          </p:cNvSpPr>
+          <p:nvPr>
+            <p:ph idx="1"/>
+          </p:nvPr>
+        </p:nvSpPr>
+        <p:spPr/>
+        <p:txBody>
+          <a:bodyPr/>
+          <a:lstStyle/>
+          <a:p>
+            <a:r>
+              <a:rPr lang="en-US" altLang="zh-CN" dirty="0"/>
+              <a:t>Several</a:t>
+            </a:r>
+            <a:r>
+              <a:rPr lang="zh-CN" altLang="en-US" dirty="0"/>
+              <a:t> </a:t>
+            </a:r>
+            <a:r>
+              <a:rPr lang="en-US" altLang="zh-CN" dirty="0"/>
+              <a:t>program</a:t>
+            </a:r>
+            <a:r>
+              <a:rPr lang="zh-CN" altLang="en-US" dirty="0"/>
+              <a:t> </a:t>
+            </a:r>
+            <a:r>
+              <a:rPr lang="en-US" altLang="zh-CN" dirty="0"/>
+              <a:t>lines</a:t>
+            </a:r>
+            <a:r>
+              <a:rPr lang="zh-CN" altLang="en-US" dirty="0"/>
+              <a:t> </a:t>
+            </a:r>
+            <a:r>
+              <a:rPr lang="en-US" altLang="zh-CN" dirty="0"/>
+              <a:t>do</a:t>
+            </a:r>
+            <a:r>
+              <a:rPr lang="zh-CN" altLang="en-US" dirty="0"/>
+              <a:t> </a:t>
+            </a:r>
+            <a:r>
+              <a:rPr lang="en-US" altLang="zh-CN" dirty="0"/>
+              <a:t>not</a:t>
+            </a:r>
+            <a:r>
+              <a:rPr lang="zh-CN" altLang="en-US" dirty="0"/>
+              <a:t> </a:t>
+            </a:r>
+            <a:r>
+              <a:rPr lang="en-US" altLang="zh-CN" dirty="0"/>
+              <a:t>really</a:t>
+            </a:r>
+            <a:r>
+              <a:rPr lang="zh-CN" altLang="en-US" dirty="0"/>
+              <a:t> </a:t>
+            </a:r>
+            <a:r>
+              <a:rPr lang="en-US" altLang="zh-CN" dirty="0"/>
+              <a:t>matter</a:t>
+            </a:r>
+          </a:p>
+          <a:p>
+            <a:pPr lvl="1"/>
+            <a:r>
+              <a:rPr lang="en-US" altLang="zh-CN" dirty="0"/>
+              <a:t>The</a:t>
+            </a:r>
+            <a:r>
+              <a:rPr lang="zh-CN" altLang="en-US" dirty="0"/>
+              <a:t> </a:t>
+            </a:r>
+            <a:r>
+              <a:rPr lang="en-US" altLang="zh-CN" dirty="0"/>
+              <a:t>function</a:t>
+            </a:r>
+            <a:r>
+              <a:rPr lang="zh-CN" altLang="en-US" dirty="0"/>
+              <a:t> </a:t>
+            </a:r>
+            <a:r>
+              <a:rPr lang="en-US" altLang="zh-CN" dirty="0"/>
+              <a:t>declaration</a:t>
+            </a:r>
+          </a:p>
+          <a:p>
+            <a:pPr lvl="1"/>
+            <a:r>
+              <a:rPr lang="en-US" altLang="zh-CN" dirty="0"/>
+              <a:t>The</a:t>
+            </a:r>
+            <a:r>
+              <a:rPr lang="zh-CN" altLang="en-US" dirty="0"/>
+              <a:t> </a:t>
+            </a:r>
+            <a:r>
+              <a:rPr lang="en-US" altLang="zh-CN" dirty="0"/>
+              <a:t>variable</a:t>
+            </a:r>
+            <a:r>
+              <a:rPr lang="zh-CN" altLang="en-US" dirty="0"/>
+              <a:t> </a:t>
+            </a:r>
+            <a:r>
+              <a:rPr lang="en-US" altLang="zh-CN" dirty="0"/>
+              <a:t>declaration</a:t>
+            </a:r>
+          </a:p>
+          <a:p>
+            <a:pPr lvl="1"/>
+            <a:r>
+              <a:rPr lang="en-US" altLang="zh-CN" dirty="0"/>
+              <a:t>Big</a:t>
+            </a:r>
+            <a:r>
+              <a:rPr lang="zh-CN" altLang="en-US" dirty="0"/>
+              <a:t> </a:t>
+            </a:r>
+            <a:r>
+              <a:rPr lang="en-US" altLang="zh-CN" dirty="0"/>
+              <a:t>brackets</a:t>
+            </a:r>
+            <a:r>
+              <a:rPr lang="zh-CN" altLang="en-US" dirty="0"/>
+              <a:t> </a:t>
+            </a:r>
+            <a:r>
+              <a:rPr lang="en-US" altLang="zh-CN" dirty="0"/>
+              <a:t>(i.e.,</a:t>
+            </a:r>
+            <a:r>
+              <a:rPr lang="zh-CN" altLang="en-US" dirty="0"/>
+              <a:t> </a:t>
+            </a:r>
+            <a:r>
+              <a:rPr lang="en-US" altLang="zh-CN" dirty="0"/>
+              <a:t>{</a:t>
+            </a:r>
+            <a:r>
+              <a:rPr lang="zh-CN" altLang="en-US" dirty="0"/>
+              <a:t> </a:t>
+            </a:r>
+            <a:r>
+              <a:rPr lang="en-US" altLang="zh-CN" dirty="0"/>
+              <a:t>and</a:t>
+            </a:r>
+            <a:r>
+              <a:rPr lang="zh-CN" altLang="en-US" dirty="0"/>
+              <a:t> </a:t>
+            </a:r>
+            <a:r>
+              <a:rPr lang="en-US" altLang="zh-CN" dirty="0"/>
+              <a:t>})</a:t>
+            </a:r>
+          </a:p>
+          <a:p>
+            <a:pPr lvl="1"/>
+            <a:r>
+              <a:rPr lang="en-US" altLang="zh-CN" dirty="0"/>
+              <a:t>Space</a:t>
+            </a:r>
+            <a:r>
+              <a:rPr lang="zh-CN" altLang="en-US" dirty="0"/>
+              <a:t> </a:t>
+            </a:r>
+            <a:r>
+              <a:rPr lang="en-US" altLang="zh-CN" dirty="0"/>
+              <a:t>lines</a:t>
+            </a:r>
+          </a:p>
+          <a:p>
+            <a:pPr lvl="1"/>
+            <a:endParaRPr lang="en-US" altLang="zh-CN" dirty="0"/>
+          </a:p>
+          <a:p>
+            <a:pPr lvl="1"/>
+            <a:endParaRPr lang="en-US" altLang="zh-CN" dirty="0"/>
+          </a:p>
+          <a:p>
+            <a:r>
+              <a:rPr lang="en-US" altLang="zh-CN" dirty="0"/>
+              <a:t>We</a:t>
+            </a:r>
+            <a:r>
+              <a:rPr lang="zh-CN" altLang="en-US" dirty="0"/>
+              <a:t> </a:t>
+            </a:r>
+            <a:r>
+              <a:rPr lang="en-US" altLang="zh-CN" dirty="0"/>
+              <a:t>add</a:t>
+            </a:r>
+            <a:r>
+              <a:rPr lang="zh-CN" altLang="en-US" dirty="0"/>
+              <a:t> </a:t>
+            </a:r>
+            <a:r>
+              <a:rPr lang="en-US" altLang="zh-CN" dirty="0"/>
+              <a:t>them</a:t>
+            </a:r>
+            <a:r>
+              <a:rPr lang="zh-CN" altLang="en-US" dirty="0"/>
+              <a:t> </a:t>
+            </a:r>
+            <a:r>
+              <a:rPr lang="en-US" altLang="zh-CN" dirty="0"/>
+              <a:t>in</a:t>
+            </a:r>
+            <a:r>
+              <a:rPr lang="zh-CN" altLang="en-US" dirty="0"/>
+              <a:t> </a:t>
+            </a:r>
+            <a:r>
+              <a:rPr lang="en-US" altLang="zh-CN" dirty="0"/>
+              <a:t>the</a:t>
+            </a:r>
+            <a:r>
+              <a:rPr lang="zh-CN" altLang="en-US" dirty="0"/>
+              <a:t> </a:t>
+            </a:r>
+            <a:r>
+              <a:rPr lang="en-US" altLang="zh-CN" dirty="0"/>
+              <a:t>whitelist</a:t>
+            </a:r>
+          </a:p>
+          <a:p>
+            <a:pPr lvl="1"/>
+            <a:r>
+              <a:rPr lang="en-US" altLang="zh-CN" dirty="0"/>
+              <a:t>Just</a:t>
+            </a:r>
+            <a:r>
+              <a:rPr lang="zh-CN" altLang="en-US" dirty="0"/>
+              <a:t> </a:t>
+            </a:r>
+            <a:r>
+              <a:rPr lang="en-US" altLang="zh-CN" dirty="0"/>
+              <a:t>ignore</a:t>
+            </a:r>
+            <a:r>
+              <a:rPr lang="zh-CN" altLang="en-US" dirty="0"/>
+              <a:t> </a:t>
+            </a:r>
+            <a:r>
+              <a:rPr lang="en-US" altLang="zh-CN" dirty="0"/>
+              <a:t>them</a:t>
+            </a:r>
+          </a:p>
+          <a:p>
+            <a:pPr lvl="1"/>
+            <a:endParaRPr lang="en-US" altLang="zh-CN" dirty="0"/>
+          </a:p>
+          <a:p>
+            <a:endParaRPr lang="en-US" dirty="0"/>
+          </a:p>
+          <a:p>
+            <a:endParaRPr lang="en-US" dirty="0"/>
+          </a:p>
+        </p:txBody>
+      </p:sp>
+      <p:sp>
+        <p:nvSpPr>
+          <p:cNvPr id="3" name="Slide Number Placeholder 2">
+            <a:extLst>
+              <a:ext uri="{FF2B5EF4-FFF2-40B4-BE49-F238E27FC236}">
+                <a16:creationId xmlns:a16="http://schemas.microsoft.com/office/drawing/2014/main" id="{D4261D79-83FD-7676-BE9B-1E24BEC877B2}"/>
+              </a:ext>
+            </a:extLst>
+          </p:cNvPr>
+          <p:cNvSpPr>
+            <a:spLocks noGrp="1"/>
+          </p:cNvSpPr>
+          <p:nvPr>
+            <p:ph type="sldNum" sz="quarter" idx="12"/>
+          </p:nvPr>
+        </p:nvSpPr>
+        <p:spPr/>
+        <p:txBody>
+          <a:bodyPr/>
+          <a:lstStyle/>
+          <a:p>
+            <a:fld id="{EBB1F091-3A24-4346-912C-5ECD06B05EBE}" type="slidenum">
+              <a:rPr lang="en-US" smtClean="0"/>
+              <a:t>30</a:t>
+            </a:fld>
+            <a:endParaRPr lang="en-US"/>
+          </a:p>
+        </p:txBody>
+      </p:sp>
+      <p:sp>
+        <p:nvSpPr>
+          <p:cNvPr id="4" name="Title 3">
+            <a:extLst>
+              <a:ext uri="{FF2B5EF4-FFF2-40B4-BE49-F238E27FC236}">
+                <a16:creationId xmlns:a16="http://schemas.microsoft.com/office/drawing/2014/main" id="{36BDDE61-17A3-D560-3C89-7BB04F54B072}"/>
+              </a:ext>
+            </a:extLst>
+          </p:cNvPr>
+          <p:cNvSpPr>
+            <a:spLocks noGrp="1"/>
+          </p:cNvSpPr>
+          <p:nvPr>
+            <p:ph type="title"/>
+          </p:nvPr>
+        </p:nvSpPr>
+        <p:spPr/>
+        <p:txBody>
+          <a:bodyPr/>
+          <a:lstStyle/>
+          <a:p>
+            <a:r>
+              <a:rPr lang="en-US" altLang="zh-CN" dirty="0" err="1"/>
+              <a:t>RepoSlice</a:t>
+            </a:r>
+            <a:r>
+              <a:rPr lang="en-US" altLang="zh-CN" dirty="0"/>
+              <a:t>:</a:t>
+            </a:r>
+            <a:r>
+              <a:rPr lang="zh-CN" altLang="en-US" dirty="0"/>
+              <a:t> </a:t>
+            </a:r>
+            <a:r>
+              <a:rPr lang="en-US" altLang="zh-CN" dirty="0"/>
+              <a:t>What</a:t>
+            </a:r>
+            <a:r>
+              <a:rPr lang="zh-CN" altLang="en-US" dirty="0"/>
+              <a:t> </a:t>
+            </a:r>
+            <a:r>
+              <a:rPr lang="en-US" altLang="zh-CN" dirty="0"/>
+              <a:t>U</a:t>
+            </a:r>
+            <a:r>
+              <a:rPr lang="zh-CN" altLang="en-US" dirty="0"/>
+              <a:t> </a:t>
+            </a:r>
+            <a:r>
+              <a:rPr lang="en-US" altLang="zh-CN" dirty="0"/>
+              <a:t>Need</a:t>
+            </a:r>
+            <a:r>
+              <a:rPr lang="zh-CN" altLang="en-US" dirty="0"/>
+              <a:t> </a:t>
+            </a:r>
+            <a:r>
+              <a:rPr lang="en-US" altLang="zh-CN" dirty="0"/>
+              <a:t>to</a:t>
+            </a:r>
+            <a:r>
+              <a:rPr lang="zh-CN" altLang="en-US" dirty="0"/>
+              <a:t> </a:t>
+            </a:r>
+            <a:r>
+              <a:rPr lang="en-US" altLang="zh-CN" dirty="0"/>
+              <a:t>Do</a:t>
+            </a:r>
+            <a:endParaRPr lang="en-US" dirty="0"/>
+          </a:p>
+        </p:txBody>
+      </p:sp>
+      <p:sp>
+        <p:nvSpPr>
+          <p:cNvPr id="8" name="Text Box 7">
+            <a:extLst>
+              <a:ext uri="{FF2B5EF4-FFF2-40B4-BE49-F238E27FC236}">
+                <a16:creationId xmlns:a16="http://schemas.microsoft.com/office/drawing/2014/main" id="{3500D829-CAB5-9B80-7FC5-AAD310F60DC7}"/>
+              </a:ext>
+            </a:extLst>
+          </p:cNvPr>
+          <p:cNvSpPr txBox="1">
+            <a:spLocks noChangeArrowheads="1"/>
+          </p:cNvSpPr>
+          <p:nvPr/>
+        </p:nvSpPr>
+        <p:spPr bwMode="auto">
+          <a:xfrm>
+            <a:off x="7843036" y="1291636"/>
+            <a:ext cx="2878094" cy="3468835"/>
+          </a:xfrm>
+          <a:prstGeom prst="rect">
+            <a:avLst/>
+          </a:prstGeom>
+          <a:noFill/>
+          <a:ln w="12700">
+            <a:solidFill>
+              <a:schemeClr val="tx1"/>
+            </a:solidFill>
+            <a:miter lim="800000"/>
+            <a:headEnd type="none" w="sm" len="sm"/>
+            <a:tailEnd type="none" w="sm" len="sm"/>
+          </a:ln>
+          <a:extLst>
+            <a:ext uri="{909E8E84-426E-40DD-AFC4-6F175D3DCCD1}">
+              <a14:hiddenFill xmlns:a14="http://schemas.microsoft.com/office/drawing/2010/main">
+                <a:solidFill>
+                  <a:srgbClr val="FFFFFF"/>
+                </a:solidFill>
+              </a14:hiddenFill>
+            </a:ext>
+          </a:extLst>
+        </p:spPr>
+        <p:txBody>
+          <a:bodyPr wrap="square">
+            <a:spAutoFit/>
+          </a:bodyPr>
+          <a:lstStyle>
+            <a:lvl1pPr>
+              <a:spcBef>
+                <a:spcPct val="20000"/>
+              </a:spcBef>
+              <a:buClr>
+                <a:srgbClr val="CC3300"/>
+              </a:buClr>
+              <a:buBlip>
+                <a:blip r:embed="rId2"/>
+              </a:buBlip>
+              <a:defRPr sz="1900">
+                <a:solidFill>
+                  <a:schemeClr val="tx1"/>
+                </a:solidFill>
+                <a:latin typeface="Comic Sans MS" panose="030F0902030302020204" pitchFamily="66" charset="0"/>
+              </a:defRPr>
+            </a:lvl1pPr>
+            <a:lvl2pPr marL="742950" indent="-285750">
+              <a:spcBef>
+                <a:spcPct val="20000"/>
+              </a:spcBef>
+              <a:buBlip>
+                <a:blip r:embed="rId3"/>
+              </a:buBlip>
+              <a:defRPr sz="2800">
+                <a:solidFill>
+                  <a:schemeClr val="tx1"/>
+                </a:solidFill>
+                <a:latin typeface="Comic Sans MS" panose="030F0902030302020204" pitchFamily="66" charset="0"/>
+              </a:defRPr>
+            </a:lvl2pPr>
+            <a:lvl3pPr marL="1143000" indent="-228600">
+              <a:spcBef>
+                <a:spcPct val="20000"/>
+              </a:spcBef>
+              <a:buBlip>
+                <a:blip r:embed="rId4"/>
+              </a:buBlip>
+              <a:defRPr sz="1700">
+                <a:solidFill>
+                  <a:schemeClr val="tx1"/>
+                </a:solidFill>
+                <a:latin typeface="Comic Sans MS" panose="030F0902030302020204" pitchFamily="66" charset="0"/>
+              </a:defRPr>
+            </a:lvl3pPr>
+            <a:lvl4pPr marL="1600200" indent="-228600">
+              <a:spcBef>
+                <a:spcPct val="20000"/>
+              </a:spcBef>
+              <a:buChar char="–"/>
+              <a:defRPr sz="1600">
+                <a:solidFill>
+                  <a:schemeClr val="tx1"/>
+                </a:solidFill>
+                <a:latin typeface="Comic Sans MS" panose="030F0902030302020204" pitchFamily="66" charset="0"/>
+              </a:defRPr>
+            </a:lvl4pPr>
+            <a:lvl5pPr marL="2057400" indent="-228600">
+              <a:spcBef>
+                <a:spcPct val="20000"/>
+              </a:spcBef>
+              <a:buChar char="–"/>
+              <a:defRPr sz="1500">
+                <a:solidFill>
+                  <a:schemeClr val="tx1"/>
+                </a:solidFill>
+                <a:latin typeface="Comic Sans MS" panose="030F0902030302020204" pitchFamily="66" charset="0"/>
+              </a:defRPr>
+            </a:lvl5pPr>
+            <a:lvl6pPr marL="2514600" indent="-228600" eaLnBrk="0" fontAlgn="base" hangingPunct="0">
+              <a:spcBef>
+                <a:spcPct val="20000"/>
+              </a:spcBef>
+              <a:spcAft>
+                <a:spcPct val="0"/>
+              </a:spcAft>
+              <a:buChar char="–"/>
+              <a:defRPr sz="1500">
+                <a:solidFill>
+                  <a:schemeClr val="tx1"/>
+                </a:solidFill>
+                <a:latin typeface="Comic Sans MS" panose="030F0902030302020204" pitchFamily="66" charset="0"/>
+              </a:defRPr>
+            </a:lvl6pPr>
+            <a:lvl7pPr marL="2971800" indent="-228600" eaLnBrk="0" fontAlgn="base" hangingPunct="0">
+              <a:spcBef>
+                <a:spcPct val="20000"/>
+              </a:spcBef>
+              <a:spcAft>
+                <a:spcPct val="0"/>
+              </a:spcAft>
+              <a:buChar char="–"/>
+              <a:defRPr sz="1500">
+                <a:solidFill>
+                  <a:schemeClr val="tx1"/>
+                </a:solidFill>
+                <a:latin typeface="Comic Sans MS" panose="030F0902030302020204" pitchFamily="66" charset="0"/>
+              </a:defRPr>
+            </a:lvl7pPr>
+            <a:lvl8pPr marL="3429000" indent="-228600" eaLnBrk="0" fontAlgn="base" hangingPunct="0">
+              <a:spcBef>
+                <a:spcPct val="20000"/>
+              </a:spcBef>
+              <a:spcAft>
+                <a:spcPct val="0"/>
+              </a:spcAft>
+              <a:buChar char="–"/>
+              <a:defRPr sz="1500">
+                <a:solidFill>
+                  <a:schemeClr val="tx1"/>
+                </a:solidFill>
+                <a:latin typeface="Comic Sans MS" panose="030F0902030302020204" pitchFamily="66" charset="0"/>
+              </a:defRPr>
+            </a:lvl8pPr>
+            <a:lvl9pPr marL="3886200" indent="-228600" eaLnBrk="0" fontAlgn="base" hangingPunct="0">
+              <a:spcBef>
+                <a:spcPct val="20000"/>
+              </a:spcBef>
+              <a:spcAft>
+                <a:spcPct val="0"/>
+              </a:spcAft>
+              <a:buChar char="–"/>
+              <a:defRPr sz="1500">
+                <a:solidFill>
+                  <a:schemeClr val="tx1"/>
+                </a:solidFill>
+                <a:latin typeface="Comic Sans MS" panose="030F0902030302020204" pitchFamily="66" charset="0"/>
+              </a:defRPr>
+            </a:lvl9pPr>
+          </a:lstStyle>
+          <a:p>
+            <a:pPr eaLnBrk="1" hangingPunct="1">
+              <a:lnSpc>
+                <a:spcPct val="60000"/>
+              </a:lnSpc>
+              <a:spcBef>
+                <a:spcPct val="50000"/>
+              </a:spcBef>
+              <a:buClrTx/>
+              <a:buFontTx/>
+              <a:buNone/>
+            </a:pPr>
+            <a:endParaRPr lang="en-US" altLang="zh-CN" sz="100" dirty="0">
+              <a:latin typeface="Avenir Next LT Pro" panose="020B0504020202020204" pitchFamily="34" charset="77"/>
+              <a:ea typeface="宋体" panose="02010600030101010101" pitchFamily="2" charset="-122"/>
+            </a:endParaRPr>
+          </a:p>
+          <a:p>
+            <a:pPr eaLnBrk="1" hangingPunct="1">
+              <a:lnSpc>
+                <a:spcPct val="60000"/>
+              </a:lnSpc>
+              <a:spcBef>
+                <a:spcPct val="50000"/>
+              </a:spcBef>
+              <a:buClrTx/>
+              <a:buFontTx/>
+              <a:buNone/>
+            </a:pPr>
+            <a:r>
+              <a:rPr lang="zh-CN" altLang="en-US" sz="1800" dirty="0">
+                <a:latin typeface="Avenir Next LT Pro" panose="020B0504020202020204" pitchFamily="34" charset="77"/>
+                <a:ea typeface="宋体" panose="02010600030101010101" pitchFamily="2" charset="-122"/>
+              </a:rPr>
+              <a:t>  </a:t>
+            </a:r>
+            <a:r>
+              <a:rPr lang="en-US" altLang="zh-CN" sz="1800" dirty="0">
+                <a:latin typeface="Avenir Next LT Pro" panose="020B0504020202020204" pitchFamily="34" charset="77"/>
+                <a:ea typeface="宋体" panose="02010600030101010101" pitchFamily="2" charset="-122"/>
+              </a:rPr>
+              <a:t>1.</a:t>
+            </a:r>
+            <a:r>
+              <a:rPr lang="zh-CN" altLang="en-US" sz="1800" dirty="0">
+                <a:latin typeface="Avenir Next LT Pro" panose="020B0504020202020204" pitchFamily="34" charset="77"/>
+                <a:ea typeface="宋体" panose="02010600030101010101" pitchFamily="2" charset="-122"/>
+              </a:rPr>
+              <a:t> </a:t>
+            </a:r>
+            <a:r>
+              <a:rPr lang="en-US" altLang="zh-CN" sz="1800" dirty="0">
+                <a:latin typeface="Avenir Next LT Pro" panose="020B0504020202020204" pitchFamily="34" charset="77"/>
+                <a:ea typeface="宋体" panose="02010600030101010101" pitchFamily="2" charset="-122"/>
+              </a:rPr>
+              <a:t>void foo (int</a:t>
+            </a:r>
+            <a:r>
+              <a:rPr lang="zh-CN" altLang="en-US" sz="1800" dirty="0">
+                <a:latin typeface="Avenir Next LT Pro" panose="020B0504020202020204" pitchFamily="34" charset="77"/>
+                <a:ea typeface="宋体" panose="02010600030101010101" pitchFamily="2" charset="-122"/>
+              </a:rPr>
+              <a:t> </a:t>
+            </a:r>
+            <a:r>
+              <a:rPr lang="en-US" altLang="zh-CN" sz="1800" dirty="0">
+                <a:latin typeface="Avenir Next LT Pro" panose="020B0504020202020204" pitchFamily="34" charset="77"/>
+                <a:ea typeface="宋体" panose="02010600030101010101" pitchFamily="2" charset="-122"/>
+              </a:rPr>
+              <a:t>a) {</a:t>
+            </a:r>
+          </a:p>
+          <a:p>
+            <a:pPr eaLnBrk="1" hangingPunct="1">
+              <a:lnSpc>
+                <a:spcPct val="60000"/>
+              </a:lnSpc>
+              <a:spcBef>
+                <a:spcPct val="50000"/>
+              </a:spcBef>
+              <a:buClrTx/>
+              <a:buFontTx/>
+              <a:buNone/>
+            </a:pPr>
+            <a:r>
+              <a:rPr lang="zh-CN" altLang="en-US" sz="1800" dirty="0">
+                <a:latin typeface="Avenir Next LT Pro" panose="020B0504020202020204" pitchFamily="34" charset="77"/>
+                <a:ea typeface="宋体" panose="02010600030101010101" pitchFamily="2" charset="-122"/>
+              </a:rPr>
+              <a:t>  </a:t>
+            </a:r>
+            <a:r>
+              <a:rPr lang="en-US" altLang="zh-CN" sz="1800" dirty="0">
+                <a:latin typeface="Avenir Next LT Pro" panose="020B0504020202020204" pitchFamily="34" charset="77"/>
+                <a:ea typeface="宋体" panose="02010600030101010101" pitchFamily="2" charset="-122"/>
+              </a:rPr>
+              <a:t>2.</a:t>
+            </a:r>
+            <a:r>
+              <a:rPr lang="zh-CN" altLang="en-US" sz="1800" dirty="0">
+                <a:latin typeface="Avenir Next LT Pro" panose="020B0504020202020204" pitchFamily="34" charset="77"/>
+                <a:ea typeface="宋体" panose="02010600030101010101" pitchFamily="2" charset="-122"/>
+              </a:rPr>
+              <a:t> </a:t>
+            </a:r>
+            <a:r>
+              <a:rPr lang="en-US" altLang="zh-CN" sz="1800" dirty="0">
+                <a:latin typeface="Avenir Next LT Pro" panose="020B0504020202020204" pitchFamily="34" charset="77"/>
+                <a:ea typeface="宋体" panose="02010600030101010101" pitchFamily="2" charset="-122"/>
+              </a:rPr>
+              <a:t>   int I;</a:t>
+            </a:r>
+          </a:p>
+          <a:p>
+            <a:pPr eaLnBrk="1" hangingPunct="1">
+              <a:lnSpc>
+                <a:spcPct val="60000"/>
+              </a:lnSpc>
+              <a:spcBef>
+                <a:spcPct val="50000"/>
+              </a:spcBef>
+              <a:buClrTx/>
+              <a:buFontTx/>
+              <a:buNone/>
+            </a:pPr>
+            <a:r>
+              <a:rPr lang="zh-CN" altLang="en-US" sz="1800" dirty="0">
+                <a:latin typeface="Avenir Next LT Pro" panose="020B0504020202020204" pitchFamily="34" charset="77"/>
+                <a:ea typeface="宋体" panose="02010600030101010101" pitchFamily="2" charset="-122"/>
+              </a:rPr>
+              <a:t>  </a:t>
+            </a:r>
+            <a:r>
+              <a:rPr lang="en-US" altLang="zh-CN" sz="1800" dirty="0">
+                <a:latin typeface="Avenir Next LT Pro" panose="020B0504020202020204" pitchFamily="34" charset="77"/>
+                <a:ea typeface="宋体" panose="02010600030101010101" pitchFamily="2" charset="-122"/>
+              </a:rPr>
+              <a:t>3.</a:t>
+            </a:r>
+            <a:r>
+              <a:rPr lang="zh-CN" altLang="en-US" sz="1800" dirty="0">
+                <a:latin typeface="Avenir Next LT Pro" panose="020B0504020202020204" pitchFamily="34" charset="77"/>
+                <a:ea typeface="宋体" panose="02010600030101010101" pitchFamily="2" charset="-122"/>
+              </a:rPr>
+              <a:t>    </a:t>
+            </a:r>
+            <a:r>
+              <a:rPr lang="en-US" altLang="zh-CN" sz="1800" dirty="0">
+                <a:latin typeface="Avenir Next LT Pro" panose="020B0504020202020204" pitchFamily="34" charset="77"/>
+                <a:ea typeface="宋体" panose="02010600030101010101" pitchFamily="2" charset="-122"/>
+              </a:rPr>
+              <a:t>I</a:t>
+            </a:r>
+            <a:r>
+              <a:rPr lang="zh-CN" altLang="en-US" sz="1800" dirty="0">
+                <a:latin typeface="Avenir Next LT Pro" panose="020B0504020202020204" pitchFamily="34" charset="77"/>
+                <a:ea typeface="宋体" panose="02010600030101010101" pitchFamily="2" charset="-122"/>
+              </a:rPr>
+              <a:t> </a:t>
+            </a:r>
+            <a:r>
+              <a:rPr lang="en-US" altLang="zh-CN" sz="1800" dirty="0">
+                <a:latin typeface="Avenir Next LT Pro" panose="020B0504020202020204" pitchFamily="34" charset="77"/>
+                <a:ea typeface="宋体" panose="02010600030101010101" pitchFamily="2" charset="-122"/>
+              </a:rPr>
+              <a:t>=</a:t>
+            </a:r>
+            <a:r>
+              <a:rPr lang="zh-CN" altLang="en-US" sz="1800" dirty="0">
+                <a:latin typeface="Avenir Next LT Pro" panose="020B0504020202020204" pitchFamily="34" charset="77"/>
+                <a:ea typeface="宋体" panose="02010600030101010101" pitchFamily="2" charset="-122"/>
+              </a:rPr>
+              <a:t> </a:t>
+            </a:r>
+            <a:r>
+              <a:rPr lang="en-US" altLang="zh-CN" sz="1800" dirty="0">
+                <a:latin typeface="Avenir Next LT Pro" panose="020B0504020202020204" pitchFamily="34" charset="77"/>
+                <a:ea typeface="宋体" panose="02010600030101010101" pitchFamily="2" charset="-122"/>
+              </a:rPr>
+              <a:t>0;</a:t>
+            </a:r>
+          </a:p>
+          <a:p>
+            <a:pPr eaLnBrk="1" hangingPunct="1">
+              <a:lnSpc>
+                <a:spcPct val="60000"/>
+              </a:lnSpc>
+              <a:spcBef>
+                <a:spcPct val="50000"/>
+              </a:spcBef>
+              <a:buClrTx/>
+              <a:buFontTx/>
+              <a:buNone/>
+            </a:pPr>
+            <a:r>
+              <a:rPr lang="zh-CN" altLang="en-US" sz="1800" dirty="0">
+                <a:latin typeface="Avenir Next LT Pro" panose="020B0504020202020204" pitchFamily="34" charset="77"/>
+                <a:ea typeface="宋体" panose="02010600030101010101" pitchFamily="2" charset="-122"/>
+              </a:rPr>
+              <a:t>  </a:t>
+            </a:r>
+            <a:r>
+              <a:rPr lang="en-US" altLang="zh-CN" sz="1800" dirty="0">
+                <a:latin typeface="Avenir Next LT Pro" panose="020B0504020202020204" pitchFamily="34" charset="77"/>
+                <a:ea typeface="宋体" panose="02010600030101010101" pitchFamily="2" charset="-122"/>
+              </a:rPr>
+              <a:t>4.</a:t>
+            </a:r>
+            <a:r>
+              <a:rPr lang="zh-CN" altLang="en-US" sz="1800" dirty="0">
+                <a:latin typeface="Avenir Next LT Pro" panose="020B0504020202020204" pitchFamily="34" charset="77"/>
+                <a:ea typeface="宋体" panose="02010600030101010101" pitchFamily="2" charset="-122"/>
+              </a:rPr>
+              <a:t> </a:t>
+            </a:r>
+            <a:r>
+              <a:rPr lang="en-US" altLang="zh-CN" sz="1800" dirty="0">
+                <a:latin typeface="Avenir Next LT Pro" panose="020B0504020202020204" pitchFamily="34" charset="77"/>
+                <a:ea typeface="宋体" panose="02010600030101010101" pitchFamily="2" charset="-122"/>
+              </a:rPr>
+              <a:t>   int sum=0;</a:t>
+            </a:r>
+          </a:p>
+          <a:p>
+            <a:pPr eaLnBrk="1" hangingPunct="1">
+              <a:lnSpc>
+                <a:spcPct val="60000"/>
+              </a:lnSpc>
+              <a:spcBef>
+                <a:spcPct val="50000"/>
+              </a:spcBef>
+              <a:buClrTx/>
+              <a:buFontTx/>
+              <a:buNone/>
+            </a:pPr>
+            <a:r>
+              <a:rPr lang="zh-CN" altLang="en-US" sz="1800" dirty="0">
+                <a:latin typeface="Avenir Next LT Pro" panose="020B0504020202020204" pitchFamily="34" charset="77"/>
+                <a:ea typeface="宋体" panose="02010600030101010101" pitchFamily="2" charset="-122"/>
+              </a:rPr>
+              <a:t>  </a:t>
+            </a:r>
+            <a:r>
+              <a:rPr lang="en-US" altLang="zh-CN" sz="1800" dirty="0">
+                <a:latin typeface="Avenir Next LT Pro" panose="020B0504020202020204" pitchFamily="34" charset="77"/>
+                <a:ea typeface="宋体" panose="02010600030101010101" pitchFamily="2" charset="-122"/>
+              </a:rPr>
+              <a:t>5.</a:t>
+            </a:r>
+            <a:r>
+              <a:rPr lang="zh-CN" altLang="en-US" sz="1800" dirty="0">
+                <a:latin typeface="Avenir Next LT Pro" panose="020B0504020202020204" pitchFamily="34" charset="77"/>
+                <a:ea typeface="宋体" panose="02010600030101010101" pitchFamily="2" charset="-122"/>
+              </a:rPr>
+              <a:t> </a:t>
+            </a:r>
+            <a:r>
+              <a:rPr lang="en-US" altLang="zh-CN" sz="1800" dirty="0">
+                <a:latin typeface="Avenir Next LT Pro" panose="020B0504020202020204" pitchFamily="34" charset="77"/>
+                <a:ea typeface="宋体" panose="02010600030101010101" pitchFamily="2" charset="-122"/>
+              </a:rPr>
+              <a:t>   while (I&lt;N) {</a:t>
+            </a:r>
+          </a:p>
+          <a:p>
+            <a:pPr eaLnBrk="1" hangingPunct="1">
+              <a:lnSpc>
+                <a:spcPct val="60000"/>
+              </a:lnSpc>
+              <a:spcBef>
+                <a:spcPct val="50000"/>
+              </a:spcBef>
+              <a:buClrTx/>
+              <a:buFontTx/>
+              <a:buNone/>
+            </a:pPr>
+            <a:r>
+              <a:rPr lang="zh-CN" altLang="en-US" sz="1800" dirty="0">
+                <a:latin typeface="Avenir Next LT Pro" panose="020B0504020202020204" pitchFamily="34" charset="77"/>
+                <a:ea typeface="宋体" panose="02010600030101010101" pitchFamily="2" charset="-122"/>
+              </a:rPr>
+              <a:t>  </a:t>
+            </a:r>
+            <a:r>
+              <a:rPr lang="en-US" altLang="zh-CN" sz="1800" dirty="0">
+                <a:latin typeface="Avenir Next LT Pro" panose="020B0504020202020204" pitchFamily="34" charset="77"/>
+                <a:ea typeface="宋体" panose="02010600030101010101" pitchFamily="2" charset="-122"/>
+              </a:rPr>
+              <a:t>6.</a:t>
+            </a:r>
+            <a:r>
+              <a:rPr lang="zh-CN" altLang="en-US" sz="1800" dirty="0">
+                <a:latin typeface="Avenir Next LT Pro" panose="020B0504020202020204" pitchFamily="34" charset="77"/>
+                <a:ea typeface="宋体" panose="02010600030101010101" pitchFamily="2" charset="-122"/>
+              </a:rPr>
+              <a:t> </a:t>
+            </a:r>
+            <a:r>
+              <a:rPr lang="en-US" altLang="zh-CN" sz="1800" dirty="0">
+                <a:latin typeface="Avenir Next LT Pro" panose="020B0504020202020204" pitchFamily="34" charset="77"/>
+                <a:ea typeface="宋体" panose="02010600030101010101" pitchFamily="2" charset="-122"/>
+              </a:rPr>
+              <a:t>        sum=add(</a:t>
+            </a:r>
+            <a:r>
+              <a:rPr lang="en-US" altLang="zh-CN" sz="1800" dirty="0" err="1">
+                <a:latin typeface="Avenir Next LT Pro" panose="020B0504020202020204" pitchFamily="34" charset="77"/>
+                <a:ea typeface="宋体" panose="02010600030101010101" pitchFamily="2" charset="-122"/>
+              </a:rPr>
+              <a:t>sum,I</a:t>
+            </a:r>
+            <a:r>
+              <a:rPr lang="en-US" altLang="zh-CN" sz="1800" dirty="0">
+                <a:latin typeface="Avenir Next LT Pro" panose="020B0504020202020204" pitchFamily="34" charset="77"/>
+                <a:ea typeface="宋体" panose="02010600030101010101" pitchFamily="2" charset="-122"/>
+              </a:rPr>
+              <a:t>);</a:t>
+            </a:r>
+          </a:p>
+          <a:p>
+            <a:pPr eaLnBrk="1" hangingPunct="1">
+              <a:lnSpc>
+                <a:spcPct val="60000"/>
+              </a:lnSpc>
+              <a:spcBef>
+                <a:spcPct val="50000"/>
+              </a:spcBef>
+              <a:buClrTx/>
+              <a:buFontTx/>
+              <a:buNone/>
+            </a:pPr>
+            <a:r>
+              <a:rPr lang="zh-CN" altLang="en-US" sz="1800" dirty="0">
+                <a:latin typeface="Avenir Next LT Pro" panose="020B0504020202020204" pitchFamily="34" charset="77"/>
+                <a:ea typeface="宋体" panose="02010600030101010101" pitchFamily="2" charset="-122"/>
+              </a:rPr>
+              <a:t>  </a:t>
+            </a:r>
+            <a:r>
+              <a:rPr lang="en-US" altLang="zh-CN" sz="1800" dirty="0">
+                <a:latin typeface="Avenir Next LT Pro" panose="020B0504020202020204" pitchFamily="34" charset="77"/>
+                <a:ea typeface="宋体" panose="02010600030101010101" pitchFamily="2" charset="-122"/>
+              </a:rPr>
+              <a:t>7.</a:t>
+            </a:r>
+            <a:r>
+              <a:rPr lang="zh-CN" altLang="en-US" sz="1800" dirty="0">
+                <a:latin typeface="Avenir Next LT Pro" panose="020B0504020202020204" pitchFamily="34" charset="77"/>
+                <a:ea typeface="宋体" panose="02010600030101010101" pitchFamily="2" charset="-122"/>
+              </a:rPr>
+              <a:t> </a:t>
+            </a:r>
+            <a:r>
+              <a:rPr lang="en-US" altLang="zh-CN" sz="1800" dirty="0">
+                <a:latin typeface="Avenir Next LT Pro" panose="020B0504020202020204" pitchFamily="34" charset="77"/>
+                <a:ea typeface="宋体" panose="02010600030101010101" pitchFamily="2" charset="-122"/>
+              </a:rPr>
+              <a:t>        I=add(I,1);</a:t>
+            </a:r>
+          </a:p>
+          <a:p>
+            <a:pPr eaLnBrk="1" hangingPunct="1">
+              <a:lnSpc>
+                <a:spcPct val="60000"/>
+              </a:lnSpc>
+              <a:spcBef>
+                <a:spcPct val="50000"/>
+              </a:spcBef>
+              <a:buClrTx/>
+              <a:buFontTx/>
+              <a:buNone/>
+            </a:pPr>
+            <a:r>
+              <a:rPr lang="zh-CN" altLang="en-US" sz="1800" dirty="0">
+                <a:latin typeface="Avenir Next LT Pro" panose="020B0504020202020204" pitchFamily="34" charset="77"/>
+                <a:ea typeface="宋体" panose="02010600030101010101" pitchFamily="2" charset="-122"/>
+              </a:rPr>
+              <a:t>  </a:t>
+            </a:r>
+            <a:r>
+              <a:rPr lang="en-US" altLang="zh-CN" sz="1800" dirty="0">
+                <a:latin typeface="Avenir Next LT Pro" panose="020B0504020202020204" pitchFamily="34" charset="77"/>
+                <a:ea typeface="宋体" panose="02010600030101010101" pitchFamily="2" charset="-122"/>
+              </a:rPr>
+              <a:t>8.    }</a:t>
+            </a:r>
+          </a:p>
+          <a:p>
+            <a:pPr eaLnBrk="1" hangingPunct="1">
+              <a:lnSpc>
+                <a:spcPct val="60000"/>
+              </a:lnSpc>
+              <a:spcBef>
+                <a:spcPct val="50000"/>
+              </a:spcBef>
+              <a:buClrTx/>
+              <a:buFontTx/>
+              <a:buNone/>
+            </a:pPr>
+            <a:r>
+              <a:rPr lang="zh-CN" altLang="en-US" sz="1800" dirty="0">
+                <a:latin typeface="Avenir Next LT Pro" panose="020B0504020202020204" pitchFamily="34" charset="77"/>
+                <a:ea typeface="宋体" panose="02010600030101010101" pitchFamily="2" charset="-122"/>
+              </a:rPr>
+              <a:t>  </a:t>
+            </a:r>
+            <a:r>
+              <a:rPr lang="en-US" altLang="zh-CN" sz="1800" dirty="0">
+                <a:latin typeface="Avenir Next LT Pro" panose="020B0504020202020204" pitchFamily="34" charset="77"/>
+                <a:ea typeface="宋体" panose="02010600030101010101" pitchFamily="2" charset="-122"/>
+              </a:rPr>
+              <a:t>9.</a:t>
+            </a:r>
+          </a:p>
+          <a:p>
+            <a:pPr eaLnBrk="1" hangingPunct="1">
+              <a:lnSpc>
+                <a:spcPct val="60000"/>
+              </a:lnSpc>
+              <a:spcBef>
+                <a:spcPct val="50000"/>
+              </a:spcBef>
+              <a:buClrTx/>
+              <a:buFontTx/>
+              <a:buNone/>
+            </a:pPr>
+            <a:r>
+              <a:rPr lang="en-US" altLang="zh-CN" sz="1800" dirty="0">
+                <a:latin typeface="Avenir Next LT Pro" panose="020B0504020202020204" pitchFamily="34" charset="77"/>
+                <a:ea typeface="宋体" panose="02010600030101010101" pitchFamily="2" charset="-122"/>
+              </a:rPr>
+              <a:t>10.    return</a:t>
+            </a:r>
+            <a:r>
+              <a:rPr lang="zh-CN" altLang="en-US" sz="1800" dirty="0">
+                <a:latin typeface="Avenir Next LT Pro" panose="020B0504020202020204" pitchFamily="34" charset="77"/>
+                <a:ea typeface="宋体" panose="02010600030101010101" pitchFamily="2" charset="-122"/>
+              </a:rPr>
+              <a:t> </a:t>
+            </a:r>
+            <a:r>
+              <a:rPr lang="en-US" altLang="zh-CN" sz="1800" dirty="0">
+                <a:latin typeface="Avenir Next LT Pro" panose="020B0504020202020204" pitchFamily="34" charset="77"/>
+                <a:ea typeface="宋体" panose="02010600030101010101" pitchFamily="2" charset="-122"/>
+              </a:rPr>
+              <a:t>0;</a:t>
+            </a:r>
+          </a:p>
+          <a:p>
+            <a:pPr eaLnBrk="1" hangingPunct="1">
+              <a:lnSpc>
+                <a:spcPct val="60000"/>
+              </a:lnSpc>
+              <a:spcBef>
+                <a:spcPct val="50000"/>
+              </a:spcBef>
+              <a:buClrTx/>
+              <a:buFontTx/>
+              <a:buNone/>
+            </a:pPr>
+            <a:r>
+              <a:rPr lang="en-US" altLang="zh-CN" sz="1800" dirty="0">
+                <a:latin typeface="Avenir Next LT Pro" panose="020B0504020202020204" pitchFamily="34" charset="77"/>
+                <a:ea typeface="宋体" panose="02010600030101010101" pitchFamily="2" charset="-122"/>
+              </a:rPr>
+              <a:t>11.</a:t>
+            </a:r>
+            <a:r>
+              <a:rPr lang="zh-CN" altLang="en-US" sz="1800" dirty="0">
+                <a:latin typeface="Avenir Next LT Pro" panose="020B0504020202020204" pitchFamily="34" charset="77"/>
+                <a:ea typeface="宋体" panose="02010600030101010101" pitchFamily="2" charset="-122"/>
+              </a:rPr>
+              <a:t>  </a:t>
+            </a:r>
+            <a:r>
+              <a:rPr lang="en-US" altLang="zh-CN" sz="1800" dirty="0">
+                <a:latin typeface="Avenir Next LT Pro" panose="020B0504020202020204" pitchFamily="34" charset="77"/>
+                <a:ea typeface="宋体" panose="02010600030101010101" pitchFamily="2" charset="-122"/>
+              </a:rPr>
+              <a:t>}</a:t>
+            </a:r>
+          </a:p>
+        </p:txBody>
+      </p:sp>
+      <p:sp>
+        <p:nvSpPr>
+          <p:cNvPr id="17" name="Rectangle 16">
+            <a:extLst>
+              <a:ext uri="{FF2B5EF4-FFF2-40B4-BE49-F238E27FC236}">
+                <a16:creationId xmlns:a16="http://schemas.microsoft.com/office/drawing/2014/main" id="{8F8D3536-078C-B1A3-CFB8-D472191FE762}"/>
+              </a:ext>
+            </a:extLst>
+          </p:cNvPr>
+          <p:cNvSpPr/>
+          <p:nvPr/>
+        </p:nvSpPr>
+        <p:spPr>
+          <a:xfrm>
+            <a:off x="7843035" y="1378525"/>
+            <a:ext cx="2878094" cy="284854"/>
+          </a:xfrm>
+          <a:prstGeom prst="rect">
+            <a:avLst/>
+          </a:prstGeom>
+          <a:solidFill>
+            <a:schemeClr val="bg1">
+              <a:lumMod val="65000"/>
+              <a:alpha val="40000"/>
+            </a:schemeClr>
+          </a:solidFill>
+          <a:ln>
+            <a:noFill/>
+          </a:ln>
+        </p:spPr>
+        <p:style>
+          <a:lnRef idx="2">
+            <a:schemeClr val="accent6"/>
+          </a:lnRef>
+          <a:fillRef idx="1">
+            <a:schemeClr val="lt1"/>
+          </a:fillRef>
+          <a:effectRef idx="0">
+            <a:schemeClr val="accent6"/>
+          </a:effectRef>
+          <a:fontRef idx="minor">
+            <a:schemeClr val="dk1"/>
+          </a:fontRef>
+        </p:style>
+        <p:txBody>
+          <a:bodyPr rtlCol="0" anchor="ctr"/>
+          <a:lstStyle/>
+          <a:p>
+            <a:pPr algn="ctr"/>
+            <a:endParaRPr lang="en-US"/>
+          </a:p>
+        </p:txBody>
+      </p:sp>
+      <p:sp>
+        <p:nvSpPr>
+          <p:cNvPr id="18" name="Rectangle 17">
+            <a:extLst>
+              <a:ext uri="{FF2B5EF4-FFF2-40B4-BE49-F238E27FC236}">
+                <a16:creationId xmlns:a16="http://schemas.microsoft.com/office/drawing/2014/main" id="{F5BB52FC-A2A4-80C4-9CA8-4B60BE43C64C}"/>
+              </a:ext>
+            </a:extLst>
+          </p:cNvPr>
+          <p:cNvSpPr/>
+          <p:nvPr/>
+        </p:nvSpPr>
+        <p:spPr>
+          <a:xfrm>
+            <a:off x="7843035" y="1694001"/>
+            <a:ext cx="2878094" cy="284854"/>
+          </a:xfrm>
+          <a:prstGeom prst="rect">
+            <a:avLst/>
+          </a:prstGeom>
+          <a:solidFill>
+            <a:schemeClr val="bg1">
+              <a:lumMod val="65000"/>
+              <a:alpha val="40000"/>
+            </a:schemeClr>
+          </a:solidFill>
+          <a:ln>
+            <a:noFill/>
+          </a:ln>
+        </p:spPr>
+        <p:style>
+          <a:lnRef idx="2">
+            <a:schemeClr val="accent6"/>
+          </a:lnRef>
+          <a:fillRef idx="1">
+            <a:schemeClr val="lt1"/>
+          </a:fillRef>
+          <a:effectRef idx="0">
+            <a:schemeClr val="accent6"/>
+          </a:effectRef>
+          <a:fontRef idx="minor">
+            <a:schemeClr val="dk1"/>
+          </a:fontRef>
+        </p:style>
+        <p:txBody>
+          <a:bodyPr rtlCol="0" anchor="ctr"/>
+          <a:lstStyle/>
+          <a:p>
+            <a:pPr algn="ctr"/>
+            <a:endParaRPr lang="en-US"/>
+          </a:p>
+        </p:txBody>
+      </p:sp>
+      <p:sp>
+        <p:nvSpPr>
+          <p:cNvPr id="19" name="Rectangle 18">
+            <a:extLst>
+              <a:ext uri="{FF2B5EF4-FFF2-40B4-BE49-F238E27FC236}">
+                <a16:creationId xmlns:a16="http://schemas.microsoft.com/office/drawing/2014/main" id="{397C8604-2B03-B6EE-20EB-9B6CD84E31BD}"/>
+              </a:ext>
+            </a:extLst>
+          </p:cNvPr>
+          <p:cNvSpPr/>
+          <p:nvPr/>
+        </p:nvSpPr>
+        <p:spPr>
+          <a:xfrm>
+            <a:off x="7843035" y="3498225"/>
+            <a:ext cx="2878094" cy="284854"/>
+          </a:xfrm>
+          <a:prstGeom prst="rect">
+            <a:avLst/>
+          </a:prstGeom>
+          <a:solidFill>
+            <a:schemeClr val="bg1">
+              <a:lumMod val="65000"/>
+              <a:alpha val="40000"/>
+            </a:schemeClr>
+          </a:solidFill>
+          <a:ln>
+            <a:noFill/>
+          </a:ln>
+        </p:spPr>
+        <p:style>
+          <a:lnRef idx="2">
+            <a:schemeClr val="accent6"/>
+          </a:lnRef>
+          <a:fillRef idx="1">
+            <a:schemeClr val="lt1"/>
+          </a:fillRef>
+          <a:effectRef idx="0">
+            <a:schemeClr val="accent6"/>
+          </a:effectRef>
+          <a:fontRef idx="minor">
+            <a:schemeClr val="dk1"/>
+          </a:fontRef>
+        </p:style>
+        <p:txBody>
+          <a:bodyPr rtlCol="0" anchor="ctr"/>
+          <a:lstStyle/>
+          <a:p>
+            <a:pPr algn="ctr"/>
+            <a:endParaRPr lang="en-US"/>
+          </a:p>
+        </p:txBody>
+      </p:sp>
+      <p:sp>
+        <p:nvSpPr>
+          <p:cNvPr id="20" name="Rectangle 19">
+            <a:extLst>
+              <a:ext uri="{FF2B5EF4-FFF2-40B4-BE49-F238E27FC236}">
+                <a16:creationId xmlns:a16="http://schemas.microsoft.com/office/drawing/2014/main" id="{34849069-5BCF-E23C-003B-56C6BD58125D}"/>
+              </a:ext>
+            </a:extLst>
+          </p:cNvPr>
+          <p:cNvSpPr/>
+          <p:nvPr/>
+        </p:nvSpPr>
+        <p:spPr>
+          <a:xfrm>
+            <a:off x="7843035" y="4434521"/>
+            <a:ext cx="2878094" cy="284854"/>
+          </a:xfrm>
+          <a:prstGeom prst="rect">
+            <a:avLst/>
+          </a:prstGeom>
+          <a:solidFill>
+            <a:schemeClr val="bg1">
+              <a:lumMod val="65000"/>
+              <a:alpha val="40000"/>
+            </a:schemeClr>
+          </a:solidFill>
+          <a:ln>
+            <a:noFill/>
+          </a:ln>
+        </p:spPr>
+        <p:style>
+          <a:lnRef idx="2">
+            <a:schemeClr val="accent6"/>
+          </a:lnRef>
+          <a:fillRef idx="1">
+            <a:schemeClr val="lt1"/>
+          </a:fillRef>
+          <a:effectRef idx="0">
+            <a:schemeClr val="accent6"/>
+          </a:effectRef>
+          <a:fontRef idx="minor">
+            <a:schemeClr val="dk1"/>
+          </a:fontRef>
+        </p:style>
+        <p:txBody>
+          <a:bodyPr rtlCol="0" anchor="ctr"/>
+          <a:lstStyle/>
+          <a:p>
+            <a:pPr algn="ctr"/>
+            <a:endParaRPr lang="en-US"/>
+          </a:p>
+        </p:txBody>
+      </p:sp>
+      <p:sp>
+        <p:nvSpPr>
+          <p:cNvPr id="21" name="Rectangle 20">
+            <a:extLst>
+              <a:ext uri="{FF2B5EF4-FFF2-40B4-BE49-F238E27FC236}">
+                <a16:creationId xmlns:a16="http://schemas.microsoft.com/office/drawing/2014/main" id="{4852FDD1-52FC-4F96-958D-0365CCAC258C}"/>
+              </a:ext>
+            </a:extLst>
+          </p:cNvPr>
+          <p:cNvSpPr/>
+          <p:nvPr/>
+        </p:nvSpPr>
+        <p:spPr>
+          <a:xfrm>
+            <a:off x="7843035" y="3846921"/>
+            <a:ext cx="2878094" cy="284854"/>
+          </a:xfrm>
+          <a:prstGeom prst="rect">
+            <a:avLst/>
+          </a:prstGeom>
+          <a:solidFill>
+            <a:schemeClr val="bg1">
+              <a:lumMod val="65000"/>
+              <a:alpha val="40000"/>
+            </a:schemeClr>
+          </a:solidFill>
+          <a:ln>
+            <a:noFill/>
+          </a:ln>
+        </p:spPr>
+        <p:style>
+          <a:lnRef idx="2">
+            <a:schemeClr val="accent6"/>
+          </a:lnRef>
+          <a:fillRef idx="1">
+            <a:schemeClr val="lt1"/>
+          </a:fillRef>
+          <a:effectRef idx="0">
+            <a:schemeClr val="accent6"/>
+          </a:effectRef>
+          <a:fontRef idx="minor">
+            <a:schemeClr val="dk1"/>
+          </a:fontRef>
+        </p:style>
+        <p:txBody>
+          <a:bodyPr rtlCol="0" anchor="ctr"/>
+          <a:lstStyle/>
+          <a:p>
+            <a:pPr algn="ctr"/>
+            <a:endParaRPr lang="en-US"/>
+          </a:p>
+        </p:txBody>
+      </p:sp>
+    </p:spTree>
+    <p:extLst>
+      <p:ext uri="{BB962C8B-B14F-4D97-AF65-F5344CB8AC3E}">
+        <p14:creationId xmlns:p14="http://schemas.microsoft.com/office/powerpoint/2010/main" val="2927501517"/>
+      </p:ext>
+    </p:extLst>
+  </p:cSld>
+  <p:clrMapOvr>
+    <a:masterClrMapping/>
+  </p:clrMapOvr>
+  <mc:AlternateContent xmlns:mc="http://schemas.openxmlformats.org/markup-compatibility/2006" xmlns:p14="http://schemas.microsoft.com/office/powerpoint/2010/main">
+    <mc:Choice Requires="p14">
+      <p:transition p14:dur="100">
+        <p:cut/>
+      </p:transition>
+    </mc:Choice>
+    <mc:Fallback xmlns="">
+      <p:transition>
+        <p:cut/>
+      </p:transition>
+    </mc:Fallback>
+  </mc:AlternateContent>
+</p:sld>
+</file>
+
+<file path=ppt/slides/slide31.xml><?xml version="1.0" encoding="utf-8"?>
 <p:sld xmlns:a="http://schemas.openxmlformats.org/drawingml/2006/main" xmlns:r="http://schemas.openxmlformats.org/officeDocument/2006/relationships" xmlns:p="http://schemas.openxmlformats.org/presentationml/2006/main">
   <p:cSld>
     <p:spTree>
@@ -22158,7 +22568,7 @@
           <a:p>
             <a:fld id="{EBB1F091-3A24-4346-912C-5ECD06B05EBE}" type="slidenum">
               <a:rPr lang="en-US" smtClean="0"/>
-              <a:t>30</a:t>
+              <a:t>31</a:t>
             </a:fld>
             <a:endParaRPr lang="en-US"/>
           </a:p>
@@ -23483,7 +23893,7 @@
 </p:sld>
 </file>
 
-<file path=ppt/slides/slide31.xml><?xml version="1.0" encoding="utf-8"?>
+<file path=ppt/slides/slide32.xml><?xml version="1.0" encoding="utf-8"?>
 <p:sld xmlns:a="http://schemas.openxmlformats.org/drawingml/2006/main" xmlns:r="http://schemas.openxmlformats.org/officeDocument/2006/relationships" xmlns:p="http://schemas.openxmlformats.org/presentationml/2006/main">
   <p:cSld>
     <p:spTree>
@@ -23718,7 +24128,7 @@
           <a:p>
             <a:fld id="{EBB1F091-3A24-4346-912C-5ECD06B05EBE}" type="slidenum">
               <a:rPr lang="en-US" smtClean="0"/>
-              <a:t>31</a:t>
+              <a:t>32</a:t>
             </a:fld>
             <a:endParaRPr lang="en-US"/>
           </a:p>
@@ -23822,7 +24232,7 @@
 </p:sld>
 </file>
 
-<file path=ppt/slides/slide32.xml><?xml version="1.0" encoding="utf-8"?>
+<file path=ppt/slides/slide33.xml><?xml version="1.0" encoding="utf-8"?>
 <p:sld xmlns:a="http://schemas.openxmlformats.org/drawingml/2006/main" xmlns:r="http://schemas.openxmlformats.org/officeDocument/2006/relationships" xmlns:p="http://schemas.openxmlformats.org/presentationml/2006/main">
   <p:cSld>
     <p:spTree>
@@ -24163,7 +24573,7 @@
           <a:p>
             <a:fld id="{EBB1F091-3A24-4346-912C-5ECD06B05EBE}" type="slidenum">
               <a:rPr lang="en-US" smtClean="0"/>
-              <a:t>32</a:t>
+              <a:t>33</a:t>
             </a:fld>
             <a:endParaRPr lang="en-US"/>
           </a:p>
@@ -24194,7 +24604,7 @@
 </p:sld>
 </file>
 
-<file path=ppt/slides/slide33.xml><?xml version="1.0" encoding="utf-8"?>
+<file path=ppt/slides/slide34.xml><?xml version="1.0" encoding="utf-8"?>
 <p:sld xmlns:a="http://schemas.openxmlformats.org/drawingml/2006/main" xmlns:r="http://schemas.openxmlformats.org/officeDocument/2006/relationships" xmlns:p="http://schemas.openxmlformats.org/presentationml/2006/main">
   <p:cSld>
     <p:spTree>
@@ -24350,7 +24760,7 @@
           <a:p>
             <a:fld id="{EBB1F091-3A24-4346-912C-5ECD06B05EBE}" type="slidenum">
               <a:rPr lang="en-US" smtClean="0"/>
-              <a:t>33</a:t>
+              <a:t>34</a:t>
             </a:fld>
             <a:endParaRPr lang="en-US"/>
           </a:p>
@@ -24430,7 +24840,7 @@
 </p:sld>
 </file>
 
-<file path=ppt/slides/slide34.xml><?xml version="1.0" encoding="utf-8"?>
+<file path=ppt/slides/slide35.xml><?xml version="1.0" encoding="utf-8"?>
 <p:sld xmlns:a="http://schemas.openxmlformats.org/drawingml/2006/main" xmlns:r="http://schemas.openxmlformats.org/officeDocument/2006/relationships" xmlns:p="http://schemas.openxmlformats.org/presentationml/2006/main">
   <p:cSld>
     <p:spTree>
@@ -24783,7 +25193,7 @@
           <a:p>
             <a:fld id="{EBB1F091-3A24-4346-912C-5ECD06B05EBE}" type="slidenum">
               <a:rPr lang="en-US" smtClean="0"/>
-              <a:t>34</a:t>
+              <a:t>35</a:t>
             </a:fld>
             <a:endParaRPr lang="en-US"/>
           </a:p>
@@ -24814,7 +25224,7 @@
 </p:sld>
 </file>
 
-<file path=ppt/slides/slide35.xml><?xml version="1.0" encoding="utf-8"?>
+<file path=ppt/slides/slide36.xml><?xml version="1.0" encoding="utf-8"?>
 <p:sld xmlns:a="http://schemas.openxmlformats.org/drawingml/2006/main" xmlns:r="http://schemas.openxmlformats.org/officeDocument/2006/relationships" xmlns:p="http://schemas.openxmlformats.org/presentationml/2006/main">
   <p:cSld>
     <p:spTree>
@@ -24973,7 +25383,7 @@
           <a:p>
             <a:fld id="{EBB1F091-3A24-4346-912C-5ECD06B05EBE}" type="slidenum">
               <a:rPr lang="en-US" smtClean="0"/>
-              <a:t>35</a:t>
+              <a:t>36</a:t>
             </a:fld>
             <a:endParaRPr lang="en-US"/>
           </a:p>
@@ -25117,7 +25527,7 @@
 </p:sld>
 </file>
 
-<file path=ppt/slides/slide36.xml><?xml version="1.0" encoding="utf-8"?>
+<file path=ppt/slides/slide37.xml><?xml version="1.0" encoding="utf-8"?>
 <p:sld xmlns:a="http://schemas.openxmlformats.org/drawingml/2006/main" xmlns:r="http://schemas.openxmlformats.org/officeDocument/2006/relationships" xmlns:p="http://schemas.openxmlformats.org/presentationml/2006/main">
   <p:cSld>
     <p:spTree>
@@ -25254,7 +25664,7 @@
           <a:p>
             <a:fld id="{EBB1F091-3A24-4346-912C-5ECD06B05EBE}" type="slidenum">
               <a:rPr lang="en-US" smtClean="0"/>
-              <a:t>36</a:t>
+              <a:t>37</a:t>
             </a:fld>
             <a:endParaRPr lang="en-US"/>
           </a:p>
@@ -25504,7 +25914,7 @@
 </p:sld>
 </file>
 
-<file path=ppt/slides/slide37.xml><?xml version="1.0" encoding="utf-8"?>
+<file path=ppt/slides/slide38.xml><?xml version="1.0" encoding="utf-8"?>
 <p:sld xmlns:a="http://schemas.openxmlformats.org/drawingml/2006/main" xmlns:r="http://schemas.openxmlformats.org/officeDocument/2006/relationships" xmlns:p="http://schemas.openxmlformats.org/presentationml/2006/main">
   <p:cSld>
     <p:spTree>
@@ -25659,7 +26069,7 @@
           <a:p>
             <a:fld id="{EBB1F091-3A24-4346-912C-5ECD06B05EBE}" type="slidenum">
               <a:rPr lang="en-US" smtClean="0"/>
-              <a:t>37</a:t>
+              <a:t>38</a:t>
             </a:fld>
             <a:endParaRPr lang="en-US"/>
           </a:p>
@@ -25990,7 +26400,7 @@
 </p:sld>
 </file>
 
-<file path=ppt/slides/slide38.xml><?xml version="1.0" encoding="utf-8"?>
+<file path=ppt/slides/slide39.xml><?xml version="1.0" encoding="utf-8"?>
 <p:sld xmlns:a="http://schemas.openxmlformats.org/drawingml/2006/main" xmlns:r="http://schemas.openxmlformats.org/officeDocument/2006/relationships" xmlns:p="http://schemas.openxmlformats.org/presentationml/2006/main">
   <p:cSld>
     <p:spTree>
@@ -26101,7 +26511,15 @@
             </a:r>
             <a:r>
               <a:rPr lang="en-US" altLang="zh-CN" dirty="0"/>
-              <a:t>argument</a:t>
+              <a:t>a</a:t>
+            </a:r>
+            <a:r>
+              <a:rPr lang="zh-CN" altLang="en-US" dirty="0"/>
+              <a:t> </a:t>
+            </a:r>
+            <a:r>
+              <a:rPr lang="en-US" altLang="zh-CN"/>
+              <a:t>parameter</a:t>
             </a:r>
             <a:r>
               <a:rPr lang="zh-CN" altLang="en-US" dirty="0"/>
@@ -26458,7 +26876,7 @@
           <a:p>
             <a:fld id="{EBB1F091-3A24-4346-912C-5ECD06B05EBE}" type="slidenum">
               <a:rPr lang="en-US" smtClean="0"/>
-              <a:t>38</a:t>
+              <a:t>39</a:t>
             </a:fld>
             <a:endParaRPr lang="en-US"/>
           </a:p>
@@ -26973,7 +27391,1902 @@
 </p:sld>
 </file>
 
-<file path=ppt/slides/slide39.xml><?xml version="1.0" encoding="utf-8"?>
+<file path=ppt/slides/slide4.xml><?xml version="1.0" encoding="utf-8"?>
+<p:sld xmlns:a="http://schemas.openxmlformats.org/drawingml/2006/main" xmlns:r="http://schemas.openxmlformats.org/officeDocument/2006/relationships" xmlns:p="http://schemas.openxmlformats.org/presentationml/2006/main">
+  <p:cSld>
+    <p:spTree>
+      <p:nvGrpSpPr>
+        <p:cNvPr id="1" name=""/>
+        <p:cNvGrpSpPr/>
+        <p:nvPr/>
+      </p:nvGrpSpPr>
+      <p:grpSpPr>
+        <a:xfrm>
+          <a:off x="0" y="0"/>
+          <a:ext cx="0" cy="0"/>
+          <a:chOff x="0" y="0"/>
+          <a:chExt cx="0" cy="0"/>
+        </a:xfrm>
+      </p:grpSpPr>
+      <p:sp>
+        <p:nvSpPr>
+          <p:cNvPr id="3" name="Slide Number Placeholder 2">
+            <a:extLst>
+              <a:ext uri="{FF2B5EF4-FFF2-40B4-BE49-F238E27FC236}">
+                <a16:creationId xmlns:a16="http://schemas.microsoft.com/office/drawing/2014/main" id="{79624593-62F1-9678-5A79-49DD9B8B196A}"/>
+              </a:ext>
+            </a:extLst>
+          </p:cNvPr>
+          <p:cNvSpPr>
+            <a:spLocks noGrp="1"/>
+          </p:cNvSpPr>
+          <p:nvPr>
+            <p:ph type="sldNum" sz="quarter" idx="12"/>
+          </p:nvPr>
+        </p:nvSpPr>
+        <p:spPr/>
+        <p:txBody>
+          <a:bodyPr/>
+          <a:lstStyle/>
+          <a:p>
+            <a:fld id="{EBB1F091-3A24-4346-912C-5ECD06B05EBE}" type="slidenum">
+              <a:rPr lang="en-US" smtClean="0"/>
+              <a:t>4</a:t>
+            </a:fld>
+            <a:endParaRPr lang="en-US"/>
+          </a:p>
+        </p:txBody>
+      </p:sp>
+      <p:sp>
+        <p:nvSpPr>
+          <p:cNvPr id="4" name="Title 3">
+            <a:extLst>
+              <a:ext uri="{FF2B5EF4-FFF2-40B4-BE49-F238E27FC236}">
+                <a16:creationId xmlns:a16="http://schemas.microsoft.com/office/drawing/2014/main" id="{C078D97D-5608-0CDC-B055-14F754A862EA}"/>
+              </a:ext>
+            </a:extLst>
+          </p:cNvPr>
+          <p:cNvSpPr>
+            <a:spLocks noGrp="1"/>
+          </p:cNvSpPr>
+          <p:nvPr>
+            <p:ph type="title"/>
+          </p:nvPr>
+        </p:nvSpPr>
+        <p:spPr/>
+        <p:txBody>
+          <a:bodyPr>
+            <a:normAutofit/>
+          </a:bodyPr>
+          <a:lstStyle/>
+          <a:p>
+            <a:r>
+              <a:rPr lang="en-US" dirty="0"/>
+              <a:t>Recap on Program Slicing</a:t>
+            </a:r>
+          </a:p>
+        </p:txBody>
+      </p:sp>
+      <p:sp>
+        <p:nvSpPr>
+          <p:cNvPr id="7" name="Rectangle 8">
+            <a:extLst>
+              <a:ext uri="{FF2B5EF4-FFF2-40B4-BE49-F238E27FC236}">
+                <a16:creationId xmlns:a16="http://schemas.microsoft.com/office/drawing/2014/main" id="{E4922BD7-CC18-EF4D-7D82-3E75CF687780}"/>
+              </a:ext>
+            </a:extLst>
+          </p:cNvPr>
+          <p:cNvSpPr>
+            <a:spLocks noChangeArrowheads="1"/>
+          </p:cNvSpPr>
+          <p:nvPr/>
+        </p:nvSpPr>
+        <p:spPr bwMode="auto">
+          <a:xfrm>
+            <a:off x="3141742" y="2898047"/>
+            <a:ext cx="287258" cy="338554"/>
+          </a:xfrm>
+          <a:prstGeom prst="rect">
+            <a:avLst/>
+          </a:prstGeom>
+          <a:solidFill>
+            <a:srgbClr val="FF9933"/>
+          </a:solidFill>
+          <a:ln>
+            <a:noFill/>
+          </a:ln>
+          <a:extLst>
+            <a:ext uri="{91240B29-F687-4F45-9708-019B960494DF}">
+              <a14:hiddenLine xmlns:a14="http://schemas.microsoft.com/office/drawing/2010/main" w="12700">
+                <a:solidFill>
+                  <a:srgbClr val="000000"/>
+                </a:solidFill>
+                <a:miter lim="800000"/>
+                <a:headEnd/>
+                <a:tailEnd/>
+              </a14:hiddenLine>
+            </a:ext>
+          </a:extLst>
+        </p:spPr>
+        <p:txBody>
+          <a:bodyPr wrap="none" anchor="ctr">
+            <a:spAutoFit/>
+          </a:bodyPr>
+          <a:lstStyle>
+            <a:lvl1pPr>
+              <a:spcBef>
+                <a:spcPct val="20000"/>
+              </a:spcBef>
+              <a:buClr>
+                <a:srgbClr val="CC3300"/>
+              </a:buClr>
+              <a:buBlip>
+                <a:blip r:embed="rId2"/>
+              </a:buBlip>
+              <a:defRPr sz="1900">
+                <a:solidFill>
+                  <a:schemeClr val="tx1"/>
+                </a:solidFill>
+                <a:latin typeface="Comic Sans MS" panose="030F0902030302020204" pitchFamily="66" charset="0"/>
+              </a:defRPr>
+            </a:lvl1pPr>
+            <a:lvl2pPr marL="742950" indent="-285750">
+              <a:spcBef>
+                <a:spcPct val="20000"/>
+              </a:spcBef>
+              <a:buBlip>
+                <a:blip r:embed="rId3"/>
+              </a:buBlip>
+              <a:defRPr sz="2800">
+                <a:solidFill>
+                  <a:schemeClr val="tx1"/>
+                </a:solidFill>
+                <a:latin typeface="Comic Sans MS" panose="030F0902030302020204" pitchFamily="66" charset="0"/>
+              </a:defRPr>
+            </a:lvl2pPr>
+            <a:lvl3pPr marL="1143000" indent="-228600">
+              <a:spcBef>
+                <a:spcPct val="20000"/>
+              </a:spcBef>
+              <a:buBlip>
+                <a:blip r:embed="rId4"/>
+              </a:buBlip>
+              <a:defRPr sz="1700">
+                <a:solidFill>
+                  <a:schemeClr val="tx1"/>
+                </a:solidFill>
+                <a:latin typeface="Comic Sans MS" panose="030F0902030302020204" pitchFamily="66" charset="0"/>
+              </a:defRPr>
+            </a:lvl3pPr>
+            <a:lvl4pPr marL="1600200" indent="-228600">
+              <a:spcBef>
+                <a:spcPct val="20000"/>
+              </a:spcBef>
+              <a:buChar char="–"/>
+              <a:defRPr sz="1600">
+                <a:solidFill>
+                  <a:schemeClr val="tx1"/>
+                </a:solidFill>
+                <a:latin typeface="Comic Sans MS" panose="030F0902030302020204" pitchFamily="66" charset="0"/>
+              </a:defRPr>
+            </a:lvl4pPr>
+            <a:lvl5pPr marL="2057400" indent="-228600">
+              <a:spcBef>
+                <a:spcPct val="20000"/>
+              </a:spcBef>
+              <a:buChar char="–"/>
+              <a:defRPr sz="1500">
+                <a:solidFill>
+                  <a:schemeClr val="tx1"/>
+                </a:solidFill>
+                <a:latin typeface="Comic Sans MS" panose="030F0902030302020204" pitchFamily="66" charset="0"/>
+              </a:defRPr>
+            </a:lvl5pPr>
+            <a:lvl6pPr marL="2514600" indent="-228600" eaLnBrk="0" fontAlgn="base" hangingPunct="0">
+              <a:spcBef>
+                <a:spcPct val="20000"/>
+              </a:spcBef>
+              <a:spcAft>
+                <a:spcPct val="0"/>
+              </a:spcAft>
+              <a:buChar char="–"/>
+              <a:defRPr sz="1500">
+                <a:solidFill>
+                  <a:schemeClr val="tx1"/>
+                </a:solidFill>
+                <a:latin typeface="Comic Sans MS" panose="030F0902030302020204" pitchFamily="66" charset="0"/>
+              </a:defRPr>
+            </a:lvl6pPr>
+            <a:lvl7pPr marL="2971800" indent="-228600" eaLnBrk="0" fontAlgn="base" hangingPunct="0">
+              <a:spcBef>
+                <a:spcPct val="20000"/>
+              </a:spcBef>
+              <a:spcAft>
+                <a:spcPct val="0"/>
+              </a:spcAft>
+              <a:buChar char="–"/>
+              <a:defRPr sz="1500">
+                <a:solidFill>
+                  <a:schemeClr val="tx1"/>
+                </a:solidFill>
+                <a:latin typeface="Comic Sans MS" panose="030F0902030302020204" pitchFamily="66" charset="0"/>
+              </a:defRPr>
+            </a:lvl7pPr>
+            <a:lvl8pPr marL="3429000" indent="-228600" eaLnBrk="0" fontAlgn="base" hangingPunct="0">
+              <a:spcBef>
+                <a:spcPct val="20000"/>
+              </a:spcBef>
+              <a:spcAft>
+                <a:spcPct val="0"/>
+              </a:spcAft>
+              <a:buChar char="–"/>
+              <a:defRPr sz="1500">
+                <a:solidFill>
+                  <a:schemeClr val="tx1"/>
+                </a:solidFill>
+                <a:latin typeface="Comic Sans MS" panose="030F0902030302020204" pitchFamily="66" charset="0"/>
+              </a:defRPr>
+            </a:lvl8pPr>
+            <a:lvl9pPr marL="3886200" indent="-228600" eaLnBrk="0" fontAlgn="base" hangingPunct="0">
+              <a:spcBef>
+                <a:spcPct val="20000"/>
+              </a:spcBef>
+              <a:spcAft>
+                <a:spcPct val="0"/>
+              </a:spcAft>
+              <a:buChar char="–"/>
+              <a:defRPr sz="1500">
+                <a:solidFill>
+                  <a:schemeClr val="tx1"/>
+                </a:solidFill>
+                <a:latin typeface="Comic Sans MS" panose="030F0902030302020204" pitchFamily="66" charset="0"/>
+              </a:defRPr>
+            </a:lvl9pPr>
+          </a:lstStyle>
+          <a:p>
+            <a:pPr algn="ctr" eaLnBrk="1" hangingPunct="1">
+              <a:buClrTx/>
+              <a:buFontTx/>
+              <a:buChar char="–"/>
+            </a:pPr>
+            <a:endParaRPr lang="zh-CN" altLang="en-US" sz="1600">
+              <a:latin typeface="Lucida Sans" panose="020B0602030504020204" pitchFamily="34" charset="77"/>
+              <a:ea typeface="宋体" panose="02010600030101010101" pitchFamily="2" charset="-122"/>
+            </a:endParaRPr>
+          </a:p>
+        </p:txBody>
+      </p:sp>
+      <p:sp>
+        <p:nvSpPr>
+          <p:cNvPr id="8" name="Rectangle 2">
+            <a:extLst>
+              <a:ext uri="{FF2B5EF4-FFF2-40B4-BE49-F238E27FC236}">
+                <a16:creationId xmlns:a16="http://schemas.microsoft.com/office/drawing/2014/main" id="{45FCAB92-C4DC-73B3-1B20-62DC06705638}"/>
+              </a:ext>
+            </a:extLst>
+          </p:cNvPr>
+          <p:cNvSpPr>
+            <a:spLocks noChangeArrowheads="1"/>
+          </p:cNvSpPr>
+          <p:nvPr/>
+        </p:nvSpPr>
+        <p:spPr bwMode="auto">
+          <a:xfrm>
+            <a:off x="2286000" y="2106386"/>
+            <a:ext cx="1066800" cy="338554"/>
+          </a:xfrm>
+          <a:prstGeom prst="rect">
+            <a:avLst/>
+          </a:prstGeom>
+          <a:solidFill>
+            <a:srgbClr val="FF9933"/>
+          </a:solidFill>
+          <a:ln>
+            <a:noFill/>
+          </a:ln>
+          <a:extLst>
+            <a:ext uri="{91240B29-F687-4F45-9708-019B960494DF}">
+              <a14:hiddenLine xmlns:a14="http://schemas.microsoft.com/office/drawing/2010/main" w="12700">
+                <a:solidFill>
+                  <a:srgbClr val="000000"/>
+                </a:solidFill>
+                <a:miter lim="800000"/>
+                <a:headEnd/>
+                <a:tailEnd/>
+              </a14:hiddenLine>
+            </a:ext>
+          </a:extLst>
+        </p:spPr>
+        <p:txBody>
+          <a:bodyPr wrap="square" anchor="ctr">
+            <a:spAutoFit/>
+          </a:bodyPr>
+          <a:lstStyle>
+            <a:lvl1pPr>
+              <a:spcBef>
+                <a:spcPct val="20000"/>
+              </a:spcBef>
+              <a:buClr>
+                <a:srgbClr val="CC3300"/>
+              </a:buClr>
+              <a:buBlip>
+                <a:blip r:embed="rId2"/>
+              </a:buBlip>
+              <a:defRPr sz="1900">
+                <a:solidFill>
+                  <a:schemeClr val="tx1"/>
+                </a:solidFill>
+                <a:latin typeface="Comic Sans MS" panose="030F0902030302020204" pitchFamily="66" charset="0"/>
+              </a:defRPr>
+            </a:lvl1pPr>
+            <a:lvl2pPr marL="742950" indent="-285750">
+              <a:spcBef>
+                <a:spcPct val="20000"/>
+              </a:spcBef>
+              <a:buBlip>
+                <a:blip r:embed="rId3"/>
+              </a:buBlip>
+              <a:defRPr sz="2800">
+                <a:solidFill>
+                  <a:schemeClr val="tx1"/>
+                </a:solidFill>
+                <a:latin typeface="Comic Sans MS" panose="030F0902030302020204" pitchFamily="66" charset="0"/>
+              </a:defRPr>
+            </a:lvl2pPr>
+            <a:lvl3pPr marL="1143000" indent="-228600">
+              <a:spcBef>
+                <a:spcPct val="20000"/>
+              </a:spcBef>
+              <a:buBlip>
+                <a:blip r:embed="rId4"/>
+              </a:buBlip>
+              <a:defRPr sz="1700">
+                <a:solidFill>
+                  <a:schemeClr val="tx1"/>
+                </a:solidFill>
+                <a:latin typeface="Comic Sans MS" panose="030F0902030302020204" pitchFamily="66" charset="0"/>
+              </a:defRPr>
+            </a:lvl3pPr>
+            <a:lvl4pPr marL="1600200" indent="-228600">
+              <a:spcBef>
+                <a:spcPct val="20000"/>
+              </a:spcBef>
+              <a:buChar char="–"/>
+              <a:defRPr sz="1600">
+                <a:solidFill>
+                  <a:schemeClr val="tx1"/>
+                </a:solidFill>
+                <a:latin typeface="Comic Sans MS" panose="030F0902030302020204" pitchFamily="66" charset="0"/>
+              </a:defRPr>
+            </a:lvl4pPr>
+            <a:lvl5pPr marL="2057400" indent="-228600">
+              <a:spcBef>
+                <a:spcPct val="20000"/>
+              </a:spcBef>
+              <a:buChar char="–"/>
+              <a:defRPr sz="1500">
+                <a:solidFill>
+                  <a:schemeClr val="tx1"/>
+                </a:solidFill>
+                <a:latin typeface="Comic Sans MS" panose="030F0902030302020204" pitchFamily="66" charset="0"/>
+              </a:defRPr>
+            </a:lvl5pPr>
+            <a:lvl6pPr marL="2514600" indent="-228600" eaLnBrk="0" fontAlgn="base" hangingPunct="0">
+              <a:spcBef>
+                <a:spcPct val="20000"/>
+              </a:spcBef>
+              <a:spcAft>
+                <a:spcPct val="0"/>
+              </a:spcAft>
+              <a:buChar char="–"/>
+              <a:defRPr sz="1500">
+                <a:solidFill>
+                  <a:schemeClr val="tx1"/>
+                </a:solidFill>
+                <a:latin typeface="Comic Sans MS" panose="030F0902030302020204" pitchFamily="66" charset="0"/>
+              </a:defRPr>
+            </a:lvl6pPr>
+            <a:lvl7pPr marL="2971800" indent="-228600" eaLnBrk="0" fontAlgn="base" hangingPunct="0">
+              <a:spcBef>
+                <a:spcPct val="20000"/>
+              </a:spcBef>
+              <a:spcAft>
+                <a:spcPct val="0"/>
+              </a:spcAft>
+              <a:buChar char="–"/>
+              <a:defRPr sz="1500">
+                <a:solidFill>
+                  <a:schemeClr val="tx1"/>
+                </a:solidFill>
+                <a:latin typeface="Comic Sans MS" panose="030F0902030302020204" pitchFamily="66" charset="0"/>
+              </a:defRPr>
+            </a:lvl7pPr>
+            <a:lvl8pPr marL="3429000" indent="-228600" eaLnBrk="0" fontAlgn="base" hangingPunct="0">
+              <a:spcBef>
+                <a:spcPct val="20000"/>
+              </a:spcBef>
+              <a:spcAft>
+                <a:spcPct val="0"/>
+              </a:spcAft>
+              <a:buChar char="–"/>
+              <a:defRPr sz="1500">
+                <a:solidFill>
+                  <a:schemeClr val="tx1"/>
+                </a:solidFill>
+                <a:latin typeface="Comic Sans MS" panose="030F0902030302020204" pitchFamily="66" charset="0"/>
+              </a:defRPr>
+            </a:lvl8pPr>
+            <a:lvl9pPr marL="3886200" indent="-228600" eaLnBrk="0" fontAlgn="base" hangingPunct="0">
+              <a:spcBef>
+                <a:spcPct val="20000"/>
+              </a:spcBef>
+              <a:spcAft>
+                <a:spcPct val="0"/>
+              </a:spcAft>
+              <a:buChar char="–"/>
+              <a:defRPr sz="1500">
+                <a:solidFill>
+                  <a:schemeClr val="tx1"/>
+                </a:solidFill>
+                <a:latin typeface="Comic Sans MS" panose="030F0902030302020204" pitchFamily="66" charset="0"/>
+              </a:defRPr>
+            </a:lvl9pPr>
+          </a:lstStyle>
+          <a:p>
+            <a:pPr algn="ctr" eaLnBrk="1" hangingPunct="1">
+              <a:buClrTx/>
+              <a:buFontTx/>
+              <a:buChar char="–"/>
+            </a:pPr>
+            <a:endParaRPr lang="zh-CN" altLang="en-US" sz="1600">
+              <a:latin typeface="Lucida Sans" panose="020B0602030504020204" pitchFamily="34" charset="77"/>
+              <a:ea typeface="宋体" panose="02010600030101010101" pitchFamily="2" charset="-122"/>
+            </a:endParaRPr>
+          </a:p>
+        </p:txBody>
+      </p:sp>
+      <p:sp>
+        <p:nvSpPr>
+          <p:cNvPr id="9" name="Rectangle 3">
+            <a:extLst>
+              <a:ext uri="{FF2B5EF4-FFF2-40B4-BE49-F238E27FC236}">
+                <a16:creationId xmlns:a16="http://schemas.microsoft.com/office/drawing/2014/main" id="{01EED06A-C13D-5D45-1AB9-41B40B1FDECF}"/>
+              </a:ext>
+            </a:extLst>
+          </p:cNvPr>
+          <p:cNvSpPr>
+            <a:spLocks noChangeArrowheads="1"/>
+          </p:cNvSpPr>
+          <p:nvPr/>
+        </p:nvSpPr>
+        <p:spPr bwMode="auto">
+          <a:xfrm>
+            <a:off x="3490085" y="3725800"/>
+            <a:ext cx="287258" cy="338554"/>
+          </a:xfrm>
+          <a:prstGeom prst="rect">
+            <a:avLst/>
+          </a:prstGeom>
+          <a:solidFill>
+            <a:srgbClr val="FF9933"/>
+          </a:solidFill>
+          <a:ln>
+            <a:noFill/>
+          </a:ln>
+          <a:extLst>
+            <a:ext uri="{91240B29-F687-4F45-9708-019B960494DF}">
+              <a14:hiddenLine xmlns:a14="http://schemas.microsoft.com/office/drawing/2010/main" w="12700">
+                <a:solidFill>
+                  <a:srgbClr val="000000"/>
+                </a:solidFill>
+                <a:miter lim="800000"/>
+                <a:headEnd/>
+                <a:tailEnd/>
+              </a14:hiddenLine>
+            </a:ext>
+          </a:extLst>
+        </p:spPr>
+        <p:txBody>
+          <a:bodyPr wrap="none" anchor="ctr">
+            <a:spAutoFit/>
+          </a:bodyPr>
+          <a:lstStyle>
+            <a:lvl1pPr>
+              <a:spcBef>
+                <a:spcPct val="20000"/>
+              </a:spcBef>
+              <a:buClr>
+                <a:srgbClr val="CC3300"/>
+              </a:buClr>
+              <a:buBlip>
+                <a:blip r:embed="rId2"/>
+              </a:buBlip>
+              <a:defRPr sz="1900">
+                <a:solidFill>
+                  <a:schemeClr val="tx1"/>
+                </a:solidFill>
+                <a:latin typeface="Comic Sans MS" panose="030F0902030302020204" pitchFamily="66" charset="0"/>
+              </a:defRPr>
+            </a:lvl1pPr>
+            <a:lvl2pPr marL="742950" indent="-285750">
+              <a:spcBef>
+                <a:spcPct val="20000"/>
+              </a:spcBef>
+              <a:buBlip>
+                <a:blip r:embed="rId3"/>
+              </a:buBlip>
+              <a:defRPr sz="2800">
+                <a:solidFill>
+                  <a:schemeClr val="tx1"/>
+                </a:solidFill>
+                <a:latin typeface="Comic Sans MS" panose="030F0902030302020204" pitchFamily="66" charset="0"/>
+              </a:defRPr>
+            </a:lvl2pPr>
+            <a:lvl3pPr marL="1143000" indent="-228600">
+              <a:spcBef>
+                <a:spcPct val="20000"/>
+              </a:spcBef>
+              <a:buBlip>
+                <a:blip r:embed="rId4"/>
+              </a:buBlip>
+              <a:defRPr sz="1700">
+                <a:solidFill>
+                  <a:schemeClr val="tx1"/>
+                </a:solidFill>
+                <a:latin typeface="Comic Sans MS" panose="030F0902030302020204" pitchFamily="66" charset="0"/>
+              </a:defRPr>
+            </a:lvl3pPr>
+            <a:lvl4pPr marL="1600200" indent="-228600">
+              <a:spcBef>
+                <a:spcPct val="20000"/>
+              </a:spcBef>
+              <a:buChar char="–"/>
+              <a:defRPr sz="1600">
+                <a:solidFill>
+                  <a:schemeClr val="tx1"/>
+                </a:solidFill>
+                <a:latin typeface="Comic Sans MS" panose="030F0902030302020204" pitchFamily="66" charset="0"/>
+              </a:defRPr>
+            </a:lvl4pPr>
+            <a:lvl5pPr marL="2057400" indent="-228600">
+              <a:spcBef>
+                <a:spcPct val="20000"/>
+              </a:spcBef>
+              <a:buChar char="–"/>
+              <a:defRPr sz="1500">
+                <a:solidFill>
+                  <a:schemeClr val="tx1"/>
+                </a:solidFill>
+                <a:latin typeface="Comic Sans MS" panose="030F0902030302020204" pitchFamily="66" charset="0"/>
+              </a:defRPr>
+            </a:lvl5pPr>
+            <a:lvl6pPr marL="2514600" indent="-228600" eaLnBrk="0" fontAlgn="base" hangingPunct="0">
+              <a:spcBef>
+                <a:spcPct val="20000"/>
+              </a:spcBef>
+              <a:spcAft>
+                <a:spcPct val="0"/>
+              </a:spcAft>
+              <a:buChar char="–"/>
+              <a:defRPr sz="1500">
+                <a:solidFill>
+                  <a:schemeClr val="tx1"/>
+                </a:solidFill>
+                <a:latin typeface="Comic Sans MS" panose="030F0902030302020204" pitchFamily="66" charset="0"/>
+              </a:defRPr>
+            </a:lvl6pPr>
+            <a:lvl7pPr marL="2971800" indent="-228600" eaLnBrk="0" fontAlgn="base" hangingPunct="0">
+              <a:spcBef>
+                <a:spcPct val="20000"/>
+              </a:spcBef>
+              <a:spcAft>
+                <a:spcPct val="0"/>
+              </a:spcAft>
+              <a:buChar char="–"/>
+              <a:defRPr sz="1500">
+                <a:solidFill>
+                  <a:schemeClr val="tx1"/>
+                </a:solidFill>
+                <a:latin typeface="Comic Sans MS" panose="030F0902030302020204" pitchFamily="66" charset="0"/>
+              </a:defRPr>
+            </a:lvl7pPr>
+            <a:lvl8pPr marL="3429000" indent="-228600" eaLnBrk="0" fontAlgn="base" hangingPunct="0">
+              <a:spcBef>
+                <a:spcPct val="20000"/>
+              </a:spcBef>
+              <a:spcAft>
+                <a:spcPct val="0"/>
+              </a:spcAft>
+              <a:buChar char="–"/>
+              <a:defRPr sz="1500">
+                <a:solidFill>
+                  <a:schemeClr val="tx1"/>
+                </a:solidFill>
+                <a:latin typeface="Comic Sans MS" panose="030F0902030302020204" pitchFamily="66" charset="0"/>
+              </a:defRPr>
+            </a:lvl8pPr>
+            <a:lvl9pPr marL="3886200" indent="-228600" eaLnBrk="0" fontAlgn="base" hangingPunct="0">
+              <a:spcBef>
+                <a:spcPct val="20000"/>
+              </a:spcBef>
+              <a:spcAft>
+                <a:spcPct val="0"/>
+              </a:spcAft>
+              <a:buChar char="–"/>
+              <a:defRPr sz="1500">
+                <a:solidFill>
+                  <a:schemeClr val="tx1"/>
+                </a:solidFill>
+                <a:latin typeface="Comic Sans MS" panose="030F0902030302020204" pitchFamily="66" charset="0"/>
+              </a:defRPr>
+            </a:lvl9pPr>
+          </a:lstStyle>
+          <a:p>
+            <a:pPr algn="ctr" eaLnBrk="1" hangingPunct="1">
+              <a:buClrTx/>
+              <a:buFontTx/>
+              <a:buChar char="–"/>
+            </a:pPr>
+            <a:endParaRPr lang="zh-CN" altLang="en-US" sz="1600">
+              <a:latin typeface="Lucida Sans" panose="020B0602030504020204" pitchFamily="34" charset="77"/>
+              <a:ea typeface="宋体" panose="02010600030101010101" pitchFamily="2" charset="-122"/>
+            </a:endParaRPr>
+          </a:p>
+        </p:txBody>
+      </p:sp>
+      <p:sp>
+        <p:nvSpPr>
+          <p:cNvPr id="10" name="Rectangle 4">
+            <a:extLst>
+              <a:ext uri="{FF2B5EF4-FFF2-40B4-BE49-F238E27FC236}">
+                <a16:creationId xmlns:a16="http://schemas.microsoft.com/office/drawing/2014/main" id="{86318AB3-3368-5D67-A107-DE157EE50D45}"/>
+              </a:ext>
+            </a:extLst>
+          </p:cNvPr>
+          <p:cNvSpPr>
+            <a:spLocks noChangeArrowheads="1"/>
+          </p:cNvSpPr>
+          <p:nvPr/>
+        </p:nvSpPr>
+        <p:spPr bwMode="auto">
+          <a:xfrm>
+            <a:off x="4395715" y="4940405"/>
+            <a:ext cx="287258" cy="338554"/>
+          </a:xfrm>
+          <a:prstGeom prst="rect">
+            <a:avLst/>
+          </a:prstGeom>
+          <a:solidFill>
+            <a:srgbClr val="FF3300"/>
+          </a:solidFill>
+          <a:ln>
+            <a:noFill/>
+          </a:ln>
+          <a:extLst>
+            <a:ext uri="{91240B29-F687-4F45-9708-019B960494DF}">
+              <a14:hiddenLine xmlns:a14="http://schemas.microsoft.com/office/drawing/2010/main" w="12700">
+                <a:solidFill>
+                  <a:srgbClr val="000000"/>
+                </a:solidFill>
+                <a:miter lim="800000"/>
+                <a:headEnd/>
+                <a:tailEnd/>
+              </a14:hiddenLine>
+            </a:ext>
+          </a:extLst>
+        </p:spPr>
+        <p:txBody>
+          <a:bodyPr wrap="none" anchor="ctr">
+            <a:spAutoFit/>
+          </a:bodyPr>
+          <a:lstStyle>
+            <a:lvl1pPr>
+              <a:spcBef>
+                <a:spcPct val="20000"/>
+              </a:spcBef>
+              <a:buClr>
+                <a:srgbClr val="CC3300"/>
+              </a:buClr>
+              <a:buBlip>
+                <a:blip r:embed="rId2"/>
+              </a:buBlip>
+              <a:defRPr sz="1900">
+                <a:solidFill>
+                  <a:schemeClr val="tx1"/>
+                </a:solidFill>
+                <a:latin typeface="Comic Sans MS" panose="030F0902030302020204" pitchFamily="66" charset="0"/>
+              </a:defRPr>
+            </a:lvl1pPr>
+            <a:lvl2pPr marL="742950" indent="-285750">
+              <a:spcBef>
+                <a:spcPct val="20000"/>
+              </a:spcBef>
+              <a:buBlip>
+                <a:blip r:embed="rId3"/>
+              </a:buBlip>
+              <a:defRPr sz="2800">
+                <a:solidFill>
+                  <a:schemeClr val="tx1"/>
+                </a:solidFill>
+                <a:latin typeface="Comic Sans MS" panose="030F0902030302020204" pitchFamily="66" charset="0"/>
+              </a:defRPr>
+            </a:lvl2pPr>
+            <a:lvl3pPr marL="1143000" indent="-228600">
+              <a:spcBef>
+                <a:spcPct val="20000"/>
+              </a:spcBef>
+              <a:buBlip>
+                <a:blip r:embed="rId4"/>
+              </a:buBlip>
+              <a:defRPr sz="1700">
+                <a:solidFill>
+                  <a:schemeClr val="tx1"/>
+                </a:solidFill>
+                <a:latin typeface="Comic Sans MS" panose="030F0902030302020204" pitchFamily="66" charset="0"/>
+              </a:defRPr>
+            </a:lvl3pPr>
+            <a:lvl4pPr marL="1600200" indent="-228600">
+              <a:spcBef>
+                <a:spcPct val="20000"/>
+              </a:spcBef>
+              <a:buChar char="–"/>
+              <a:defRPr sz="1600">
+                <a:solidFill>
+                  <a:schemeClr val="tx1"/>
+                </a:solidFill>
+                <a:latin typeface="Comic Sans MS" panose="030F0902030302020204" pitchFamily="66" charset="0"/>
+              </a:defRPr>
+            </a:lvl4pPr>
+            <a:lvl5pPr marL="2057400" indent="-228600">
+              <a:spcBef>
+                <a:spcPct val="20000"/>
+              </a:spcBef>
+              <a:buChar char="–"/>
+              <a:defRPr sz="1500">
+                <a:solidFill>
+                  <a:schemeClr val="tx1"/>
+                </a:solidFill>
+                <a:latin typeface="Comic Sans MS" panose="030F0902030302020204" pitchFamily="66" charset="0"/>
+              </a:defRPr>
+            </a:lvl5pPr>
+            <a:lvl6pPr marL="2514600" indent="-228600" eaLnBrk="0" fontAlgn="base" hangingPunct="0">
+              <a:spcBef>
+                <a:spcPct val="20000"/>
+              </a:spcBef>
+              <a:spcAft>
+                <a:spcPct val="0"/>
+              </a:spcAft>
+              <a:buChar char="–"/>
+              <a:defRPr sz="1500">
+                <a:solidFill>
+                  <a:schemeClr val="tx1"/>
+                </a:solidFill>
+                <a:latin typeface="Comic Sans MS" panose="030F0902030302020204" pitchFamily="66" charset="0"/>
+              </a:defRPr>
+            </a:lvl6pPr>
+            <a:lvl7pPr marL="2971800" indent="-228600" eaLnBrk="0" fontAlgn="base" hangingPunct="0">
+              <a:spcBef>
+                <a:spcPct val="20000"/>
+              </a:spcBef>
+              <a:spcAft>
+                <a:spcPct val="0"/>
+              </a:spcAft>
+              <a:buChar char="–"/>
+              <a:defRPr sz="1500">
+                <a:solidFill>
+                  <a:schemeClr val="tx1"/>
+                </a:solidFill>
+                <a:latin typeface="Comic Sans MS" panose="030F0902030302020204" pitchFamily="66" charset="0"/>
+              </a:defRPr>
+            </a:lvl7pPr>
+            <a:lvl8pPr marL="3429000" indent="-228600" eaLnBrk="0" fontAlgn="base" hangingPunct="0">
+              <a:spcBef>
+                <a:spcPct val="20000"/>
+              </a:spcBef>
+              <a:spcAft>
+                <a:spcPct val="0"/>
+              </a:spcAft>
+              <a:buChar char="–"/>
+              <a:defRPr sz="1500">
+                <a:solidFill>
+                  <a:schemeClr val="tx1"/>
+                </a:solidFill>
+                <a:latin typeface="Comic Sans MS" panose="030F0902030302020204" pitchFamily="66" charset="0"/>
+              </a:defRPr>
+            </a:lvl8pPr>
+            <a:lvl9pPr marL="3886200" indent="-228600" eaLnBrk="0" fontAlgn="base" hangingPunct="0">
+              <a:spcBef>
+                <a:spcPct val="20000"/>
+              </a:spcBef>
+              <a:spcAft>
+                <a:spcPct val="0"/>
+              </a:spcAft>
+              <a:buChar char="–"/>
+              <a:defRPr sz="1500">
+                <a:solidFill>
+                  <a:schemeClr val="tx1"/>
+                </a:solidFill>
+                <a:latin typeface="Comic Sans MS" panose="030F0902030302020204" pitchFamily="66" charset="0"/>
+              </a:defRPr>
+            </a:lvl9pPr>
+          </a:lstStyle>
+          <a:p>
+            <a:pPr algn="ctr" eaLnBrk="1" hangingPunct="1">
+              <a:buClrTx/>
+              <a:buFontTx/>
+              <a:buChar char="–"/>
+            </a:pPr>
+            <a:endParaRPr lang="zh-CN" altLang="en-US" sz="1600">
+              <a:latin typeface="Lucida Sans" panose="020B0602030504020204" pitchFamily="34" charset="77"/>
+              <a:ea typeface="宋体" panose="02010600030101010101" pitchFamily="2" charset="-122"/>
+            </a:endParaRPr>
+          </a:p>
+        </p:txBody>
+      </p:sp>
+      <p:sp>
+        <p:nvSpPr>
+          <p:cNvPr id="11" name="Rectangle 6">
+            <a:extLst>
+              <a:ext uri="{FF2B5EF4-FFF2-40B4-BE49-F238E27FC236}">
+                <a16:creationId xmlns:a16="http://schemas.microsoft.com/office/drawing/2014/main" id="{91A130A4-6FA0-9D8C-A567-FCF32AF95263}"/>
+              </a:ext>
+            </a:extLst>
+          </p:cNvPr>
+          <p:cNvSpPr txBox="1">
+            <a:spLocks noChangeArrowheads="1"/>
+          </p:cNvSpPr>
+          <p:nvPr/>
+        </p:nvSpPr>
+        <p:spPr>
+          <a:xfrm>
+            <a:off x="6400802" y="2329543"/>
+            <a:ext cx="3962400" cy="2362200"/>
+          </a:xfrm>
+          <a:prstGeom prst="rect">
+            <a:avLst/>
+          </a:prstGeom>
+        </p:spPr>
+        <p:txBody>
+          <a:bodyPr vert="horz" lIns="91440" tIns="45720" rIns="91440" bIns="45720" rtlCol="0">
+            <a:normAutofit/>
+          </a:bodyPr>
+          <a:lstStyle>
+            <a:lvl1pPr marL="228600" indent="-228600" algn="l" defTabSz="914400" rtl="0" eaLnBrk="1" latinLnBrk="0" hangingPunct="1">
+              <a:lnSpc>
+                <a:spcPct val="100000"/>
+              </a:lnSpc>
+              <a:spcBef>
+                <a:spcPts val="1000"/>
+              </a:spcBef>
+              <a:buFont typeface="Arial" panose="020B0604020202020204" pitchFamily="34" charset="0"/>
+              <a:buChar char="•"/>
+              <a:defRPr sz="2400" kern="1200">
+                <a:solidFill>
+                  <a:schemeClr val="tx1"/>
+                </a:solidFill>
+                <a:latin typeface="Arial" panose="020B0604020202020204" pitchFamily="34" charset="0"/>
+                <a:ea typeface="+mn-ea"/>
+                <a:cs typeface="Arial" panose="020B0604020202020204" pitchFamily="34" charset="0"/>
+              </a:defRPr>
+            </a:lvl1pPr>
+            <a:lvl2pPr marL="685800" indent="-228600" algn="l" defTabSz="914400" rtl="0" eaLnBrk="1" latinLnBrk="0" hangingPunct="1">
+              <a:lnSpc>
+                <a:spcPct val="100000"/>
+              </a:lnSpc>
+              <a:spcBef>
+                <a:spcPts val="500"/>
+              </a:spcBef>
+              <a:buFont typeface="Arial" panose="020B0604020202020204" pitchFamily="34" charset="0"/>
+              <a:buChar char="•"/>
+              <a:defRPr sz="2000" kern="1200">
+                <a:solidFill>
+                  <a:schemeClr val="tx1"/>
+                </a:solidFill>
+                <a:latin typeface="Arial" panose="020B0604020202020204" pitchFamily="34" charset="0"/>
+                <a:ea typeface="+mn-ea"/>
+                <a:cs typeface="Arial" panose="020B0604020202020204" pitchFamily="34" charset="0"/>
+              </a:defRPr>
+            </a:lvl2pPr>
+            <a:lvl3pPr marL="1143000" indent="-228600" algn="l" defTabSz="914400" rtl="0" eaLnBrk="1" latinLnBrk="0" hangingPunct="1">
+              <a:lnSpc>
+                <a:spcPct val="100000"/>
+              </a:lnSpc>
+              <a:spcBef>
+                <a:spcPts val="500"/>
+              </a:spcBef>
+              <a:buFont typeface="Arial" panose="020B0604020202020204" pitchFamily="34" charset="0"/>
+              <a:buChar char="•"/>
+              <a:defRPr sz="1800" kern="1200">
+                <a:solidFill>
+                  <a:schemeClr val="tx1"/>
+                </a:solidFill>
+                <a:latin typeface="Arial" panose="020B0604020202020204" pitchFamily="34" charset="0"/>
+                <a:ea typeface="+mn-ea"/>
+                <a:cs typeface="Arial" panose="020B0604020202020204" pitchFamily="34" charset="0"/>
+              </a:defRPr>
+            </a:lvl3pPr>
+            <a:lvl4pPr marL="1600200" indent="-228600" algn="l" defTabSz="914400" rtl="0" eaLnBrk="1" latinLnBrk="0" hangingPunct="1">
+              <a:lnSpc>
+                <a:spcPct val="100000"/>
+              </a:lnSpc>
+              <a:spcBef>
+                <a:spcPts val="500"/>
+              </a:spcBef>
+              <a:buFont typeface="Arial" panose="020B0604020202020204" pitchFamily="34" charset="0"/>
+              <a:buChar char="•"/>
+              <a:defRPr sz="1600" kern="1200">
+                <a:solidFill>
+                  <a:schemeClr val="tx1"/>
+                </a:solidFill>
+                <a:latin typeface="Arial" panose="020B0604020202020204" pitchFamily="34" charset="0"/>
+                <a:ea typeface="+mn-ea"/>
+                <a:cs typeface="Arial" panose="020B0604020202020204" pitchFamily="34" charset="0"/>
+              </a:defRPr>
+            </a:lvl4pPr>
+            <a:lvl5pPr marL="2057400" indent="-228600" algn="l" defTabSz="914400" rtl="0" eaLnBrk="1" latinLnBrk="0" hangingPunct="1">
+              <a:lnSpc>
+                <a:spcPct val="100000"/>
+              </a:lnSpc>
+              <a:spcBef>
+                <a:spcPts val="500"/>
+              </a:spcBef>
+              <a:buFont typeface="Arial" panose="020B0604020202020204" pitchFamily="34" charset="0"/>
+              <a:buChar char="•"/>
+              <a:defRPr sz="1600" kern="1200">
+                <a:solidFill>
+                  <a:schemeClr val="tx1"/>
+                </a:solidFill>
+                <a:latin typeface="Arial" panose="020B0604020202020204" pitchFamily="34" charset="0"/>
+                <a:ea typeface="+mn-ea"/>
+                <a:cs typeface="Arial" panose="020B0604020202020204" pitchFamily="34" charset="0"/>
+              </a:defRPr>
+            </a:lvl5pPr>
+            <a:lvl6pPr marL="2514600" indent="-228600" algn="l" defTabSz="914400" rtl="0" eaLnBrk="1" latinLnBrk="0" hangingPunct="1">
+              <a:lnSpc>
+                <a:spcPct val="90000"/>
+              </a:lnSpc>
+              <a:spcBef>
+                <a:spcPts val="500"/>
+              </a:spcBef>
+              <a:buFont typeface="Arial" panose="020B0604020202020204" pitchFamily="34" charset="0"/>
+              <a:buChar char="•"/>
+              <a:defRPr sz="1800" kern="1200">
+                <a:solidFill>
+                  <a:schemeClr val="tx1"/>
+                </a:solidFill>
+                <a:latin typeface="+mn-lt"/>
+                <a:ea typeface="+mn-ea"/>
+                <a:cs typeface="+mn-cs"/>
+              </a:defRPr>
+            </a:lvl6pPr>
+            <a:lvl7pPr marL="2971800" indent="-228600" algn="l" defTabSz="914400" rtl="0" eaLnBrk="1" latinLnBrk="0" hangingPunct="1">
+              <a:lnSpc>
+                <a:spcPct val="90000"/>
+              </a:lnSpc>
+              <a:spcBef>
+                <a:spcPts val="500"/>
+              </a:spcBef>
+              <a:buFont typeface="Arial" panose="020B0604020202020204" pitchFamily="34" charset="0"/>
+              <a:buChar char="•"/>
+              <a:defRPr sz="1800" kern="1200">
+                <a:solidFill>
+                  <a:schemeClr val="tx1"/>
+                </a:solidFill>
+                <a:latin typeface="+mn-lt"/>
+                <a:ea typeface="+mn-ea"/>
+                <a:cs typeface="+mn-cs"/>
+              </a:defRPr>
+            </a:lvl7pPr>
+            <a:lvl8pPr marL="3429000" indent="-228600" algn="l" defTabSz="914400" rtl="0" eaLnBrk="1" latinLnBrk="0" hangingPunct="1">
+              <a:lnSpc>
+                <a:spcPct val="90000"/>
+              </a:lnSpc>
+              <a:spcBef>
+                <a:spcPts val="500"/>
+              </a:spcBef>
+              <a:buFont typeface="Arial" panose="020B0604020202020204" pitchFamily="34" charset="0"/>
+              <a:buChar char="•"/>
+              <a:defRPr sz="1800" kern="1200">
+                <a:solidFill>
+                  <a:schemeClr val="tx1"/>
+                </a:solidFill>
+                <a:latin typeface="+mn-lt"/>
+                <a:ea typeface="+mn-ea"/>
+                <a:cs typeface="+mn-cs"/>
+              </a:defRPr>
+            </a:lvl8pPr>
+            <a:lvl9pPr marL="3886200" indent="-228600" algn="l" defTabSz="914400" rtl="0" eaLnBrk="1" latinLnBrk="0" hangingPunct="1">
+              <a:lnSpc>
+                <a:spcPct val="90000"/>
+              </a:lnSpc>
+              <a:spcBef>
+                <a:spcPts val="500"/>
+              </a:spcBef>
+              <a:buFont typeface="Arial" panose="020B0604020202020204" pitchFamily="34" charset="0"/>
+              <a:buChar char="•"/>
+              <a:defRPr sz="1800" kern="1200">
+                <a:solidFill>
+                  <a:schemeClr val="tx1"/>
+                </a:solidFill>
+                <a:latin typeface="+mn-lt"/>
+                <a:ea typeface="+mn-ea"/>
+                <a:cs typeface="+mn-cs"/>
+              </a:defRPr>
+            </a:lvl9pPr>
+          </a:lstStyle>
+          <a:p>
+            <a:pPr algn="ctr">
+              <a:buFontTx/>
+              <a:buNone/>
+            </a:pPr>
+            <a:r>
+              <a:rPr lang="en-US" altLang="zh-CN" sz="2100" dirty="0">
+                <a:latin typeface="Avenir Next LT Pro" panose="020B0504020202020204" pitchFamily="34" charset="77"/>
+                <a:ea typeface="宋体" panose="02010600030101010101" pitchFamily="2" charset="-122"/>
+              </a:rPr>
+              <a:t>S: …. = f (v)</a:t>
+            </a:r>
+          </a:p>
+          <a:p>
+            <a:r>
+              <a:rPr lang="en-US" altLang="zh-CN" sz="2100" dirty="0">
+                <a:solidFill>
+                  <a:schemeClr val="accent1"/>
+                </a:solidFill>
+                <a:latin typeface="Avenir Next LT Pro" panose="020B0504020202020204" pitchFamily="34" charset="77"/>
+                <a:ea typeface="宋体" panose="02010600030101010101" pitchFamily="2" charset="-122"/>
+              </a:rPr>
+              <a:t>Slice</a:t>
+            </a:r>
+            <a:r>
+              <a:rPr lang="en-US" altLang="zh-CN" sz="2100" dirty="0">
+                <a:latin typeface="Avenir Next LT Pro" panose="020B0504020202020204" pitchFamily="34" charset="77"/>
+                <a:ea typeface="宋体" panose="02010600030101010101" pitchFamily="2" charset="-122"/>
+              </a:rPr>
+              <a:t> of v at S  is  the set of statements  involved in computing v’s value at S.</a:t>
+            </a:r>
+          </a:p>
+          <a:p>
+            <a:pPr>
+              <a:buFontTx/>
+              <a:buNone/>
+            </a:pPr>
+            <a:r>
+              <a:rPr lang="en-US" altLang="zh-CN" sz="2100" dirty="0">
+                <a:latin typeface="Avenir Next LT Pro" panose="020B0504020202020204" pitchFamily="34" charset="77"/>
+                <a:ea typeface="宋体" panose="02010600030101010101" pitchFamily="2" charset="-122"/>
+              </a:rPr>
+              <a:t>    [Mark Weiser, 1982]</a:t>
+            </a:r>
+            <a:endParaRPr lang="en-US" altLang="zh-CN" sz="2500" dirty="0">
+              <a:latin typeface="Avenir Next LT Pro" panose="020B0504020202020204" pitchFamily="34" charset="77"/>
+              <a:ea typeface="宋体" panose="02010600030101010101" pitchFamily="2" charset="-122"/>
+            </a:endParaRPr>
+          </a:p>
+        </p:txBody>
+      </p:sp>
+      <p:sp>
+        <p:nvSpPr>
+          <p:cNvPr id="13" name="Text Box 9">
+            <a:extLst>
+              <a:ext uri="{FF2B5EF4-FFF2-40B4-BE49-F238E27FC236}">
+                <a16:creationId xmlns:a16="http://schemas.microsoft.com/office/drawing/2014/main" id="{C9F92454-704D-2814-D9B4-DFC9A9542B30}"/>
+              </a:ext>
+            </a:extLst>
+          </p:cNvPr>
+          <p:cNvSpPr txBox="1">
+            <a:spLocks noChangeArrowheads="1"/>
+          </p:cNvSpPr>
+          <p:nvPr/>
+        </p:nvSpPr>
+        <p:spPr bwMode="auto">
+          <a:xfrm>
+            <a:off x="1143000" y="1763487"/>
+            <a:ext cx="1066800" cy="3425825"/>
+          </a:xfrm>
+          <a:prstGeom prst="rect">
+            <a:avLst/>
+          </a:prstGeom>
+          <a:noFill/>
+          <a:ln>
+            <a:noFill/>
+          </a:ln>
+          <a:extLst>
+            <a:ext uri="{909E8E84-426E-40DD-AFC4-6F175D3DCCD1}">
+              <a14:hiddenFill xmlns:a14="http://schemas.microsoft.com/office/drawing/2010/main">
+                <a:solidFill>
+                  <a:srgbClr val="FFFFFF"/>
+                </a:solidFill>
+              </a14:hiddenFill>
+            </a:ext>
+            <a:ext uri="{91240B29-F687-4F45-9708-019B960494DF}">
+              <a14:hiddenLine xmlns:a14="http://schemas.microsoft.com/office/drawing/2010/main" w="28575">
+                <a:solidFill>
+                  <a:srgbClr val="000000"/>
+                </a:solidFill>
+                <a:miter lim="800000"/>
+                <a:headEnd/>
+                <a:tailEnd/>
+              </a14:hiddenLine>
+            </a:ext>
+          </a:extLst>
+        </p:spPr>
+        <p:txBody>
+          <a:bodyPr>
+            <a:spAutoFit/>
+          </a:bodyPr>
+          <a:lstStyle>
+            <a:lvl1pPr marL="742950" indent="-285750">
+              <a:spcBef>
+                <a:spcPct val="20000"/>
+              </a:spcBef>
+              <a:buClr>
+                <a:srgbClr val="CC3300"/>
+              </a:buClr>
+              <a:buBlip>
+                <a:blip r:embed="rId2"/>
+              </a:buBlip>
+              <a:defRPr sz="1900">
+                <a:solidFill>
+                  <a:schemeClr val="tx1"/>
+                </a:solidFill>
+                <a:latin typeface="Comic Sans MS" panose="030F0902030302020204" pitchFamily="66" charset="0"/>
+              </a:defRPr>
+            </a:lvl1pPr>
+            <a:lvl2pPr marL="742950" indent="-285750">
+              <a:spcBef>
+                <a:spcPct val="20000"/>
+              </a:spcBef>
+              <a:buBlip>
+                <a:blip r:embed="rId3"/>
+              </a:buBlip>
+              <a:defRPr sz="2800">
+                <a:solidFill>
+                  <a:schemeClr val="tx1"/>
+                </a:solidFill>
+                <a:latin typeface="Comic Sans MS" panose="030F0902030302020204" pitchFamily="66" charset="0"/>
+              </a:defRPr>
+            </a:lvl2pPr>
+            <a:lvl3pPr marL="1143000" indent="-228600">
+              <a:spcBef>
+                <a:spcPct val="20000"/>
+              </a:spcBef>
+              <a:buBlip>
+                <a:blip r:embed="rId4"/>
+              </a:buBlip>
+              <a:defRPr sz="1700">
+                <a:solidFill>
+                  <a:schemeClr val="tx1"/>
+                </a:solidFill>
+                <a:latin typeface="Comic Sans MS" panose="030F0902030302020204" pitchFamily="66" charset="0"/>
+              </a:defRPr>
+            </a:lvl3pPr>
+            <a:lvl4pPr marL="1600200" indent="-228600">
+              <a:spcBef>
+                <a:spcPct val="20000"/>
+              </a:spcBef>
+              <a:buChar char="–"/>
+              <a:defRPr sz="1600">
+                <a:solidFill>
+                  <a:schemeClr val="tx1"/>
+                </a:solidFill>
+                <a:latin typeface="Comic Sans MS" panose="030F0902030302020204" pitchFamily="66" charset="0"/>
+              </a:defRPr>
+            </a:lvl4pPr>
+            <a:lvl5pPr marL="2057400" indent="-228600">
+              <a:spcBef>
+                <a:spcPct val="20000"/>
+              </a:spcBef>
+              <a:buChar char="–"/>
+              <a:defRPr sz="1500">
+                <a:solidFill>
+                  <a:schemeClr val="tx1"/>
+                </a:solidFill>
+                <a:latin typeface="Comic Sans MS" panose="030F0902030302020204" pitchFamily="66" charset="0"/>
+              </a:defRPr>
+            </a:lvl5pPr>
+            <a:lvl6pPr marL="2514600" indent="-228600" eaLnBrk="0" fontAlgn="base" hangingPunct="0">
+              <a:spcBef>
+                <a:spcPct val="20000"/>
+              </a:spcBef>
+              <a:spcAft>
+                <a:spcPct val="0"/>
+              </a:spcAft>
+              <a:buChar char="–"/>
+              <a:defRPr sz="1500">
+                <a:solidFill>
+                  <a:schemeClr val="tx1"/>
+                </a:solidFill>
+                <a:latin typeface="Comic Sans MS" panose="030F0902030302020204" pitchFamily="66" charset="0"/>
+              </a:defRPr>
+            </a:lvl6pPr>
+            <a:lvl7pPr marL="2971800" indent="-228600" eaLnBrk="0" fontAlgn="base" hangingPunct="0">
+              <a:spcBef>
+                <a:spcPct val="20000"/>
+              </a:spcBef>
+              <a:spcAft>
+                <a:spcPct val="0"/>
+              </a:spcAft>
+              <a:buChar char="–"/>
+              <a:defRPr sz="1500">
+                <a:solidFill>
+                  <a:schemeClr val="tx1"/>
+                </a:solidFill>
+                <a:latin typeface="Comic Sans MS" panose="030F0902030302020204" pitchFamily="66" charset="0"/>
+              </a:defRPr>
+            </a:lvl7pPr>
+            <a:lvl8pPr marL="3429000" indent="-228600" eaLnBrk="0" fontAlgn="base" hangingPunct="0">
+              <a:spcBef>
+                <a:spcPct val="20000"/>
+              </a:spcBef>
+              <a:spcAft>
+                <a:spcPct val="0"/>
+              </a:spcAft>
+              <a:buChar char="–"/>
+              <a:defRPr sz="1500">
+                <a:solidFill>
+                  <a:schemeClr val="tx1"/>
+                </a:solidFill>
+                <a:latin typeface="Comic Sans MS" panose="030F0902030302020204" pitchFamily="66" charset="0"/>
+              </a:defRPr>
+            </a:lvl8pPr>
+            <a:lvl9pPr marL="3886200" indent="-228600" eaLnBrk="0" fontAlgn="base" hangingPunct="0">
+              <a:spcBef>
+                <a:spcPct val="20000"/>
+              </a:spcBef>
+              <a:spcAft>
+                <a:spcPct val="0"/>
+              </a:spcAft>
+              <a:buChar char="–"/>
+              <a:defRPr sz="1500">
+                <a:solidFill>
+                  <a:schemeClr val="tx1"/>
+                </a:solidFill>
+                <a:latin typeface="Comic Sans MS" panose="030F0902030302020204" pitchFamily="66" charset="0"/>
+              </a:defRPr>
+            </a:lvl9pPr>
+          </a:lstStyle>
+          <a:p>
+            <a:pPr algn="ctr" eaLnBrk="1" hangingPunct="1">
+              <a:lnSpc>
+                <a:spcPct val="90000"/>
+              </a:lnSpc>
+              <a:spcBef>
+                <a:spcPct val="50000"/>
+              </a:spcBef>
+              <a:buClrTx/>
+              <a:buFontTx/>
+              <a:buNone/>
+            </a:pPr>
+            <a:r>
+              <a:rPr lang="en-US" altLang="zh-CN" sz="1800">
+                <a:latin typeface="Lucida Sans" panose="020B0602030504020204" pitchFamily="34" charset="77"/>
+                <a:ea typeface="宋体" panose="02010600030101010101" pitchFamily="2" charset="-122"/>
+              </a:rPr>
+              <a:t>1</a:t>
+            </a:r>
+          </a:p>
+          <a:p>
+            <a:pPr algn="ctr" eaLnBrk="1" hangingPunct="1">
+              <a:lnSpc>
+                <a:spcPct val="90000"/>
+              </a:lnSpc>
+              <a:spcBef>
+                <a:spcPct val="50000"/>
+              </a:spcBef>
+              <a:buClrTx/>
+              <a:buFontTx/>
+              <a:buNone/>
+            </a:pPr>
+            <a:r>
+              <a:rPr lang="en-US" altLang="zh-CN" sz="1800">
+                <a:latin typeface="Lucida Sans" panose="020B0602030504020204" pitchFamily="34" charset="77"/>
+                <a:ea typeface="宋体" panose="02010600030101010101" pitchFamily="2" charset="-122"/>
+              </a:rPr>
+              <a:t>2</a:t>
+            </a:r>
+          </a:p>
+          <a:p>
+            <a:pPr algn="ctr" eaLnBrk="1" hangingPunct="1">
+              <a:lnSpc>
+                <a:spcPct val="90000"/>
+              </a:lnSpc>
+              <a:spcBef>
+                <a:spcPct val="50000"/>
+              </a:spcBef>
+              <a:buClrTx/>
+              <a:buFontTx/>
+              <a:buNone/>
+            </a:pPr>
+            <a:r>
+              <a:rPr lang="en-US" altLang="zh-CN" sz="1800">
+                <a:latin typeface="Lucida Sans" panose="020B0602030504020204" pitchFamily="34" charset="77"/>
+                <a:ea typeface="宋体" panose="02010600030101010101" pitchFamily="2" charset="-122"/>
+              </a:rPr>
+              <a:t>3</a:t>
+            </a:r>
+          </a:p>
+          <a:p>
+            <a:pPr algn="ctr" eaLnBrk="1" hangingPunct="1">
+              <a:lnSpc>
+                <a:spcPct val="90000"/>
+              </a:lnSpc>
+              <a:spcBef>
+                <a:spcPct val="50000"/>
+              </a:spcBef>
+              <a:buClrTx/>
+              <a:buFontTx/>
+              <a:buNone/>
+            </a:pPr>
+            <a:r>
+              <a:rPr lang="en-US" altLang="zh-CN" sz="1800">
+                <a:latin typeface="Lucida Sans" panose="020B0602030504020204" pitchFamily="34" charset="77"/>
+                <a:ea typeface="宋体" panose="02010600030101010101" pitchFamily="2" charset="-122"/>
+              </a:rPr>
+              <a:t>4</a:t>
+            </a:r>
+          </a:p>
+          <a:p>
+            <a:pPr algn="ctr" eaLnBrk="1" hangingPunct="1">
+              <a:lnSpc>
+                <a:spcPct val="90000"/>
+              </a:lnSpc>
+              <a:spcBef>
+                <a:spcPct val="50000"/>
+              </a:spcBef>
+              <a:buClrTx/>
+              <a:buFontTx/>
+              <a:buNone/>
+            </a:pPr>
+            <a:r>
+              <a:rPr lang="en-US" altLang="zh-CN" sz="1800">
+                <a:latin typeface="Lucida Sans" panose="020B0602030504020204" pitchFamily="34" charset="77"/>
+                <a:ea typeface="宋体" panose="02010600030101010101" pitchFamily="2" charset="-122"/>
+              </a:rPr>
+              <a:t>5</a:t>
+            </a:r>
+          </a:p>
+          <a:p>
+            <a:pPr algn="ctr" eaLnBrk="1" hangingPunct="1">
+              <a:lnSpc>
+                <a:spcPct val="90000"/>
+              </a:lnSpc>
+              <a:spcBef>
+                <a:spcPct val="50000"/>
+              </a:spcBef>
+              <a:buClrTx/>
+              <a:buFontTx/>
+              <a:buNone/>
+            </a:pPr>
+            <a:r>
+              <a:rPr lang="en-US" altLang="zh-CN" sz="1800">
+                <a:latin typeface="Lucida Sans" panose="020B0602030504020204" pitchFamily="34" charset="77"/>
+                <a:ea typeface="宋体" panose="02010600030101010101" pitchFamily="2" charset="-122"/>
+              </a:rPr>
+              <a:t>6</a:t>
+            </a:r>
+          </a:p>
+          <a:p>
+            <a:pPr algn="ctr" eaLnBrk="1" hangingPunct="1">
+              <a:lnSpc>
+                <a:spcPct val="90000"/>
+              </a:lnSpc>
+              <a:spcBef>
+                <a:spcPct val="50000"/>
+              </a:spcBef>
+              <a:buClrTx/>
+              <a:buFontTx/>
+              <a:buNone/>
+            </a:pPr>
+            <a:r>
+              <a:rPr lang="en-US" altLang="zh-CN" sz="1800">
+                <a:latin typeface="Lucida Sans" panose="020B0602030504020204" pitchFamily="34" charset="77"/>
+                <a:ea typeface="宋体" panose="02010600030101010101" pitchFamily="2" charset="-122"/>
+              </a:rPr>
+              <a:t>7</a:t>
+            </a:r>
+          </a:p>
+          <a:p>
+            <a:pPr algn="ctr" eaLnBrk="1" hangingPunct="1">
+              <a:lnSpc>
+                <a:spcPct val="90000"/>
+              </a:lnSpc>
+              <a:spcBef>
+                <a:spcPct val="50000"/>
+              </a:spcBef>
+              <a:buClrTx/>
+              <a:buFontTx/>
+              <a:buNone/>
+            </a:pPr>
+            <a:r>
+              <a:rPr lang="en-US" altLang="zh-CN" sz="1800">
+                <a:latin typeface="Lucida Sans" panose="020B0602030504020204" pitchFamily="34" charset="77"/>
+                <a:ea typeface="宋体" panose="02010600030101010101" pitchFamily="2" charset="-122"/>
+              </a:rPr>
+              <a:t>8</a:t>
+            </a:r>
+          </a:p>
+          <a:p>
+            <a:pPr algn="ctr" eaLnBrk="1" hangingPunct="1">
+              <a:lnSpc>
+                <a:spcPct val="90000"/>
+              </a:lnSpc>
+              <a:spcBef>
+                <a:spcPct val="50000"/>
+              </a:spcBef>
+              <a:buClrTx/>
+              <a:buFontTx/>
+              <a:buNone/>
+            </a:pPr>
+            <a:r>
+              <a:rPr lang="en-US" altLang="zh-CN" sz="1800">
+                <a:latin typeface="Lucida Sans" panose="020B0602030504020204" pitchFamily="34" charset="77"/>
+                <a:ea typeface="宋体" panose="02010600030101010101" pitchFamily="2" charset="-122"/>
+              </a:rPr>
+              <a:t>9</a:t>
+            </a:r>
+          </a:p>
+        </p:txBody>
+      </p:sp>
+      <p:sp>
+        <p:nvSpPr>
+          <p:cNvPr id="12" name="Text Box 7">
+            <a:extLst>
+              <a:ext uri="{FF2B5EF4-FFF2-40B4-BE49-F238E27FC236}">
+                <a16:creationId xmlns:a16="http://schemas.microsoft.com/office/drawing/2014/main" id="{21A83951-681A-5A78-DC15-E028FE9C7136}"/>
+              </a:ext>
+            </a:extLst>
+          </p:cNvPr>
+          <p:cNvSpPr txBox="1">
+            <a:spLocks noChangeArrowheads="1"/>
+          </p:cNvSpPr>
+          <p:nvPr/>
+        </p:nvSpPr>
+        <p:spPr bwMode="auto">
+          <a:xfrm>
+            <a:off x="2057400" y="1763486"/>
+            <a:ext cx="3733800" cy="3580788"/>
+          </a:xfrm>
+          <a:prstGeom prst="rect">
+            <a:avLst/>
+          </a:prstGeom>
+          <a:noFill/>
+          <a:ln>
+            <a:noFill/>
+          </a:ln>
+          <a:extLst>
+            <a:ext uri="{909E8E84-426E-40DD-AFC4-6F175D3DCCD1}">
+              <a14:hiddenFill xmlns:a14="http://schemas.microsoft.com/office/drawing/2010/main">
+                <a:solidFill>
+                  <a:srgbClr val="FFFFFF"/>
+                </a:solidFill>
+              </a14:hiddenFill>
+            </a:ext>
+            <a:ext uri="{91240B29-F687-4F45-9708-019B960494DF}">
+              <a14:hiddenLine xmlns:a14="http://schemas.microsoft.com/office/drawing/2010/main" w="12700">
+                <a:solidFill>
+                  <a:srgbClr val="000000"/>
+                </a:solidFill>
+                <a:miter lim="800000"/>
+                <a:headEnd type="none" w="sm" len="sm"/>
+                <a:tailEnd type="none" w="sm" len="sm"/>
+              </a14:hiddenLine>
+            </a:ext>
+          </a:extLst>
+        </p:spPr>
+        <p:txBody>
+          <a:bodyPr>
+            <a:spAutoFit/>
+          </a:bodyPr>
+          <a:lstStyle>
+            <a:lvl1pPr>
+              <a:spcBef>
+                <a:spcPct val="20000"/>
+              </a:spcBef>
+              <a:buClr>
+                <a:srgbClr val="CC3300"/>
+              </a:buClr>
+              <a:buBlip>
+                <a:blip r:embed="rId2"/>
+              </a:buBlip>
+              <a:defRPr sz="1900">
+                <a:solidFill>
+                  <a:schemeClr val="tx1"/>
+                </a:solidFill>
+                <a:latin typeface="Comic Sans MS" panose="030F0902030302020204" pitchFamily="66" charset="0"/>
+              </a:defRPr>
+            </a:lvl1pPr>
+            <a:lvl2pPr marL="742950" indent="-285750">
+              <a:spcBef>
+                <a:spcPct val="20000"/>
+              </a:spcBef>
+              <a:buBlip>
+                <a:blip r:embed="rId3"/>
+              </a:buBlip>
+              <a:defRPr sz="2800">
+                <a:solidFill>
+                  <a:schemeClr val="tx1"/>
+                </a:solidFill>
+                <a:latin typeface="Comic Sans MS" panose="030F0902030302020204" pitchFamily="66" charset="0"/>
+              </a:defRPr>
+            </a:lvl2pPr>
+            <a:lvl3pPr marL="1143000" indent="-228600">
+              <a:spcBef>
+                <a:spcPct val="20000"/>
+              </a:spcBef>
+              <a:buBlip>
+                <a:blip r:embed="rId4"/>
+              </a:buBlip>
+              <a:defRPr sz="1700">
+                <a:solidFill>
+                  <a:schemeClr val="tx1"/>
+                </a:solidFill>
+                <a:latin typeface="Comic Sans MS" panose="030F0902030302020204" pitchFamily="66" charset="0"/>
+              </a:defRPr>
+            </a:lvl3pPr>
+            <a:lvl4pPr marL="1600200" indent="-228600">
+              <a:spcBef>
+                <a:spcPct val="20000"/>
+              </a:spcBef>
+              <a:buChar char="–"/>
+              <a:defRPr sz="1600">
+                <a:solidFill>
+                  <a:schemeClr val="tx1"/>
+                </a:solidFill>
+                <a:latin typeface="Comic Sans MS" panose="030F0902030302020204" pitchFamily="66" charset="0"/>
+              </a:defRPr>
+            </a:lvl4pPr>
+            <a:lvl5pPr marL="2057400" indent="-228600">
+              <a:spcBef>
+                <a:spcPct val="20000"/>
+              </a:spcBef>
+              <a:buChar char="–"/>
+              <a:defRPr sz="1500">
+                <a:solidFill>
+                  <a:schemeClr val="tx1"/>
+                </a:solidFill>
+                <a:latin typeface="Comic Sans MS" panose="030F0902030302020204" pitchFamily="66" charset="0"/>
+              </a:defRPr>
+            </a:lvl5pPr>
+            <a:lvl6pPr marL="2514600" indent="-228600" eaLnBrk="0" fontAlgn="base" hangingPunct="0">
+              <a:spcBef>
+                <a:spcPct val="20000"/>
+              </a:spcBef>
+              <a:spcAft>
+                <a:spcPct val="0"/>
+              </a:spcAft>
+              <a:buChar char="–"/>
+              <a:defRPr sz="1500">
+                <a:solidFill>
+                  <a:schemeClr val="tx1"/>
+                </a:solidFill>
+                <a:latin typeface="Comic Sans MS" panose="030F0902030302020204" pitchFamily="66" charset="0"/>
+              </a:defRPr>
+            </a:lvl6pPr>
+            <a:lvl7pPr marL="2971800" indent="-228600" eaLnBrk="0" fontAlgn="base" hangingPunct="0">
+              <a:spcBef>
+                <a:spcPct val="20000"/>
+              </a:spcBef>
+              <a:spcAft>
+                <a:spcPct val="0"/>
+              </a:spcAft>
+              <a:buChar char="–"/>
+              <a:defRPr sz="1500">
+                <a:solidFill>
+                  <a:schemeClr val="tx1"/>
+                </a:solidFill>
+                <a:latin typeface="Comic Sans MS" panose="030F0902030302020204" pitchFamily="66" charset="0"/>
+              </a:defRPr>
+            </a:lvl7pPr>
+            <a:lvl8pPr marL="3429000" indent="-228600" eaLnBrk="0" fontAlgn="base" hangingPunct="0">
+              <a:spcBef>
+                <a:spcPct val="20000"/>
+              </a:spcBef>
+              <a:spcAft>
+                <a:spcPct val="0"/>
+              </a:spcAft>
+              <a:buChar char="–"/>
+              <a:defRPr sz="1500">
+                <a:solidFill>
+                  <a:schemeClr val="tx1"/>
+                </a:solidFill>
+                <a:latin typeface="Comic Sans MS" panose="030F0902030302020204" pitchFamily="66" charset="0"/>
+              </a:defRPr>
+            </a:lvl8pPr>
+            <a:lvl9pPr marL="3886200" indent="-228600" eaLnBrk="0" fontAlgn="base" hangingPunct="0">
+              <a:spcBef>
+                <a:spcPct val="20000"/>
+              </a:spcBef>
+              <a:spcAft>
+                <a:spcPct val="0"/>
+              </a:spcAft>
+              <a:buChar char="–"/>
+              <a:defRPr sz="1500">
+                <a:solidFill>
+                  <a:schemeClr val="tx1"/>
+                </a:solidFill>
+                <a:latin typeface="Comic Sans MS" panose="030F0902030302020204" pitchFamily="66" charset="0"/>
+              </a:defRPr>
+            </a:lvl9pPr>
+          </a:lstStyle>
+          <a:p>
+            <a:pPr eaLnBrk="1" hangingPunct="1">
+              <a:lnSpc>
+                <a:spcPct val="60000"/>
+              </a:lnSpc>
+              <a:spcBef>
+                <a:spcPct val="50000"/>
+              </a:spcBef>
+              <a:buClrTx/>
+              <a:buFontTx/>
+              <a:buNone/>
+            </a:pPr>
+            <a:r>
+              <a:rPr lang="en-US" altLang="zh-CN" sz="2400" dirty="0">
+                <a:latin typeface="Times New Roman" panose="02020603050405020304" pitchFamily="18" charset="0"/>
+                <a:ea typeface="宋体" panose="02010600030101010101" pitchFamily="2" charset="-122"/>
+              </a:rPr>
+              <a:t>void main ( ) {</a:t>
+            </a:r>
+          </a:p>
+          <a:p>
+            <a:pPr eaLnBrk="1" hangingPunct="1">
+              <a:lnSpc>
+                <a:spcPct val="60000"/>
+              </a:lnSpc>
+              <a:spcBef>
+                <a:spcPct val="50000"/>
+              </a:spcBef>
+              <a:buClrTx/>
+              <a:buFontTx/>
+              <a:buNone/>
+            </a:pPr>
+            <a:r>
+              <a:rPr lang="en-US" altLang="zh-CN" sz="2400" dirty="0">
+                <a:latin typeface="Times New Roman" panose="02020603050405020304" pitchFamily="18" charset="0"/>
+                <a:ea typeface="宋体" panose="02010600030101010101" pitchFamily="2" charset="-122"/>
+              </a:rPr>
+              <a:t>   int I=0;</a:t>
+            </a:r>
+          </a:p>
+          <a:p>
+            <a:pPr eaLnBrk="1" hangingPunct="1">
+              <a:lnSpc>
+                <a:spcPct val="60000"/>
+              </a:lnSpc>
+              <a:spcBef>
+                <a:spcPct val="50000"/>
+              </a:spcBef>
+              <a:buClrTx/>
+              <a:buFontTx/>
+              <a:buNone/>
+            </a:pPr>
+            <a:r>
+              <a:rPr lang="en-US" altLang="zh-CN" sz="2400" dirty="0">
+                <a:latin typeface="Times New Roman" panose="02020603050405020304" pitchFamily="18" charset="0"/>
+                <a:ea typeface="宋体" panose="02010600030101010101" pitchFamily="2" charset="-122"/>
+              </a:rPr>
+              <a:t>   int sum=0;</a:t>
+            </a:r>
+          </a:p>
+          <a:p>
+            <a:pPr eaLnBrk="1" hangingPunct="1">
+              <a:lnSpc>
+                <a:spcPct val="60000"/>
+              </a:lnSpc>
+              <a:spcBef>
+                <a:spcPct val="50000"/>
+              </a:spcBef>
+              <a:buClrTx/>
+              <a:buFontTx/>
+              <a:buNone/>
+            </a:pPr>
+            <a:r>
+              <a:rPr lang="en-US" altLang="zh-CN" sz="2400" dirty="0">
+                <a:latin typeface="Times New Roman" panose="02020603050405020304" pitchFamily="18" charset="0"/>
+                <a:ea typeface="宋体" panose="02010600030101010101" pitchFamily="2" charset="-122"/>
+              </a:rPr>
+              <a:t>   while (I&lt;N) {</a:t>
+            </a:r>
+          </a:p>
+          <a:p>
+            <a:pPr eaLnBrk="1" hangingPunct="1">
+              <a:lnSpc>
+                <a:spcPct val="60000"/>
+              </a:lnSpc>
+              <a:spcBef>
+                <a:spcPct val="50000"/>
+              </a:spcBef>
+              <a:buClrTx/>
+              <a:buFontTx/>
+              <a:buNone/>
+            </a:pPr>
+            <a:r>
+              <a:rPr lang="en-US" altLang="zh-CN" sz="2400" dirty="0">
+                <a:latin typeface="Times New Roman" panose="02020603050405020304" pitchFamily="18" charset="0"/>
+                <a:ea typeface="宋体" panose="02010600030101010101" pitchFamily="2" charset="-122"/>
+              </a:rPr>
+              <a:t>        sum=add(</a:t>
+            </a:r>
+            <a:r>
+              <a:rPr lang="en-US" altLang="zh-CN" sz="2400" dirty="0" err="1">
+                <a:latin typeface="Times New Roman" panose="02020603050405020304" pitchFamily="18" charset="0"/>
+                <a:ea typeface="宋体" panose="02010600030101010101" pitchFamily="2" charset="-122"/>
+              </a:rPr>
+              <a:t>sum,I</a:t>
+            </a:r>
+            <a:r>
+              <a:rPr lang="en-US" altLang="zh-CN" sz="2400" dirty="0">
+                <a:latin typeface="Times New Roman" panose="02020603050405020304" pitchFamily="18" charset="0"/>
+                <a:ea typeface="宋体" panose="02010600030101010101" pitchFamily="2" charset="-122"/>
+              </a:rPr>
+              <a:t>);</a:t>
+            </a:r>
+          </a:p>
+          <a:p>
+            <a:pPr eaLnBrk="1" hangingPunct="1">
+              <a:lnSpc>
+                <a:spcPct val="60000"/>
+              </a:lnSpc>
+              <a:spcBef>
+                <a:spcPct val="50000"/>
+              </a:spcBef>
+              <a:buClrTx/>
+              <a:buFontTx/>
+              <a:buNone/>
+            </a:pPr>
+            <a:r>
+              <a:rPr lang="en-US" altLang="zh-CN" sz="2400" dirty="0">
+                <a:latin typeface="Times New Roman" panose="02020603050405020304" pitchFamily="18" charset="0"/>
+                <a:ea typeface="宋体" panose="02010600030101010101" pitchFamily="2" charset="-122"/>
+              </a:rPr>
+              <a:t>        I=add(I,1);</a:t>
+            </a:r>
+          </a:p>
+          <a:p>
+            <a:pPr eaLnBrk="1" hangingPunct="1">
+              <a:lnSpc>
+                <a:spcPct val="60000"/>
+              </a:lnSpc>
+              <a:spcBef>
+                <a:spcPct val="50000"/>
+              </a:spcBef>
+              <a:buClrTx/>
+              <a:buFontTx/>
+              <a:buNone/>
+            </a:pPr>
+            <a:r>
+              <a:rPr lang="en-US" altLang="zh-CN" sz="2400" dirty="0">
+                <a:latin typeface="Times New Roman" panose="02020603050405020304" pitchFamily="18" charset="0"/>
+                <a:ea typeface="宋体" panose="02010600030101010101" pitchFamily="2" charset="-122"/>
+              </a:rPr>
+              <a:t>    }</a:t>
+            </a:r>
+          </a:p>
+          <a:p>
+            <a:pPr eaLnBrk="1" hangingPunct="1">
+              <a:lnSpc>
+                <a:spcPct val="60000"/>
+              </a:lnSpc>
+              <a:spcBef>
+                <a:spcPct val="50000"/>
+              </a:spcBef>
+              <a:buClrTx/>
+              <a:buFontTx/>
+              <a:buNone/>
+            </a:pPr>
+            <a:r>
+              <a:rPr lang="en-US" altLang="zh-CN" sz="2400" dirty="0">
+                <a:latin typeface="Times New Roman" panose="02020603050405020304" pitchFamily="18" charset="0"/>
+                <a:ea typeface="宋体" panose="02010600030101010101" pitchFamily="2" charset="-122"/>
+              </a:rPr>
+              <a:t>    </a:t>
+            </a:r>
+            <a:r>
+              <a:rPr lang="en-US" altLang="zh-CN" sz="2400" dirty="0" err="1">
+                <a:latin typeface="Times New Roman" panose="02020603050405020304" pitchFamily="18" charset="0"/>
+                <a:ea typeface="宋体" panose="02010600030101010101" pitchFamily="2" charset="-122"/>
+              </a:rPr>
+              <a:t>printf</a:t>
+            </a:r>
+            <a:r>
+              <a:rPr lang="en-US" altLang="zh-CN" sz="2400" dirty="0">
+                <a:latin typeface="Times New Roman" panose="02020603050405020304" pitchFamily="18" charset="0"/>
+                <a:ea typeface="宋体" panose="02010600030101010101" pitchFamily="2" charset="-122"/>
+              </a:rPr>
+              <a:t> (“sum=%d\</a:t>
+            </a:r>
+            <a:r>
+              <a:rPr lang="en-US" altLang="zh-CN" sz="2400" dirty="0" err="1">
+                <a:latin typeface="Times New Roman" panose="02020603050405020304" pitchFamily="18" charset="0"/>
+                <a:ea typeface="宋体" panose="02010600030101010101" pitchFamily="2" charset="-122"/>
+              </a:rPr>
+              <a:t>n”,sum</a:t>
+            </a:r>
+            <a:r>
+              <a:rPr lang="en-US" altLang="zh-CN" sz="2400" dirty="0">
+                <a:latin typeface="Times New Roman" panose="02020603050405020304" pitchFamily="18" charset="0"/>
+                <a:ea typeface="宋体" panose="02010600030101010101" pitchFamily="2" charset="-122"/>
+              </a:rPr>
+              <a:t>);</a:t>
+            </a:r>
+          </a:p>
+          <a:p>
+            <a:pPr eaLnBrk="1" hangingPunct="1">
+              <a:lnSpc>
+                <a:spcPct val="60000"/>
+              </a:lnSpc>
+              <a:spcBef>
+                <a:spcPct val="50000"/>
+              </a:spcBef>
+              <a:buClrTx/>
+              <a:buFontTx/>
+              <a:buNone/>
+            </a:pPr>
+            <a:r>
+              <a:rPr lang="en-US" altLang="zh-CN" sz="2400" dirty="0">
+                <a:latin typeface="Times New Roman" panose="02020603050405020304" pitchFamily="18" charset="0"/>
+                <a:ea typeface="宋体" panose="02010600030101010101" pitchFamily="2" charset="-122"/>
+              </a:rPr>
+              <a:t>    </a:t>
+            </a:r>
+            <a:r>
+              <a:rPr lang="en-US" altLang="zh-CN" sz="2400" dirty="0" err="1">
+                <a:latin typeface="Times New Roman" panose="02020603050405020304" pitchFamily="18" charset="0"/>
+                <a:ea typeface="宋体" panose="02010600030101010101" pitchFamily="2" charset="-122"/>
+              </a:rPr>
+              <a:t>printf</a:t>
+            </a:r>
+            <a:r>
+              <a:rPr lang="en-US" altLang="zh-CN" sz="2400" dirty="0">
+                <a:latin typeface="Times New Roman" panose="02020603050405020304" pitchFamily="18" charset="0"/>
+                <a:ea typeface="宋体" panose="02010600030101010101" pitchFamily="2" charset="-122"/>
+              </a:rPr>
+              <a:t>(“I=%d\</a:t>
+            </a:r>
+            <a:r>
+              <a:rPr lang="en-US" altLang="zh-CN" sz="2400" dirty="0" err="1">
+                <a:latin typeface="Times New Roman" panose="02020603050405020304" pitchFamily="18" charset="0"/>
+                <a:ea typeface="宋体" panose="02010600030101010101" pitchFamily="2" charset="-122"/>
+              </a:rPr>
+              <a:t>n”,I</a:t>
+            </a:r>
+            <a:r>
+              <a:rPr lang="en-US" altLang="zh-CN" sz="2400" dirty="0">
+                <a:latin typeface="Times New Roman" panose="02020603050405020304" pitchFamily="18" charset="0"/>
+                <a:ea typeface="宋体" panose="02010600030101010101" pitchFamily="2" charset="-122"/>
+              </a:rPr>
+              <a:t>); </a:t>
+            </a:r>
+          </a:p>
+        </p:txBody>
+      </p:sp>
+    </p:spTree>
+    <p:extLst>
+      <p:ext uri="{BB962C8B-B14F-4D97-AF65-F5344CB8AC3E}">
+        <p14:creationId xmlns:p14="http://schemas.microsoft.com/office/powerpoint/2010/main" val="165856857"/>
+      </p:ext>
+    </p:extLst>
+  </p:cSld>
+  <p:clrMapOvr>
+    <a:masterClrMapping/>
+  </p:clrMapOvr>
+  <mc:AlternateContent xmlns:mc="http://schemas.openxmlformats.org/markup-compatibility/2006" xmlns:p14="http://schemas.microsoft.com/office/powerpoint/2010/main">
+    <mc:Choice Requires="p14">
+      <p:transition p14:dur="100">
+        <p:cut/>
+      </p:transition>
+    </mc:Choice>
+    <mc:Fallback xmlns="">
+      <p:transition>
+        <p:cut/>
+      </p:transition>
+    </mc:Fallback>
+  </mc:AlternateContent>
+</p:sld>
+</file>
+
+<file path=ppt/slides/slide40.xml><?xml version="1.0" encoding="utf-8"?>
 <p:sld xmlns:a="http://schemas.openxmlformats.org/drawingml/2006/main" xmlns:r="http://schemas.openxmlformats.org/officeDocument/2006/relationships" xmlns:p="http://schemas.openxmlformats.org/presentationml/2006/main">
   <p:cSld>
     <p:spTree>
@@ -27013,7 +29326,7 @@
           <a:p>
             <a:fld id="{EBB1F091-3A24-4346-912C-5ECD06B05EBE}" type="slidenum">
               <a:rPr lang="en-US" smtClean="0"/>
-              <a:t>39</a:t>
+              <a:t>40</a:t>
             </a:fld>
             <a:endParaRPr lang="en-US"/>
           </a:p>
@@ -27086,1902 +29399,7 @@
 </p:sld>
 </file>
 
-<file path=ppt/slides/slide4.xml><?xml version="1.0" encoding="utf-8"?>
-<p:sld xmlns:a="http://schemas.openxmlformats.org/drawingml/2006/main" xmlns:r="http://schemas.openxmlformats.org/officeDocument/2006/relationships" xmlns:p="http://schemas.openxmlformats.org/presentationml/2006/main">
-  <p:cSld>
-    <p:spTree>
-      <p:nvGrpSpPr>
-        <p:cNvPr id="1" name=""/>
-        <p:cNvGrpSpPr/>
-        <p:nvPr/>
-      </p:nvGrpSpPr>
-      <p:grpSpPr>
-        <a:xfrm>
-          <a:off x="0" y="0"/>
-          <a:ext cx="0" cy="0"/>
-          <a:chOff x="0" y="0"/>
-          <a:chExt cx="0" cy="0"/>
-        </a:xfrm>
-      </p:grpSpPr>
-      <p:sp>
-        <p:nvSpPr>
-          <p:cNvPr id="3" name="Slide Number Placeholder 2">
-            <a:extLst>
-              <a:ext uri="{FF2B5EF4-FFF2-40B4-BE49-F238E27FC236}">
-                <a16:creationId xmlns:a16="http://schemas.microsoft.com/office/drawing/2014/main" id="{79624593-62F1-9678-5A79-49DD9B8B196A}"/>
-              </a:ext>
-            </a:extLst>
-          </p:cNvPr>
-          <p:cNvSpPr>
-            <a:spLocks noGrp="1"/>
-          </p:cNvSpPr>
-          <p:nvPr>
-            <p:ph type="sldNum" sz="quarter" idx="12"/>
-          </p:nvPr>
-        </p:nvSpPr>
-        <p:spPr/>
-        <p:txBody>
-          <a:bodyPr/>
-          <a:lstStyle/>
-          <a:p>
-            <a:fld id="{EBB1F091-3A24-4346-912C-5ECD06B05EBE}" type="slidenum">
-              <a:rPr lang="en-US" smtClean="0"/>
-              <a:t>4</a:t>
-            </a:fld>
-            <a:endParaRPr lang="en-US"/>
-          </a:p>
-        </p:txBody>
-      </p:sp>
-      <p:sp>
-        <p:nvSpPr>
-          <p:cNvPr id="4" name="Title 3">
-            <a:extLst>
-              <a:ext uri="{FF2B5EF4-FFF2-40B4-BE49-F238E27FC236}">
-                <a16:creationId xmlns:a16="http://schemas.microsoft.com/office/drawing/2014/main" id="{C078D97D-5608-0CDC-B055-14F754A862EA}"/>
-              </a:ext>
-            </a:extLst>
-          </p:cNvPr>
-          <p:cNvSpPr>
-            <a:spLocks noGrp="1"/>
-          </p:cNvSpPr>
-          <p:nvPr>
-            <p:ph type="title"/>
-          </p:nvPr>
-        </p:nvSpPr>
-        <p:spPr/>
-        <p:txBody>
-          <a:bodyPr>
-            <a:normAutofit/>
-          </a:bodyPr>
-          <a:lstStyle/>
-          <a:p>
-            <a:r>
-              <a:rPr lang="en-US" dirty="0"/>
-              <a:t>Recap on Program Slicing</a:t>
-            </a:r>
-          </a:p>
-        </p:txBody>
-      </p:sp>
-      <p:sp>
-        <p:nvSpPr>
-          <p:cNvPr id="7" name="Rectangle 8">
-            <a:extLst>
-              <a:ext uri="{FF2B5EF4-FFF2-40B4-BE49-F238E27FC236}">
-                <a16:creationId xmlns:a16="http://schemas.microsoft.com/office/drawing/2014/main" id="{E4922BD7-CC18-EF4D-7D82-3E75CF687780}"/>
-              </a:ext>
-            </a:extLst>
-          </p:cNvPr>
-          <p:cNvSpPr>
-            <a:spLocks noChangeArrowheads="1"/>
-          </p:cNvSpPr>
-          <p:nvPr/>
-        </p:nvSpPr>
-        <p:spPr bwMode="auto">
-          <a:xfrm>
-            <a:off x="3141742" y="2898047"/>
-            <a:ext cx="287258" cy="338554"/>
-          </a:xfrm>
-          <a:prstGeom prst="rect">
-            <a:avLst/>
-          </a:prstGeom>
-          <a:solidFill>
-            <a:srgbClr val="FF9933"/>
-          </a:solidFill>
-          <a:ln>
-            <a:noFill/>
-          </a:ln>
-          <a:extLst>
-            <a:ext uri="{91240B29-F687-4F45-9708-019B960494DF}">
-              <a14:hiddenLine xmlns:a14="http://schemas.microsoft.com/office/drawing/2010/main" w="12700">
-                <a:solidFill>
-                  <a:srgbClr val="000000"/>
-                </a:solidFill>
-                <a:miter lim="800000"/>
-                <a:headEnd/>
-                <a:tailEnd/>
-              </a14:hiddenLine>
-            </a:ext>
-          </a:extLst>
-        </p:spPr>
-        <p:txBody>
-          <a:bodyPr wrap="none" anchor="ctr">
-            <a:spAutoFit/>
-          </a:bodyPr>
-          <a:lstStyle>
-            <a:lvl1pPr>
-              <a:spcBef>
-                <a:spcPct val="20000"/>
-              </a:spcBef>
-              <a:buClr>
-                <a:srgbClr val="CC3300"/>
-              </a:buClr>
-              <a:buBlip>
-                <a:blip r:embed="rId2"/>
-              </a:buBlip>
-              <a:defRPr sz="1900">
-                <a:solidFill>
-                  <a:schemeClr val="tx1"/>
-                </a:solidFill>
-                <a:latin typeface="Comic Sans MS" panose="030F0902030302020204" pitchFamily="66" charset="0"/>
-              </a:defRPr>
-            </a:lvl1pPr>
-            <a:lvl2pPr marL="742950" indent="-285750">
-              <a:spcBef>
-                <a:spcPct val="20000"/>
-              </a:spcBef>
-              <a:buBlip>
-                <a:blip r:embed="rId3"/>
-              </a:buBlip>
-              <a:defRPr sz="2800">
-                <a:solidFill>
-                  <a:schemeClr val="tx1"/>
-                </a:solidFill>
-                <a:latin typeface="Comic Sans MS" panose="030F0902030302020204" pitchFamily="66" charset="0"/>
-              </a:defRPr>
-            </a:lvl2pPr>
-            <a:lvl3pPr marL="1143000" indent="-228600">
-              <a:spcBef>
-                <a:spcPct val="20000"/>
-              </a:spcBef>
-              <a:buBlip>
-                <a:blip r:embed="rId4"/>
-              </a:buBlip>
-              <a:defRPr sz="1700">
-                <a:solidFill>
-                  <a:schemeClr val="tx1"/>
-                </a:solidFill>
-                <a:latin typeface="Comic Sans MS" panose="030F0902030302020204" pitchFamily="66" charset="0"/>
-              </a:defRPr>
-            </a:lvl3pPr>
-            <a:lvl4pPr marL="1600200" indent="-228600">
-              <a:spcBef>
-                <a:spcPct val="20000"/>
-              </a:spcBef>
-              <a:buChar char="–"/>
-              <a:defRPr sz="1600">
-                <a:solidFill>
-                  <a:schemeClr val="tx1"/>
-                </a:solidFill>
-                <a:latin typeface="Comic Sans MS" panose="030F0902030302020204" pitchFamily="66" charset="0"/>
-              </a:defRPr>
-            </a:lvl4pPr>
-            <a:lvl5pPr marL="2057400" indent="-228600">
-              <a:spcBef>
-                <a:spcPct val="20000"/>
-              </a:spcBef>
-              <a:buChar char="–"/>
-              <a:defRPr sz="1500">
-                <a:solidFill>
-                  <a:schemeClr val="tx1"/>
-                </a:solidFill>
-                <a:latin typeface="Comic Sans MS" panose="030F0902030302020204" pitchFamily="66" charset="0"/>
-              </a:defRPr>
-            </a:lvl5pPr>
-            <a:lvl6pPr marL="2514600" indent="-228600" eaLnBrk="0" fontAlgn="base" hangingPunct="0">
-              <a:spcBef>
-                <a:spcPct val="20000"/>
-              </a:spcBef>
-              <a:spcAft>
-                <a:spcPct val="0"/>
-              </a:spcAft>
-              <a:buChar char="–"/>
-              <a:defRPr sz="1500">
-                <a:solidFill>
-                  <a:schemeClr val="tx1"/>
-                </a:solidFill>
-                <a:latin typeface="Comic Sans MS" panose="030F0902030302020204" pitchFamily="66" charset="0"/>
-              </a:defRPr>
-            </a:lvl6pPr>
-            <a:lvl7pPr marL="2971800" indent="-228600" eaLnBrk="0" fontAlgn="base" hangingPunct="0">
-              <a:spcBef>
-                <a:spcPct val="20000"/>
-              </a:spcBef>
-              <a:spcAft>
-                <a:spcPct val="0"/>
-              </a:spcAft>
-              <a:buChar char="–"/>
-              <a:defRPr sz="1500">
-                <a:solidFill>
-                  <a:schemeClr val="tx1"/>
-                </a:solidFill>
-                <a:latin typeface="Comic Sans MS" panose="030F0902030302020204" pitchFamily="66" charset="0"/>
-              </a:defRPr>
-            </a:lvl7pPr>
-            <a:lvl8pPr marL="3429000" indent="-228600" eaLnBrk="0" fontAlgn="base" hangingPunct="0">
-              <a:spcBef>
-                <a:spcPct val="20000"/>
-              </a:spcBef>
-              <a:spcAft>
-                <a:spcPct val="0"/>
-              </a:spcAft>
-              <a:buChar char="–"/>
-              <a:defRPr sz="1500">
-                <a:solidFill>
-                  <a:schemeClr val="tx1"/>
-                </a:solidFill>
-                <a:latin typeface="Comic Sans MS" panose="030F0902030302020204" pitchFamily="66" charset="0"/>
-              </a:defRPr>
-            </a:lvl8pPr>
-            <a:lvl9pPr marL="3886200" indent="-228600" eaLnBrk="0" fontAlgn="base" hangingPunct="0">
-              <a:spcBef>
-                <a:spcPct val="20000"/>
-              </a:spcBef>
-              <a:spcAft>
-                <a:spcPct val="0"/>
-              </a:spcAft>
-              <a:buChar char="–"/>
-              <a:defRPr sz="1500">
-                <a:solidFill>
-                  <a:schemeClr val="tx1"/>
-                </a:solidFill>
-                <a:latin typeface="Comic Sans MS" panose="030F0902030302020204" pitchFamily="66" charset="0"/>
-              </a:defRPr>
-            </a:lvl9pPr>
-          </a:lstStyle>
-          <a:p>
-            <a:pPr algn="ctr" eaLnBrk="1" hangingPunct="1">
-              <a:buClrTx/>
-              <a:buFontTx/>
-              <a:buChar char="–"/>
-            </a:pPr>
-            <a:endParaRPr lang="zh-CN" altLang="en-US" sz="1600">
-              <a:latin typeface="Lucida Sans" panose="020B0602030504020204" pitchFamily="34" charset="77"/>
-              <a:ea typeface="宋体" panose="02010600030101010101" pitchFamily="2" charset="-122"/>
-            </a:endParaRPr>
-          </a:p>
-        </p:txBody>
-      </p:sp>
-      <p:sp>
-        <p:nvSpPr>
-          <p:cNvPr id="8" name="Rectangle 2">
-            <a:extLst>
-              <a:ext uri="{FF2B5EF4-FFF2-40B4-BE49-F238E27FC236}">
-                <a16:creationId xmlns:a16="http://schemas.microsoft.com/office/drawing/2014/main" id="{45FCAB92-C4DC-73B3-1B20-62DC06705638}"/>
-              </a:ext>
-            </a:extLst>
-          </p:cNvPr>
-          <p:cNvSpPr>
-            <a:spLocks noChangeArrowheads="1"/>
-          </p:cNvSpPr>
-          <p:nvPr/>
-        </p:nvSpPr>
-        <p:spPr bwMode="auto">
-          <a:xfrm>
-            <a:off x="2286000" y="2106386"/>
-            <a:ext cx="1066800" cy="338554"/>
-          </a:xfrm>
-          <a:prstGeom prst="rect">
-            <a:avLst/>
-          </a:prstGeom>
-          <a:solidFill>
-            <a:srgbClr val="FF9933"/>
-          </a:solidFill>
-          <a:ln>
-            <a:noFill/>
-          </a:ln>
-          <a:extLst>
-            <a:ext uri="{91240B29-F687-4F45-9708-019B960494DF}">
-              <a14:hiddenLine xmlns:a14="http://schemas.microsoft.com/office/drawing/2010/main" w="12700">
-                <a:solidFill>
-                  <a:srgbClr val="000000"/>
-                </a:solidFill>
-                <a:miter lim="800000"/>
-                <a:headEnd/>
-                <a:tailEnd/>
-              </a14:hiddenLine>
-            </a:ext>
-          </a:extLst>
-        </p:spPr>
-        <p:txBody>
-          <a:bodyPr wrap="square" anchor="ctr">
-            <a:spAutoFit/>
-          </a:bodyPr>
-          <a:lstStyle>
-            <a:lvl1pPr>
-              <a:spcBef>
-                <a:spcPct val="20000"/>
-              </a:spcBef>
-              <a:buClr>
-                <a:srgbClr val="CC3300"/>
-              </a:buClr>
-              <a:buBlip>
-                <a:blip r:embed="rId2"/>
-              </a:buBlip>
-              <a:defRPr sz="1900">
-                <a:solidFill>
-                  <a:schemeClr val="tx1"/>
-                </a:solidFill>
-                <a:latin typeface="Comic Sans MS" panose="030F0902030302020204" pitchFamily="66" charset="0"/>
-              </a:defRPr>
-            </a:lvl1pPr>
-            <a:lvl2pPr marL="742950" indent="-285750">
-              <a:spcBef>
-                <a:spcPct val="20000"/>
-              </a:spcBef>
-              <a:buBlip>
-                <a:blip r:embed="rId3"/>
-              </a:buBlip>
-              <a:defRPr sz="2800">
-                <a:solidFill>
-                  <a:schemeClr val="tx1"/>
-                </a:solidFill>
-                <a:latin typeface="Comic Sans MS" panose="030F0902030302020204" pitchFamily="66" charset="0"/>
-              </a:defRPr>
-            </a:lvl2pPr>
-            <a:lvl3pPr marL="1143000" indent="-228600">
-              <a:spcBef>
-                <a:spcPct val="20000"/>
-              </a:spcBef>
-              <a:buBlip>
-                <a:blip r:embed="rId4"/>
-              </a:buBlip>
-              <a:defRPr sz="1700">
-                <a:solidFill>
-                  <a:schemeClr val="tx1"/>
-                </a:solidFill>
-                <a:latin typeface="Comic Sans MS" panose="030F0902030302020204" pitchFamily="66" charset="0"/>
-              </a:defRPr>
-            </a:lvl3pPr>
-            <a:lvl4pPr marL="1600200" indent="-228600">
-              <a:spcBef>
-                <a:spcPct val="20000"/>
-              </a:spcBef>
-              <a:buChar char="–"/>
-              <a:defRPr sz="1600">
-                <a:solidFill>
-                  <a:schemeClr val="tx1"/>
-                </a:solidFill>
-                <a:latin typeface="Comic Sans MS" panose="030F0902030302020204" pitchFamily="66" charset="0"/>
-              </a:defRPr>
-            </a:lvl4pPr>
-            <a:lvl5pPr marL="2057400" indent="-228600">
-              <a:spcBef>
-                <a:spcPct val="20000"/>
-              </a:spcBef>
-              <a:buChar char="–"/>
-              <a:defRPr sz="1500">
-                <a:solidFill>
-                  <a:schemeClr val="tx1"/>
-                </a:solidFill>
-                <a:latin typeface="Comic Sans MS" panose="030F0902030302020204" pitchFamily="66" charset="0"/>
-              </a:defRPr>
-            </a:lvl5pPr>
-            <a:lvl6pPr marL="2514600" indent="-228600" eaLnBrk="0" fontAlgn="base" hangingPunct="0">
-              <a:spcBef>
-                <a:spcPct val="20000"/>
-              </a:spcBef>
-              <a:spcAft>
-                <a:spcPct val="0"/>
-              </a:spcAft>
-              <a:buChar char="–"/>
-              <a:defRPr sz="1500">
-                <a:solidFill>
-                  <a:schemeClr val="tx1"/>
-                </a:solidFill>
-                <a:latin typeface="Comic Sans MS" panose="030F0902030302020204" pitchFamily="66" charset="0"/>
-              </a:defRPr>
-            </a:lvl6pPr>
-            <a:lvl7pPr marL="2971800" indent="-228600" eaLnBrk="0" fontAlgn="base" hangingPunct="0">
-              <a:spcBef>
-                <a:spcPct val="20000"/>
-              </a:spcBef>
-              <a:spcAft>
-                <a:spcPct val="0"/>
-              </a:spcAft>
-              <a:buChar char="–"/>
-              <a:defRPr sz="1500">
-                <a:solidFill>
-                  <a:schemeClr val="tx1"/>
-                </a:solidFill>
-                <a:latin typeface="Comic Sans MS" panose="030F0902030302020204" pitchFamily="66" charset="0"/>
-              </a:defRPr>
-            </a:lvl7pPr>
-            <a:lvl8pPr marL="3429000" indent="-228600" eaLnBrk="0" fontAlgn="base" hangingPunct="0">
-              <a:spcBef>
-                <a:spcPct val="20000"/>
-              </a:spcBef>
-              <a:spcAft>
-                <a:spcPct val="0"/>
-              </a:spcAft>
-              <a:buChar char="–"/>
-              <a:defRPr sz="1500">
-                <a:solidFill>
-                  <a:schemeClr val="tx1"/>
-                </a:solidFill>
-                <a:latin typeface="Comic Sans MS" panose="030F0902030302020204" pitchFamily="66" charset="0"/>
-              </a:defRPr>
-            </a:lvl8pPr>
-            <a:lvl9pPr marL="3886200" indent="-228600" eaLnBrk="0" fontAlgn="base" hangingPunct="0">
-              <a:spcBef>
-                <a:spcPct val="20000"/>
-              </a:spcBef>
-              <a:spcAft>
-                <a:spcPct val="0"/>
-              </a:spcAft>
-              <a:buChar char="–"/>
-              <a:defRPr sz="1500">
-                <a:solidFill>
-                  <a:schemeClr val="tx1"/>
-                </a:solidFill>
-                <a:latin typeface="Comic Sans MS" panose="030F0902030302020204" pitchFamily="66" charset="0"/>
-              </a:defRPr>
-            </a:lvl9pPr>
-          </a:lstStyle>
-          <a:p>
-            <a:pPr algn="ctr" eaLnBrk="1" hangingPunct="1">
-              <a:buClrTx/>
-              <a:buFontTx/>
-              <a:buChar char="–"/>
-            </a:pPr>
-            <a:endParaRPr lang="zh-CN" altLang="en-US" sz="1600">
-              <a:latin typeface="Lucida Sans" panose="020B0602030504020204" pitchFamily="34" charset="77"/>
-              <a:ea typeface="宋体" panose="02010600030101010101" pitchFamily="2" charset="-122"/>
-            </a:endParaRPr>
-          </a:p>
-        </p:txBody>
-      </p:sp>
-      <p:sp>
-        <p:nvSpPr>
-          <p:cNvPr id="9" name="Rectangle 3">
-            <a:extLst>
-              <a:ext uri="{FF2B5EF4-FFF2-40B4-BE49-F238E27FC236}">
-                <a16:creationId xmlns:a16="http://schemas.microsoft.com/office/drawing/2014/main" id="{01EED06A-C13D-5D45-1AB9-41B40B1FDECF}"/>
-              </a:ext>
-            </a:extLst>
-          </p:cNvPr>
-          <p:cNvSpPr>
-            <a:spLocks noChangeArrowheads="1"/>
-          </p:cNvSpPr>
-          <p:nvPr/>
-        </p:nvSpPr>
-        <p:spPr bwMode="auto">
-          <a:xfrm>
-            <a:off x="3490085" y="3725800"/>
-            <a:ext cx="287258" cy="338554"/>
-          </a:xfrm>
-          <a:prstGeom prst="rect">
-            <a:avLst/>
-          </a:prstGeom>
-          <a:solidFill>
-            <a:srgbClr val="FF9933"/>
-          </a:solidFill>
-          <a:ln>
-            <a:noFill/>
-          </a:ln>
-          <a:extLst>
-            <a:ext uri="{91240B29-F687-4F45-9708-019B960494DF}">
-              <a14:hiddenLine xmlns:a14="http://schemas.microsoft.com/office/drawing/2010/main" w="12700">
-                <a:solidFill>
-                  <a:srgbClr val="000000"/>
-                </a:solidFill>
-                <a:miter lim="800000"/>
-                <a:headEnd/>
-                <a:tailEnd/>
-              </a14:hiddenLine>
-            </a:ext>
-          </a:extLst>
-        </p:spPr>
-        <p:txBody>
-          <a:bodyPr wrap="none" anchor="ctr">
-            <a:spAutoFit/>
-          </a:bodyPr>
-          <a:lstStyle>
-            <a:lvl1pPr>
-              <a:spcBef>
-                <a:spcPct val="20000"/>
-              </a:spcBef>
-              <a:buClr>
-                <a:srgbClr val="CC3300"/>
-              </a:buClr>
-              <a:buBlip>
-                <a:blip r:embed="rId2"/>
-              </a:buBlip>
-              <a:defRPr sz="1900">
-                <a:solidFill>
-                  <a:schemeClr val="tx1"/>
-                </a:solidFill>
-                <a:latin typeface="Comic Sans MS" panose="030F0902030302020204" pitchFamily="66" charset="0"/>
-              </a:defRPr>
-            </a:lvl1pPr>
-            <a:lvl2pPr marL="742950" indent="-285750">
-              <a:spcBef>
-                <a:spcPct val="20000"/>
-              </a:spcBef>
-              <a:buBlip>
-                <a:blip r:embed="rId3"/>
-              </a:buBlip>
-              <a:defRPr sz="2800">
-                <a:solidFill>
-                  <a:schemeClr val="tx1"/>
-                </a:solidFill>
-                <a:latin typeface="Comic Sans MS" panose="030F0902030302020204" pitchFamily="66" charset="0"/>
-              </a:defRPr>
-            </a:lvl2pPr>
-            <a:lvl3pPr marL="1143000" indent="-228600">
-              <a:spcBef>
-                <a:spcPct val="20000"/>
-              </a:spcBef>
-              <a:buBlip>
-                <a:blip r:embed="rId4"/>
-              </a:buBlip>
-              <a:defRPr sz="1700">
-                <a:solidFill>
-                  <a:schemeClr val="tx1"/>
-                </a:solidFill>
-                <a:latin typeface="Comic Sans MS" panose="030F0902030302020204" pitchFamily="66" charset="0"/>
-              </a:defRPr>
-            </a:lvl3pPr>
-            <a:lvl4pPr marL="1600200" indent="-228600">
-              <a:spcBef>
-                <a:spcPct val="20000"/>
-              </a:spcBef>
-              <a:buChar char="–"/>
-              <a:defRPr sz="1600">
-                <a:solidFill>
-                  <a:schemeClr val="tx1"/>
-                </a:solidFill>
-                <a:latin typeface="Comic Sans MS" panose="030F0902030302020204" pitchFamily="66" charset="0"/>
-              </a:defRPr>
-            </a:lvl4pPr>
-            <a:lvl5pPr marL="2057400" indent="-228600">
-              <a:spcBef>
-                <a:spcPct val="20000"/>
-              </a:spcBef>
-              <a:buChar char="–"/>
-              <a:defRPr sz="1500">
-                <a:solidFill>
-                  <a:schemeClr val="tx1"/>
-                </a:solidFill>
-                <a:latin typeface="Comic Sans MS" panose="030F0902030302020204" pitchFamily="66" charset="0"/>
-              </a:defRPr>
-            </a:lvl5pPr>
-            <a:lvl6pPr marL="2514600" indent="-228600" eaLnBrk="0" fontAlgn="base" hangingPunct="0">
-              <a:spcBef>
-                <a:spcPct val="20000"/>
-              </a:spcBef>
-              <a:spcAft>
-                <a:spcPct val="0"/>
-              </a:spcAft>
-              <a:buChar char="–"/>
-              <a:defRPr sz="1500">
-                <a:solidFill>
-                  <a:schemeClr val="tx1"/>
-                </a:solidFill>
-                <a:latin typeface="Comic Sans MS" panose="030F0902030302020204" pitchFamily="66" charset="0"/>
-              </a:defRPr>
-            </a:lvl6pPr>
-            <a:lvl7pPr marL="2971800" indent="-228600" eaLnBrk="0" fontAlgn="base" hangingPunct="0">
-              <a:spcBef>
-                <a:spcPct val="20000"/>
-              </a:spcBef>
-              <a:spcAft>
-                <a:spcPct val="0"/>
-              </a:spcAft>
-              <a:buChar char="–"/>
-              <a:defRPr sz="1500">
-                <a:solidFill>
-                  <a:schemeClr val="tx1"/>
-                </a:solidFill>
-                <a:latin typeface="Comic Sans MS" panose="030F0902030302020204" pitchFamily="66" charset="0"/>
-              </a:defRPr>
-            </a:lvl7pPr>
-            <a:lvl8pPr marL="3429000" indent="-228600" eaLnBrk="0" fontAlgn="base" hangingPunct="0">
-              <a:spcBef>
-                <a:spcPct val="20000"/>
-              </a:spcBef>
-              <a:spcAft>
-                <a:spcPct val="0"/>
-              </a:spcAft>
-              <a:buChar char="–"/>
-              <a:defRPr sz="1500">
-                <a:solidFill>
-                  <a:schemeClr val="tx1"/>
-                </a:solidFill>
-                <a:latin typeface="Comic Sans MS" panose="030F0902030302020204" pitchFamily="66" charset="0"/>
-              </a:defRPr>
-            </a:lvl8pPr>
-            <a:lvl9pPr marL="3886200" indent="-228600" eaLnBrk="0" fontAlgn="base" hangingPunct="0">
-              <a:spcBef>
-                <a:spcPct val="20000"/>
-              </a:spcBef>
-              <a:spcAft>
-                <a:spcPct val="0"/>
-              </a:spcAft>
-              <a:buChar char="–"/>
-              <a:defRPr sz="1500">
-                <a:solidFill>
-                  <a:schemeClr val="tx1"/>
-                </a:solidFill>
-                <a:latin typeface="Comic Sans MS" panose="030F0902030302020204" pitchFamily="66" charset="0"/>
-              </a:defRPr>
-            </a:lvl9pPr>
-          </a:lstStyle>
-          <a:p>
-            <a:pPr algn="ctr" eaLnBrk="1" hangingPunct="1">
-              <a:buClrTx/>
-              <a:buFontTx/>
-              <a:buChar char="–"/>
-            </a:pPr>
-            <a:endParaRPr lang="zh-CN" altLang="en-US" sz="1600">
-              <a:latin typeface="Lucida Sans" panose="020B0602030504020204" pitchFamily="34" charset="77"/>
-              <a:ea typeface="宋体" panose="02010600030101010101" pitchFamily="2" charset="-122"/>
-            </a:endParaRPr>
-          </a:p>
-        </p:txBody>
-      </p:sp>
-      <p:sp>
-        <p:nvSpPr>
-          <p:cNvPr id="10" name="Rectangle 4">
-            <a:extLst>
-              <a:ext uri="{FF2B5EF4-FFF2-40B4-BE49-F238E27FC236}">
-                <a16:creationId xmlns:a16="http://schemas.microsoft.com/office/drawing/2014/main" id="{86318AB3-3368-5D67-A107-DE157EE50D45}"/>
-              </a:ext>
-            </a:extLst>
-          </p:cNvPr>
-          <p:cNvSpPr>
-            <a:spLocks noChangeArrowheads="1"/>
-          </p:cNvSpPr>
-          <p:nvPr/>
-        </p:nvSpPr>
-        <p:spPr bwMode="auto">
-          <a:xfrm>
-            <a:off x="4395715" y="4940405"/>
-            <a:ext cx="287258" cy="338554"/>
-          </a:xfrm>
-          <a:prstGeom prst="rect">
-            <a:avLst/>
-          </a:prstGeom>
-          <a:solidFill>
-            <a:srgbClr val="FF3300"/>
-          </a:solidFill>
-          <a:ln>
-            <a:noFill/>
-          </a:ln>
-          <a:extLst>
-            <a:ext uri="{91240B29-F687-4F45-9708-019B960494DF}">
-              <a14:hiddenLine xmlns:a14="http://schemas.microsoft.com/office/drawing/2010/main" w="12700">
-                <a:solidFill>
-                  <a:srgbClr val="000000"/>
-                </a:solidFill>
-                <a:miter lim="800000"/>
-                <a:headEnd/>
-                <a:tailEnd/>
-              </a14:hiddenLine>
-            </a:ext>
-          </a:extLst>
-        </p:spPr>
-        <p:txBody>
-          <a:bodyPr wrap="none" anchor="ctr">
-            <a:spAutoFit/>
-          </a:bodyPr>
-          <a:lstStyle>
-            <a:lvl1pPr>
-              <a:spcBef>
-                <a:spcPct val="20000"/>
-              </a:spcBef>
-              <a:buClr>
-                <a:srgbClr val="CC3300"/>
-              </a:buClr>
-              <a:buBlip>
-                <a:blip r:embed="rId2"/>
-              </a:buBlip>
-              <a:defRPr sz="1900">
-                <a:solidFill>
-                  <a:schemeClr val="tx1"/>
-                </a:solidFill>
-                <a:latin typeface="Comic Sans MS" panose="030F0902030302020204" pitchFamily="66" charset="0"/>
-              </a:defRPr>
-            </a:lvl1pPr>
-            <a:lvl2pPr marL="742950" indent="-285750">
-              <a:spcBef>
-                <a:spcPct val="20000"/>
-              </a:spcBef>
-              <a:buBlip>
-                <a:blip r:embed="rId3"/>
-              </a:buBlip>
-              <a:defRPr sz="2800">
-                <a:solidFill>
-                  <a:schemeClr val="tx1"/>
-                </a:solidFill>
-                <a:latin typeface="Comic Sans MS" panose="030F0902030302020204" pitchFamily="66" charset="0"/>
-              </a:defRPr>
-            </a:lvl2pPr>
-            <a:lvl3pPr marL="1143000" indent="-228600">
-              <a:spcBef>
-                <a:spcPct val="20000"/>
-              </a:spcBef>
-              <a:buBlip>
-                <a:blip r:embed="rId4"/>
-              </a:buBlip>
-              <a:defRPr sz="1700">
-                <a:solidFill>
-                  <a:schemeClr val="tx1"/>
-                </a:solidFill>
-                <a:latin typeface="Comic Sans MS" panose="030F0902030302020204" pitchFamily="66" charset="0"/>
-              </a:defRPr>
-            </a:lvl3pPr>
-            <a:lvl4pPr marL="1600200" indent="-228600">
-              <a:spcBef>
-                <a:spcPct val="20000"/>
-              </a:spcBef>
-              <a:buChar char="–"/>
-              <a:defRPr sz="1600">
-                <a:solidFill>
-                  <a:schemeClr val="tx1"/>
-                </a:solidFill>
-                <a:latin typeface="Comic Sans MS" panose="030F0902030302020204" pitchFamily="66" charset="0"/>
-              </a:defRPr>
-            </a:lvl4pPr>
-            <a:lvl5pPr marL="2057400" indent="-228600">
-              <a:spcBef>
-                <a:spcPct val="20000"/>
-              </a:spcBef>
-              <a:buChar char="–"/>
-              <a:defRPr sz="1500">
-                <a:solidFill>
-                  <a:schemeClr val="tx1"/>
-                </a:solidFill>
-                <a:latin typeface="Comic Sans MS" panose="030F0902030302020204" pitchFamily="66" charset="0"/>
-              </a:defRPr>
-            </a:lvl5pPr>
-            <a:lvl6pPr marL="2514600" indent="-228600" eaLnBrk="0" fontAlgn="base" hangingPunct="0">
-              <a:spcBef>
-                <a:spcPct val="20000"/>
-              </a:spcBef>
-              <a:spcAft>
-                <a:spcPct val="0"/>
-              </a:spcAft>
-              <a:buChar char="–"/>
-              <a:defRPr sz="1500">
-                <a:solidFill>
-                  <a:schemeClr val="tx1"/>
-                </a:solidFill>
-                <a:latin typeface="Comic Sans MS" panose="030F0902030302020204" pitchFamily="66" charset="0"/>
-              </a:defRPr>
-            </a:lvl6pPr>
-            <a:lvl7pPr marL="2971800" indent="-228600" eaLnBrk="0" fontAlgn="base" hangingPunct="0">
-              <a:spcBef>
-                <a:spcPct val="20000"/>
-              </a:spcBef>
-              <a:spcAft>
-                <a:spcPct val="0"/>
-              </a:spcAft>
-              <a:buChar char="–"/>
-              <a:defRPr sz="1500">
-                <a:solidFill>
-                  <a:schemeClr val="tx1"/>
-                </a:solidFill>
-                <a:latin typeface="Comic Sans MS" panose="030F0902030302020204" pitchFamily="66" charset="0"/>
-              </a:defRPr>
-            </a:lvl7pPr>
-            <a:lvl8pPr marL="3429000" indent="-228600" eaLnBrk="0" fontAlgn="base" hangingPunct="0">
-              <a:spcBef>
-                <a:spcPct val="20000"/>
-              </a:spcBef>
-              <a:spcAft>
-                <a:spcPct val="0"/>
-              </a:spcAft>
-              <a:buChar char="–"/>
-              <a:defRPr sz="1500">
-                <a:solidFill>
-                  <a:schemeClr val="tx1"/>
-                </a:solidFill>
-                <a:latin typeface="Comic Sans MS" panose="030F0902030302020204" pitchFamily="66" charset="0"/>
-              </a:defRPr>
-            </a:lvl8pPr>
-            <a:lvl9pPr marL="3886200" indent="-228600" eaLnBrk="0" fontAlgn="base" hangingPunct="0">
-              <a:spcBef>
-                <a:spcPct val="20000"/>
-              </a:spcBef>
-              <a:spcAft>
-                <a:spcPct val="0"/>
-              </a:spcAft>
-              <a:buChar char="–"/>
-              <a:defRPr sz="1500">
-                <a:solidFill>
-                  <a:schemeClr val="tx1"/>
-                </a:solidFill>
-                <a:latin typeface="Comic Sans MS" panose="030F0902030302020204" pitchFamily="66" charset="0"/>
-              </a:defRPr>
-            </a:lvl9pPr>
-          </a:lstStyle>
-          <a:p>
-            <a:pPr algn="ctr" eaLnBrk="1" hangingPunct="1">
-              <a:buClrTx/>
-              <a:buFontTx/>
-              <a:buChar char="–"/>
-            </a:pPr>
-            <a:endParaRPr lang="zh-CN" altLang="en-US" sz="1600">
-              <a:latin typeface="Lucida Sans" panose="020B0602030504020204" pitchFamily="34" charset="77"/>
-              <a:ea typeface="宋体" panose="02010600030101010101" pitchFamily="2" charset="-122"/>
-            </a:endParaRPr>
-          </a:p>
-        </p:txBody>
-      </p:sp>
-      <p:sp>
-        <p:nvSpPr>
-          <p:cNvPr id="11" name="Rectangle 6">
-            <a:extLst>
-              <a:ext uri="{FF2B5EF4-FFF2-40B4-BE49-F238E27FC236}">
-                <a16:creationId xmlns:a16="http://schemas.microsoft.com/office/drawing/2014/main" id="{91A130A4-6FA0-9D8C-A567-FCF32AF95263}"/>
-              </a:ext>
-            </a:extLst>
-          </p:cNvPr>
-          <p:cNvSpPr txBox="1">
-            <a:spLocks noChangeArrowheads="1"/>
-          </p:cNvSpPr>
-          <p:nvPr/>
-        </p:nvSpPr>
-        <p:spPr>
-          <a:xfrm>
-            <a:off x="6400802" y="2329543"/>
-            <a:ext cx="3962400" cy="2362200"/>
-          </a:xfrm>
-          <a:prstGeom prst="rect">
-            <a:avLst/>
-          </a:prstGeom>
-        </p:spPr>
-        <p:txBody>
-          <a:bodyPr vert="horz" lIns="91440" tIns="45720" rIns="91440" bIns="45720" rtlCol="0">
-            <a:normAutofit/>
-          </a:bodyPr>
-          <a:lstStyle>
-            <a:lvl1pPr marL="228600" indent="-228600" algn="l" defTabSz="914400" rtl="0" eaLnBrk="1" latinLnBrk="0" hangingPunct="1">
-              <a:lnSpc>
-                <a:spcPct val="100000"/>
-              </a:lnSpc>
-              <a:spcBef>
-                <a:spcPts val="1000"/>
-              </a:spcBef>
-              <a:buFont typeface="Arial" panose="020B0604020202020204" pitchFamily="34" charset="0"/>
-              <a:buChar char="•"/>
-              <a:defRPr sz="2400" kern="1200">
-                <a:solidFill>
-                  <a:schemeClr val="tx1"/>
-                </a:solidFill>
-                <a:latin typeface="Arial" panose="020B0604020202020204" pitchFamily="34" charset="0"/>
-                <a:ea typeface="+mn-ea"/>
-                <a:cs typeface="Arial" panose="020B0604020202020204" pitchFamily="34" charset="0"/>
-              </a:defRPr>
-            </a:lvl1pPr>
-            <a:lvl2pPr marL="685800" indent="-228600" algn="l" defTabSz="914400" rtl="0" eaLnBrk="1" latinLnBrk="0" hangingPunct="1">
-              <a:lnSpc>
-                <a:spcPct val="100000"/>
-              </a:lnSpc>
-              <a:spcBef>
-                <a:spcPts val="500"/>
-              </a:spcBef>
-              <a:buFont typeface="Arial" panose="020B0604020202020204" pitchFamily="34" charset="0"/>
-              <a:buChar char="•"/>
-              <a:defRPr sz="2000" kern="1200">
-                <a:solidFill>
-                  <a:schemeClr val="tx1"/>
-                </a:solidFill>
-                <a:latin typeface="Arial" panose="020B0604020202020204" pitchFamily="34" charset="0"/>
-                <a:ea typeface="+mn-ea"/>
-                <a:cs typeface="Arial" panose="020B0604020202020204" pitchFamily="34" charset="0"/>
-              </a:defRPr>
-            </a:lvl2pPr>
-            <a:lvl3pPr marL="1143000" indent="-228600" algn="l" defTabSz="914400" rtl="0" eaLnBrk="1" latinLnBrk="0" hangingPunct="1">
-              <a:lnSpc>
-                <a:spcPct val="100000"/>
-              </a:lnSpc>
-              <a:spcBef>
-                <a:spcPts val="500"/>
-              </a:spcBef>
-              <a:buFont typeface="Arial" panose="020B0604020202020204" pitchFamily="34" charset="0"/>
-              <a:buChar char="•"/>
-              <a:defRPr sz="1800" kern="1200">
-                <a:solidFill>
-                  <a:schemeClr val="tx1"/>
-                </a:solidFill>
-                <a:latin typeface="Arial" panose="020B0604020202020204" pitchFamily="34" charset="0"/>
-                <a:ea typeface="+mn-ea"/>
-                <a:cs typeface="Arial" panose="020B0604020202020204" pitchFamily="34" charset="0"/>
-              </a:defRPr>
-            </a:lvl3pPr>
-            <a:lvl4pPr marL="1600200" indent="-228600" algn="l" defTabSz="914400" rtl="0" eaLnBrk="1" latinLnBrk="0" hangingPunct="1">
-              <a:lnSpc>
-                <a:spcPct val="100000"/>
-              </a:lnSpc>
-              <a:spcBef>
-                <a:spcPts val="500"/>
-              </a:spcBef>
-              <a:buFont typeface="Arial" panose="020B0604020202020204" pitchFamily="34" charset="0"/>
-              <a:buChar char="•"/>
-              <a:defRPr sz="1600" kern="1200">
-                <a:solidFill>
-                  <a:schemeClr val="tx1"/>
-                </a:solidFill>
-                <a:latin typeface="Arial" panose="020B0604020202020204" pitchFamily="34" charset="0"/>
-                <a:ea typeface="+mn-ea"/>
-                <a:cs typeface="Arial" panose="020B0604020202020204" pitchFamily="34" charset="0"/>
-              </a:defRPr>
-            </a:lvl4pPr>
-            <a:lvl5pPr marL="2057400" indent="-228600" algn="l" defTabSz="914400" rtl="0" eaLnBrk="1" latinLnBrk="0" hangingPunct="1">
-              <a:lnSpc>
-                <a:spcPct val="100000"/>
-              </a:lnSpc>
-              <a:spcBef>
-                <a:spcPts val="500"/>
-              </a:spcBef>
-              <a:buFont typeface="Arial" panose="020B0604020202020204" pitchFamily="34" charset="0"/>
-              <a:buChar char="•"/>
-              <a:defRPr sz="1600" kern="1200">
-                <a:solidFill>
-                  <a:schemeClr val="tx1"/>
-                </a:solidFill>
-                <a:latin typeface="Arial" panose="020B0604020202020204" pitchFamily="34" charset="0"/>
-                <a:ea typeface="+mn-ea"/>
-                <a:cs typeface="Arial" panose="020B0604020202020204" pitchFamily="34" charset="0"/>
-              </a:defRPr>
-            </a:lvl5pPr>
-            <a:lvl6pPr marL="2514600" indent="-228600" algn="l" defTabSz="914400" rtl="0" eaLnBrk="1" latinLnBrk="0" hangingPunct="1">
-              <a:lnSpc>
-                <a:spcPct val="90000"/>
-              </a:lnSpc>
-              <a:spcBef>
-                <a:spcPts val="500"/>
-              </a:spcBef>
-              <a:buFont typeface="Arial" panose="020B0604020202020204" pitchFamily="34" charset="0"/>
-              <a:buChar char="•"/>
-              <a:defRPr sz="1800" kern="1200">
-                <a:solidFill>
-                  <a:schemeClr val="tx1"/>
-                </a:solidFill>
-                <a:latin typeface="+mn-lt"/>
-                <a:ea typeface="+mn-ea"/>
-                <a:cs typeface="+mn-cs"/>
-              </a:defRPr>
-            </a:lvl6pPr>
-            <a:lvl7pPr marL="2971800" indent="-228600" algn="l" defTabSz="914400" rtl="0" eaLnBrk="1" latinLnBrk="0" hangingPunct="1">
-              <a:lnSpc>
-                <a:spcPct val="90000"/>
-              </a:lnSpc>
-              <a:spcBef>
-                <a:spcPts val="500"/>
-              </a:spcBef>
-              <a:buFont typeface="Arial" panose="020B0604020202020204" pitchFamily="34" charset="0"/>
-              <a:buChar char="•"/>
-              <a:defRPr sz="1800" kern="1200">
-                <a:solidFill>
-                  <a:schemeClr val="tx1"/>
-                </a:solidFill>
-                <a:latin typeface="+mn-lt"/>
-                <a:ea typeface="+mn-ea"/>
-                <a:cs typeface="+mn-cs"/>
-              </a:defRPr>
-            </a:lvl7pPr>
-            <a:lvl8pPr marL="3429000" indent="-228600" algn="l" defTabSz="914400" rtl="0" eaLnBrk="1" latinLnBrk="0" hangingPunct="1">
-              <a:lnSpc>
-                <a:spcPct val="90000"/>
-              </a:lnSpc>
-              <a:spcBef>
-                <a:spcPts val="500"/>
-              </a:spcBef>
-              <a:buFont typeface="Arial" panose="020B0604020202020204" pitchFamily="34" charset="0"/>
-              <a:buChar char="•"/>
-              <a:defRPr sz="1800" kern="1200">
-                <a:solidFill>
-                  <a:schemeClr val="tx1"/>
-                </a:solidFill>
-                <a:latin typeface="+mn-lt"/>
-                <a:ea typeface="+mn-ea"/>
-                <a:cs typeface="+mn-cs"/>
-              </a:defRPr>
-            </a:lvl8pPr>
-            <a:lvl9pPr marL="3886200" indent="-228600" algn="l" defTabSz="914400" rtl="0" eaLnBrk="1" latinLnBrk="0" hangingPunct="1">
-              <a:lnSpc>
-                <a:spcPct val="90000"/>
-              </a:lnSpc>
-              <a:spcBef>
-                <a:spcPts val="500"/>
-              </a:spcBef>
-              <a:buFont typeface="Arial" panose="020B0604020202020204" pitchFamily="34" charset="0"/>
-              <a:buChar char="•"/>
-              <a:defRPr sz="1800" kern="1200">
-                <a:solidFill>
-                  <a:schemeClr val="tx1"/>
-                </a:solidFill>
-                <a:latin typeface="+mn-lt"/>
-                <a:ea typeface="+mn-ea"/>
-                <a:cs typeface="+mn-cs"/>
-              </a:defRPr>
-            </a:lvl9pPr>
-          </a:lstStyle>
-          <a:p>
-            <a:pPr algn="ctr">
-              <a:buFontTx/>
-              <a:buNone/>
-            </a:pPr>
-            <a:r>
-              <a:rPr lang="en-US" altLang="zh-CN" sz="2100" dirty="0">
-                <a:latin typeface="Avenir Next LT Pro" panose="020B0504020202020204" pitchFamily="34" charset="77"/>
-                <a:ea typeface="宋体" panose="02010600030101010101" pitchFamily="2" charset="-122"/>
-              </a:rPr>
-              <a:t>S: …. = f (v)</a:t>
-            </a:r>
-          </a:p>
-          <a:p>
-            <a:r>
-              <a:rPr lang="en-US" altLang="zh-CN" sz="2100" dirty="0">
-                <a:solidFill>
-                  <a:schemeClr val="accent1"/>
-                </a:solidFill>
-                <a:latin typeface="Avenir Next LT Pro" panose="020B0504020202020204" pitchFamily="34" charset="77"/>
-                <a:ea typeface="宋体" panose="02010600030101010101" pitchFamily="2" charset="-122"/>
-              </a:rPr>
-              <a:t>Slice</a:t>
-            </a:r>
-            <a:r>
-              <a:rPr lang="en-US" altLang="zh-CN" sz="2100" dirty="0">
-                <a:latin typeface="Avenir Next LT Pro" panose="020B0504020202020204" pitchFamily="34" charset="77"/>
-                <a:ea typeface="宋体" panose="02010600030101010101" pitchFamily="2" charset="-122"/>
-              </a:rPr>
-              <a:t> of v at S  is  the set of statements  involved in computing v’s value at S.</a:t>
-            </a:r>
-          </a:p>
-          <a:p>
-            <a:pPr>
-              <a:buFontTx/>
-              <a:buNone/>
-            </a:pPr>
-            <a:r>
-              <a:rPr lang="en-US" altLang="zh-CN" sz="2100" dirty="0">
-                <a:latin typeface="Avenir Next LT Pro" panose="020B0504020202020204" pitchFamily="34" charset="77"/>
-                <a:ea typeface="宋体" panose="02010600030101010101" pitchFamily="2" charset="-122"/>
-              </a:rPr>
-              <a:t>    [Mark Weiser, 1982]</a:t>
-            </a:r>
-            <a:endParaRPr lang="en-US" altLang="zh-CN" sz="2500" dirty="0">
-              <a:latin typeface="Avenir Next LT Pro" panose="020B0504020202020204" pitchFamily="34" charset="77"/>
-              <a:ea typeface="宋体" panose="02010600030101010101" pitchFamily="2" charset="-122"/>
-            </a:endParaRPr>
-          </a:p>
-        </p:txBody>
-      </p:sp>
-      <p:sp>
-        <p:nvSpPr>
-          <p:cNvPr id="13" name="Text Box 9">
-            <a:extLst>
-              <a:ext uri="{FF2B5EF4-FFF2-40B4-BE49-F238E27FC236}">
-                <a16:creationId xmlns:a16="http://schemas.microsoft.com/office/drawing/2014/main" id="{C9F92454-704D-2814-D9B4-DFC9A9542B30}"/>
-              </a:ext>
-            </a:extLst>
-          </p:cNvPr>
-          <p:cNvSpPr txBox="1">
-            <a:spLocks noChangeArrowheads="1"/>
-          </p:cNvSpPr>
-          <p:nvPr/>
-        </p:nvSpPr>
-        <p:spPr bwMode="auto">
-          <a:xfrm>
-            <a:off x="1143000" y="1763487"/>
-            <a:ext cx="1066800" cy="3425825"/>
-          </a:xfrm>
-          <a:prstGeom prst="rect">
-            <a:avLst/>
-          </a:prstGeom>
-          <a:noFill/>
-          <a:ln>
-            <a:noFill/>
-          </a:ln>
-          <a:extLst>
-            <a:ext uri="{909E8E84-426E-40DD-AFC4-6F175D3DCCD1}">
-              <a14:hiddenFill xmlns:a14="http://schemas.microsoft.com/office/drawing/2010/main">
-                <a:solidFill>
-                  <a:srgbClr val="FFFFFF"/>
-                </a:solidFill>
-              </a14:hiddenFill>
-            </a:ext>
-            <a:ext uri="{91240B29-F687-4F45-9708-019B960494DF}">
-              <a14:hiddenLine xmlns:a14="http://schemas.microsoft.com/office/drawing/2010/main" w="28575">
-                <a:solidFill>
-                  <a:srgbClr val="000000"/>
-                </a:solidFill>
-                <a:miter lim="800000"/>
-                <a:headEnd/>
-                <a:tailEnd/>
-              </a14:hiddenLine>
-            </a:ext>
-          </a:extLst>
-        </p:spPr>
-        <p:txBody>
-          <a:bodyPr>
-            <a:spAutoFit/>
-          </a:bodyPr>
-          <a:lstStyle>
-            <a:lvl1pPr marL="742950" indent="-285750">
-              <a:spcBef>
-                <a:spcPct val="20000"/>
-              </a:spcBef>
-              <a:buClr>
-                <a:srgbClr val="CC3300"/>
-              </a:buClr>
-              <a:buBlip>
-                <a:blip r:embed="rId2"/>
-              </a:buBlip>
-              <a:defRPr sz="1900">
-                <a:solidFill>
-                  <a:schemeClr val="tx1"/>
-                </a:solidFill>
-                <a:latin typeface="Comic Sans MS" panose="030F0902030302020204" pitchFamily="66" charset="0"/>
-              </a:defRPr>
-            </a:lvl1pPr>
-            <a:lvl2pPr marL="742950" indent="-285750">
-              <a:spcBef>
-                <a:spcPct val="20000"/>
-              </a:spcBef>
-              <a:buBlip>
-                <a:blip r:embed="rId3"/>
-              </a:buBlip>
-              <a:defRPr sz="2800">
-                <a:solidFill>
-                  <a:schemeClr val="tx1"/>
-                </a:solidFill>
-                <a:latin typeface="Comic Sans MS" panose="030F0902030302020204" pitchFamily="66" charset="0"/>
-              </a:defRPr>
-            </a:lvl2pPr>
-            <a:lvl3pPr marL="1143000" indent="-228600">
-              <a:spcBef>
-                <a:spcPct val="20000"/>
-              </a:spcBef>
-              <a:buBlip>
-                <a:blip r:embed="rId4"/>
-              </a:buBlip>
-              <a:defRPr sz="1700">
-                <a:solidFill>
-                  <a:schemeClr val="tx1"/>
-                </a:solidFill>
-                <a:latin typeface="Comic Sans MS" panose="030F0902030302020204" pitchFamily="66" charset="0"/>
-              </a:defRPr>
-            </a:lvl3pPr>
-            <a:lvl4pPr marL="1600200" indent="-228600">
-              <a:spcBef>
-                <a:spcPct val="20000"/>
-              </a:spcBef>
-              <a:buChar char="–"/>
-              <a:defRPr sz="1600">
-                <a:solidFill>
-                  <a:schemeClr val="tx1"/>
-                </a:solidFill>
-                <a:latin typeface="Comic Sans MS" panose="030F0902030302020204" pitchFamily="66" charset="0"/>
-              </a:defRPr>
-            </a:lvl4pPr>
-            <a:lvl5pPr marL="2057400" indent="-228600">
-              <a:spcBef>
-                <a:spcPct val="20000"/>
-              </a:spcBef>
-              <a:buChar char="–"/>
-              <a:defRPr sz="1500">
-                <a:solidFill>
-                  <a:schemeClr val="tx1"/>
-                </a:solidFill>
-                <a:latin typeface="Comic Sans MS" panose="030F0902030302020204" pitchFamily="66" charset="0"/>
-              </a:defRPr>
-            </a:lvl5pPr>
-            <a:lvl6pPr marL="2514600" indent="-228600" eaLnBrk="0" fontAlgn="base" hangingPunct="0">
-              <a:spcBef>
-                <a:spcPct val="20000"/>
-              </a:spcBef>
-              <a:spcAft>
-                <a:spcPct val="0"/>
-              </a:spcAft>
-              <a:buChar char="–"/>
-              <a:defRPr sz="1500">
-                <a:solidFill>
-                  <a:schemeClr val="tx1"/>
-                </a:solidFill>
-                <a:latin typeface="Comic Sans MS" panose="030F0902030302020204" pitchFamily="66" charset="0"/>
-              </a:defRPr>
-            </a:lvl6pPr>
-            <a:lvl7pPr marL="2971800" indent="-228600" eaLnBrk="0" fontAlgn="base" hangingPunct="0">
-              <a:spcBef>
-                <a:spcPct val="20000"/>
-              </a:spcBef>
-              <a:spcAft>
-                <a:spcPct val="0"/>
-              </a:spcAft>
-              <a:buChar char="–"/>
-              <a:defRPr sz="1500">
-                <a:solidFill>
-                  <a:schemeClr val="tx1"/>
-                </a:solidFill>
-                <a:latin typeface="Comic Sans MS" panose="030F0902030302020204" pitchFamily="66" charset="0"/>
-              </a:defRPr>
-            </a:lvl7pPr>
-            <a:lvl8pPr marL="3429000" indent="-228600" eaLnBrk="0" fontAlgn="base" hangingPunct="0">
-              <a:spcBef>
-                <a:spcPct val="20000"/>
-              </a:spcBef>
-              <a:spcAft>
-                <a:spcPct val="0"/>
-              </a:spcAft>
-              <a:buChar char="–"/>
-              <a:defRPr sz="1500">
-                <a:solidFill>
-                  <a:schemeClr val="tx1"/>
-                </a:solidFill>
-                <a:latin typeface="Comic Sans MS" panose="030F0902030302020204" pitchFamily="66" charset="0"/>
-              </a:defRPr>
-            </a:lvl8pPr>
-            <a:lvl9pPr marL="3886200" indent="-228600" eaLnBrk="0" fontAlgn="base" hangingPunct="0">
-              <a:spcBef>
-                <a:spcPct val="20000"/>
-              </a:spcBef>
-              <a:spcAft>
-                <a:spcPct val="0"/>
-              </a:spcAft>
-              <a:buChar char="–"/>
-              <a:defRPr sz="1500">
-                <a:solidFill>
-                  <a:schemeClr val="tx1"/>
-                </a:solidFill>
-                <a:latin typeface="Comic Sans MS" panose="030F0902030302020204" pitchFamily="66" charset="0"/>
-              </a:defRPr>
-            </a:lvl9pPr>
-          </a:lstStyle>
-          <a:p>
-            <a:pPr algn="ctr" eaLnBrk="1" hangingPunct="1">
-              <a:lnSpc>
-                <a:spcPct val="90000"/>
-              </a:lnSpc>
-              <a:spcBef>
-                <a:spcPct val="50000"/>
-              </a:spcBef>
-              <a:buClrTx/>
-              <a:buFontTx/>
-              <a:buNone/>
-            </a:pPr>
-            <a:r>
-              <a:rPr lang="en-US" altLang="zh-CN" sz="1800">
-                <a:latin typeface="Lucida Sans" panose="020B0602030504020204" pitchFamily="34" charset="77"/>
-                <a:ea typeface="宋体" panose="02010600030101010101" pitchFamily="2" charset="-122"/>
-              </a:rPr>
-              <a:t>1</a:t>
-            </a:r>
-          </a:p>
-          <a:p>
-            <a:pPr algn="ctr" eaLnBrk="1" hangingPunct="1">
-              <a:lnSpc>
-                <a:spcPct val="90000"/>
-              </a:lnSpc>
-              <a:spcBef>
-                <a:spcPct val="50000"/>
-              </a:spcBef>
-              <a:buClrTx/>
-              <a:buFontTx/>
-              <a:buNone/>
-            </a:pPr>
-            <a:r>
-              <a:rPr lang="en-US" altLang="zh-CN" sz="1800">
-                <a:latin typeface="Lucida Sans" panose="020B0602030504020204" pitchFamily="34" charset="77"/>
-                <a:ea typeface="宋体" panose="02010600030101010101" pitchFamily="2" charset="-122"/>
-              </a:rPr>
-              <a:t>2</a:t>
-            </a:r>
-          </a:p>
-          <a:p>
-            <a:pPr algn="ctr" eaLnBrk="1" hangingPunct="1">
-              <a:lnSpc>
-                <a:spcPct val="90000"/>
-              </a:lnSpc>
-              <a:spcBef>
-                <a:spcPct val="50000"/>
-              </a:spcBef>
-              <a:buClrTx/>
-              <a:buFontTx/>
-              <a:buNone/>
-            </a:pPr>
-            <a:r>
-              <a:rPr lang="en-US" altLang="zh-CN" sz="1800">
-                <a:latin typeface="Lucida Sans" panose="020B0602030504020204" pitchFamily="34" charset="77"/>
-                <a:ea typeface="宋体" panose="02010600030101010101" pitchFamily="2" charset="-122"/>
-              </a:rPr>
-              <a:t>3</a:t>
-            </a:r>
-          </a:p>
-          <a:p>
-            <a:pPr algn="ctr" eaLnBrk="1" hangingPunct="1">
-              <a:lnSpc>
-                <a:spcPct val="90000"/>
-              </a:lnSpc>
-              <a:spcBef>
-                <a:spcPct val="50000"/>
-              </a:spcBef>
-              <a:buClrTx/>
-              <a:buFontTx/>
-              <a:buNone/>
-            </a:pPr>
-            <a:r>
-              <a:rPr lang="en-US" altLang="zh-CN" sz="1800">
-                <a:latin typeface="Lucida Sans" panose="020B0602030504020204" pitchFamily="34" charset="77"/>
-                <a:ea typeface="宋体" panose="02010600030101010101" pitchFamily="2" charset="-122"/>
-              </a:rPr>
-              <a:t>4</a:t>
-            </a:r>
-          </a:p>
-          <a:p>
-            <a:pPr algn="ctr" eaLnBrk="1" hangingPunct="1">
-              <a:lnSpc>
-                <a:spcPct val="90000"/>
-              </a:lnSpc>
-              <a:spcBef>
-                <a:spcPct val="50000"/>
-              </a:spcBef>
-              <a:buClrTx/>
-              <a:buFontTx/>
-              <a:buNone/>
-            </a:pPr>
-            <a:r>
-              <a:rPr lang="en-US" altLang="zh-CN" sz="1800">
-                <a:latin typeface="Lucida Sans" panose="020B0602030504020204" pitchFamily="34" charset="77"/>
-                <a:ea typeface="宋体" panose="02010600030101010101" pitchFamily="2" charset="-122"/>
-              </a:rPr>
-              <a:t>5</a:t>
-            </a:r>
-          </a:p>
-          <a:p>
-            <a:pPr algn="ctr" eaLnBrk="1" hangingPunct="1">
-              <a:lnSpc>
-                <a:spcPct val="90000"/>
-              </a:lnSpc>
-              <a:spcBef>
-                <a:spcPct val="50000"/>
-              </a:spcBef>
-              <a:buClrTx/>
-              <a:buFontTx/>
-              <a:buNone/>
-            </a:pPr>
-            <a:r>
-              <a:rPr lang="en-US" altLang="zh-CN" sz="1800">
-                <a:latin typeface="Lucida Sans" panose="020B0602030504020204" pitchFamily="34" charset="77"/>
-                <a:ea typeface="宋体" panose="02010600030101010101" pitchFamily="2" charset="-122"/>
-              </a:rPr>
-              <a:t>6</a:t>
-            </a:r>
-          </a:p>
-          <a:p>
-            <a:pPr algn="ctr" eaLnBrk="1" hangingPunct="1">
-              <a:lnSpc>
-                <a:spcPct val="90000"/>
-              </a:lnSpc>
-              <a:spcBef>
-                <a:spcPct val="50000"/>
-              </a:spcBef>
-              <a:buClrTx/>
-              <a:buFontTx/>
-              <a:buNone/>
-            </a:pPr>
-            <a:r>
-              <a:rPr lang="en-US" altLang="zh-CN" sz="1800">
-                <a:latin typeface="Lucida Sans" panose="020B0602030504020204" pitchFamily="34" charset="77"/>
-                <a:ea typeface="宋体" panose="02010600030101010101" pitchFamily="2" charset="-122"/>
-              </a:rPr>
-              <a:t>7</a:t>
-            </a:r>
-          </a:p>
-          <a:p>
-            <a:pPr algn="ctr" eaLnBrk="1" hangingPunct="1">
-              <a:lnSpc>
-                <a:spcPct val="90000"/>
-              </a:lnSpc>
-              <a:spcBef>
-                <a:spcPct val="50000"/>
-              </a:spcBef>
-              <a:buClrTx/>
-              <a:buFontTx/>
-              <a:buNone/>
-            </a:pPr>
-            <a:r>
-              <a:rPr lang="en-US" altLang="zh-CN" sz="1800">
-                <a:latin typeface="Lucida Sans" panose="020B0602030504020204" pitchFamily="34" charset="77"/>
-                <a:ea typeface="宋体" panose="02010600030101010101" pitchFamily="2" charset="-122"/>
-              </a:rPr>
-              <a:t>8</a:t>
-            </a:r>
-          </a:p>
-          <a:p>
-            <a:pPr algn="ctr" eaLnBrk="1" hangingPunct="1">
-              <a:lnSpc>
-                <a:spcPct val="90000"/>
-              </a:lnSpc>
-              <a:spcBef>
-                <a:spcPct val="50000"/>
-              </a:spcBef>
-              <a:buClrTx/>
-              <a:buFontTx/>
-              <a:buNone/>
-            </a:pPr>
-            <a:r>
-              <a:rPr lang="en-US" altLang="zh-CN" sz="1800">
-                <a:latin typeface="Lucida Sans" panose="020B0602030504020204" pitchFamily="34" charset="77"/>
-                <a:ea typeface="宋体" panose="02010600030101010101" pitchFamily="2" charset="-122"/>
-              </a:rPr>
-              <a:t>9</a:t>
-            </a:r>
-          </a:p>
-        </p:txBody>
-      </p:sp>
-      <p:sp>
-        <p:nvSpPr>
-          <p:cNvPr id="12" name="Text Box 7">
-            <a:extLst>
-              <a:ext uri="{FF2B5EF4-FFF2-40B4-BE49-F238E27FC236}">
-                <a16:creationId xmlns:a16="http://schemas.microsoft.com/office/drawing/2014/main" id="{21A83951-681A-5A78-DC15-E028FE9C7136}"/>
-              </a:ext>
-            </a:extLst>
-          </p:cNvPr>
-          <p:cNvSpPr txBox="1">
-            <a:spLocks noChangeArrowheads="1"/>
-          </p:cNvSpPr>
-          <p:nvPr/>
-        </p:nvSpPr>
-        <p:spPr bwMode="auto">
-          <a:xfrm>
-            <a:off x="2057400" y="1763486"/>
-            <a:ext cx="3733800" cy="3580788"/>
-          </a:xfrm>
-          <a:prstGeom prst="rect">
-            <a:avLst/>
-          </a:prstGeom>
-          <a:noFill/>
-          <a:ln>
-            <a:noFill/>
-          </a:ln>
-          <a:extLst>
-            <a:ext uri="{909E8E84-426E-40DD-AFC4-6F175D3DCCD1}">
-              <a14:hiddenFill xmlns:a14="http://schemas.microsoft.com/office/drawing/2010/main">
-                <a:solidFill>
-                  <a:srgbClr val="FFFFFF"/>
-                </a:solidFill>
-              </a14:hiddenFill>
-            </a:ext>
-            <a:ext uri="{91240B29-F687-4F45-9708-019B960494DF}">
-              <a14:hiddenLine xmlns:a14="http://schemas.microsoft.com/office/drawing/2010/main" w="12700">
-                <a:solidFill>
-                  <a:srgbClr val="000000"/>
-                </a:solidFill>
-                <a:miter lim="800000"/>
-                <a:headEnd type="none" w="sm" len="sm"/>
-                <a:tailEnd type="none" w="sm" len="sm"/>
-              </a14:hiddenLine>
-            </a:ext>
-          </a:extLst>
-        </p:spPr>
-        <p:txBody>
-          <a:bodyPr>
-            <a:spAutoFit/>
-          </a:bodyPr>
-          <a:lstStyle>
-            <a:lvl1pPr>
-              <a:spcBef>
-                <a:spcPct val="20000"/>
-              </a:spcBef>
-              <a:buClr>
-                <a:srgbClr val="CC3300"/>
-              </a:buClr>
-              <a:buBlip>
-                <a:blip r:embed="rId2"/>
-              </a:buBlip>
-              <a:defRPr sz="1900">
-                <a:solidFill>
-                  <a:schemeClr val="tx1"/>
-                </a:solidFill>
-                <a:latin typeface="Comic Sans MS" panose="030F0902030302020204" pitchFamily="66" charset="0"/>
-              </a:defRPr>
-            </a:lvl1pPr>
-            <a:lvl2pPr marL="742950" indent="-285750">
-              <a:spcBef>
-                <a:spcPct val="20000"/>
-              </a:spcBef>
-              <a:buBlip>
-                <a:blip r:embed="rId3"/>
-              </a:buBlip>
-              <a:defRPr sz="2800">
-                <a:solidFill>
-                  <a:schemeClr val="tx1"/>
-                </a:solidFill>
-                <a:latin typeface="Comic Sans MS" panose="030F0902030302020204" pitchFamily="66" charset="0"/>
-              </a:defRPr>
-            </a:lvl2pPr>
-            <a:lvl3pPr marL="1143000" indent="-228600">
-              <a:spcBef>
-                <a:spcPct val="20000"/>
-              </a:spcBef>
-              <a:buBlip>
-                <a:blip r:embed="rId4"/>
-              </a:buBlip>
-              <a:defRPr sz="1700">
-                <a:solidFill>
-                  <a:schemeClr val="tx1"/>
-                </a:solidFill>
-                <a:latin typeface="Comic Sans MS" panose="030F0902030302020204" pitchFamily="66" charset="0"/>
-              </a:defRPr>
-            </a:lvl3pPr>
-            <a:lvl4pPr marL="1600200" indent="-228600">
-              <a:spcBef>
-                <a:spcPct val="20000"/>
-              </a:spcBef>
-              <a:buChar char="–"/>
-              <a:defRPr sz="1600">
-                <a:solidFill>
-                  <a:schemeClr val="tx1"/>
-                </a:solidFill>
-                <a:latin typeface="Comic Sans MS" panose="030F0902030302020204" pitchFamily="66" charset="0"/>
-              </a:defRPr>
-            </a:lvl4pPr>
-            <a:lvl5pPr marL="2057400" indent="-228600">
-              <a:spcBef>
-                <a:spcPct val="20000"/>
-              </a:spcBef>
-              <a:buChar char="–"/>
-              <a:defRPr sz="1500">
-                <a:solidFill>
-                  <a:schemeClr val="tx1"/>
-                </a:solidFill>
-                <a:latin typeface="Comic Sans MS" panose="030F0902030302020204" pitchFamily="66" charset="0"/>
-              </a:defRPr>
-            </a:lvl5pPr>
-            <a:lvl6pPr marL="2514600" indent="-228600" eaLnBrk="0" fontAlgn="base" hangingPunct="0">
-              <a:spcBef>
-                <a:spcPct val="20000"/>
-              </a:spcBef>
-              <a:spcAft>
-                <a:spcPct val="0"/>
-              </a:spcAft>
-              <a:buChar char="–"/>
-              <a:defRPr sz="1500">
-                <a:solidFill>
-                  <a:schemeClr val="tx1"/>
-                </a:solidFill>
-                <a:latin typeface="Comic Sans MS" panose="030F0902030302020204" pitchFamily="66" charset="0"/>
-              </a:defRPr>
-            </a:lvl6pPr>
-            <a:lvl7pPr marL="2971800" indent="-228600" eaLnBrk="0" fontAlgn="base" hangingPunct="0">
-              <a:spcBef>
-                <a:spcPct val="20000"/>
-              </a:spcBef>
-              <a:spcAft>
-                <a:spcPct val="0"/>
-              </a:spcAft>
-              <a:buChar char="–"/>
-              <a:defRPr sz="1500">
-                <a:solidFill>
-                  <a:schemeClr val="tx1"/>
-                </a:solidFill>
-                <a:latin typeface="Comic Sans MS" panose="030F0902030302020204" pitchFamily="66" charset="0"/>
-              </a:defRPr>
-            </a:lvl7pPr>
-            <a:lvl8pPr marL="3429000" indent="-228600" eaLnBrk="0" fontAlgn="base" hangingPunct="0">
-              <a:spcBef>
-                <a:spcPct val="20000"/>
-              </a:spcBef>
-              <a:spcAft>
-                <a:spcPct val="0"/>
-              </a:spcAft>
-              <a:buChar char="–"/>
-              <a:defRPr sz="1500">
-                <a:solidFill>
-                  <a:schemeClr val="tx1"/>
-                </a:solidFill>
-                <a:latin typeface="Comic Sans MS" panose="030F0902030302020204" pitchFamily="66" charset="0"/>
-              </a:defRPr>
-            </a:lvl8pPr>
-            <a:lvl9pPr marL="3886200" indent="-228600" eaLnBrk="0" fontAlgn="base" hangingPunct="0">
-              <a:spcBef>
-                <a:spcPct val="20000"/>
-              </a:spcBef>
-              <a:spcAft>
-                <a:spcPct val="0"/>
-              </a:spcAft>
-              <a:buChar char="–"/>
-              <a:defRPr sz="1500">
-                <a:solidFill>
-                  <a:schemeClr val="tx1"/>
-                </a:solidFill>
-                <a:latin typeface="Comic Sans MS" panose="030F0902030302020204" pitchFamily="66" charset="0"/>
-              </a:defRPr>
-            </a:lvl9pPr>
-          </a:lstStyle>
-          <a:p>
-            <a:pPr eaLnBrk="1" hangingPunct="1">
-              <a:lnSpc>
-                <a:spcPct val="60000"/>
-              </a:lnSpc>
-              <a:spcBef>
-                <a:spcPct val="50000"/>
-              </a:spcBef>
-              <a:buClrTx/>
-              <a:buFontTx/>
-              <a:buNone/>
-            </a:pPr>
-            <a:r>
-              <a:rPr lang="en-US" altLang="zh-CN" sz="2400" dirty="0">
-                <a:latin typeface="Times New Roman" panose="02020603050405020304" pitchFamily="18" charset="0"/>
-                <a:ea typeface="宋体" panose="02010600030101010101" pitchFamily="2" charset="-122"/>
-              </a:rPr>
-              <a:t>void main ( ) {</a:t>
-            </a:r>
-          </a:p>
-          <a:p>
-            <a:pPr eaLnBrk="1" hangingPunct="1">
-              <a:lnSpc>
-                <a:spcPct val="60000"/>
-              </a:lnSpc>
-              <a:spcBef>
-                <a:spcPct val="50000"/>
-              </a:spcBef>
-              <a:buClrTx/>
-              <a:buFontTx/>
-              <a:buNone/>
-            </a:pPr>
-            <a:r>
-              <a:rPr lang="en-US" altLang="zh-CN" sz="2400" dirty="0">
-                <a:latin typeface="Times New Roman" panose="02020603050405020304" pitchFamily="18" charset="0"/>
-                <a:ea typeface="宋体" panose="02010600030101010101" pitchFamily="2" charset="-122"/>
-              </a:rPr>
-              <a:t>   int I=0;</a:t>
-            </a:r>
-          </a:p>
-          <a:p>
-            <a:pPr eaLnBrk="1" hangingPunct="1">
-              <a:lnSpc>
-                <a:spcPct val="60000"/>
-              </a:lnSpc>
-              <a:spcBef>
-                <a:spcPct val="50000"/>
-              </a:spcBef>
-              <a:buClrTx/>
-              <a:buFontTx/>
-              <a:buNone/>
-            </a:pPr>
-            <a:r>
-              <a:rPr lang="en-US" altLang="zh-CN" sz="2400" dirty="0">
-                <a:latin typeface="Times New Roman" panose="02020603050405020304" pitchFamily="18" charset="0"/>
-                <a:ea typeface="宋体" panose="02010600030101010101" pitchFamily="2" charset="-122"/>
-              </a:rPr>
-              <a:t>   int sum=0;</a:t>
-            </a:r>
-          </a:p>
-          <a:p>
-            <a:pPr eaLnBrk="1" hangingPunct="1">
-              <a:lnSpc>
-                <a:spcPct val="60000"/>
-              </a:lnSpc>
-              <a:spcBef>
-                <a:spcPct val="50000"/>
-              </a:spcBef>
-              <a:buClrTx/>
-              <a:buFontTx/>
-              <a:buNone/>
-            </a:pPr>
-            <a:r>
-              <a:rPr lang="en-US" altLang="zh-CN" sz="2400" dirty="0">
-                <a:latin typeface="Times New Roman" panose="02020603050405020304" pitchFamily="18" charset="0"/>
-                <a:ea typeface="宋体" panose="02010600030101010101" pitchFamily="2" charset="-122"/>
-              </a:rPr>
-              <a:t>   while (I&lt;N) {</a:t>
-            </a:r>
-          </a:p>
-          <a:p>
-            <a:pPr eaLnBrk="1" hangingPunct="1">
-              <a:lnSpc>
-                <a:spcPct val="60000"/>
-              </a:lnSpc>
-              <a:spcBef>
-                <a:spcPct val="50000"/>
-              </a:spcBef>
-              <a:buClrTx/>
-              <a:buFontTx/>
-              <a:buNone/>
-            </a:pPr>
-            <a:r>
-              <a:rPr lang="en-US" altLang="zh-CN" sz="2400" dirty="0">
-                <a:latin typeface="Times New Roman" panose="02020603050405020304" pitchFamily="18" charset="0"/>
-                <a:ea typeface="宋体" panose="02010600030101010101" pitchFamily="2" charset="-122"/>
-              </a:rPr>
-              <a:t>        sum=add(</a:t>
-            </a:r>
-            <a:r>
-              <a:rPr lang="en-US" altLang="zh-CN" sz="2400" dirty="0" err="1">
-                <a:latin typeface="Times New Roman" panose="02020603050405020304" pitchFamily="18" charset="0"/>
-                <a:ea typeface="宋体" panose="02010600030101010101" pitchFamily="2" charset="-122"/>
-              </a:rPr>
-              <a:t>sum,I</a:t>
-            </a:r>
-            <a:r>
-              <a:rPr lang="en-US" altLang="zh-CN" sz="2400" dirty="0">
-                <a:latin typeface="Times New Roman" panose="02020603050405020304" pitchFamily="18" charset="0"/>
-                <a:ea typeface="宋体" panose="02010600030101010101" pitchFamily="2" charset="-122"/>
-              </a:rPr>
-              <a:t>);</a:t>
-            </a:r>
-          </a:p>
-          <a:p>
-            <a:pPr eaLnBrk="1" hangingPunct="1">
-              <a:lnSpc>
-                <a:spcPct val="60000"/>
-              </a:lnSpc>
-              <a:spcBef>
-                <a:spcPct val="50000"/>
-              </a:spcBef>
-              <a:buClrTx/>
-              <a:buFontTx/>
-              <a:buNone/>
-            </a:pPr>
-            <a:r>
-              <a:rPr lang="en-US" altLang="zh-CN" sz="2400" dirty="0">
-                <a:latin typeface="Times New Roman" panose="02020603050405020304" pitchFamily="18" charset="0"/>
-                <a:ea typeface="宋体" panose="02010600030101010101" pitchFamily="2" charset="-122"/>
-              </a:rPr>
-              <a:t>        I=add(I,1);</a:t>
-            </a:r>
-          </a:p>
-          <a:p>
-            <a:pPr eaLnBrk="1" hangingPunct="1">
-              <a:lnSpc>
-                <a:spcPct val="60000"/>
-              </a:lnSpc>
-              <a:spcBef>
-                <a:spcPct val="50000"/>
-              </a:spcBef>
-              <a:buClrTx/>
-              <a:buFontTx/>
-              <a:buNone/>
-            </a:pPr>
-            <a:r>
-              <a:rPr lang="en-US" altLang="zh-CN" sz="2400" dirty="0">
-                <a:latin typeface="Times New Roman" panose="02020603050405020304" pitchFamily="18" charset="0"/>
-                <a:ea typeface="宋体" panose="02010600030101010101" pitchFamily="2" charset="-122"/>
-              </a:rPr>
-              <a:t>    }</a:t>
-            </a:r>
-          </a:p>
-          <a:p>
-            <a:pPr eaLnBrk="1" hangingPunct="1">
-              <a:lnSpc>
-                <a:spcPct val="60000"/>
-              </a:lnSpc>
-              <a:spcBef>
-                <a:spcPct val="50000"/>
-              </a:spcBef>
-              <a:buClrTx/>
-              <a:buFontTx/>
-              <a:buNone/>
-            </a:pPr>
-            <a:r>
-              <a:rPr lang="en-US" altLang="zh-CN" sz="2400" dirty="0">
-                <a:latin typeface="Times New Roman" panose="02020603050405020304" pitchFamily="18" charset="0"/>
-                <a:ea typeface="宋体" panose="02010600030101010101" pitchFamily="2" charset="-122"/>
-              </a:rPr>
-              <a:t>    </a:t>
-            </a:r>
-            <a:r>
-              <a:rPr lang="en-US" altLang="zh-CN" sz="2400" dirty="0" err="1">
-                <a:latin typeface="Times New Roman" panose="02020603050405020304" pitchFamily="18" charset="0"/>
-                <a:ea typeface="宋体" panose="02010600030101010101" pitchFamily="2" charset="-122"/>
-              </a:rPr>
-              <a:t>printf</a:t>
-            </a:r>
-            <a:r>
-              <a:rPr lang="en-US" altLang="zh-CN" sz="2400" dirty="0">
-                <a:latin typeface="Times New Roman" panose="02020603050405020304" pitchFamily="18" charset="0"/>
-                <a:ea typeface="宋体" panose="02010600030101010101" pitchFamily="2" charset="-122"/>
-              </a:rPr>
-              <a:t> (“sum=%d\</a:t>
-            </a:r>
-            <a:r>
-              <a:rPr lang="en-US" altLang="zh-CN" sz="2400" dirty="0" err="1">
-                <a:latin typeface="Times New Roman" panose="02020603050405020304" pitchFamily="18" charset="0"/>
-                <a:ea typeface="宋体" panose="02010600030101010101" pitchFamily="2" charset="-122"/>
-              </a:rPr>
-              <a:t>n”,sum</a:t>
-            </a:r>
-            <a:r>
-              <a:rPr lang="en-US" altLang="zh-CN" sz="2400" dirty="0">
-                <a:latin typeface="Times New Roman" panose="02020603050405020304" pitchFamily="18" charset="0"/>
-                <a:ea typeface="宋体" panose="02010600030101010101" pitchFamily="2" charset="-122"/>
-              </a:rPr>
-              <a:t>);</a:t>
-            </a:r>
-          </a:p>
-          <a:p>
-            <a:pPr eaLnBrk="1" hangingPunct="1">
-              <a:lnSpc>
-                <a:spcPct val="60000"/>
-              </a:lnSpc>
-              <a:spcBef>
-                <a:spcPct val="50000"/>
-              </a:spcBef>
-              <a:buClrTx/>
-              <a:buFontTx/>
-              <a:buNone/>
-            </a:pPr>
-            <a:r>
-              <a:rPr lang="en-US" altLang="zh-CN" sz="2400" dirty="0">
-                <a:latin typeface="Times New Roman" panose="02020603050405020304" pitchFamily="18" charset="0"/>
-                <a:ea typeface="宋体" panose="02010600030101010101" pitchFamily="2" charset="-122"/>
-              </a:rPr>
-              <a:t>    </a:t>
-            </a:r>
-            <a:r>
-              <a:rPr lang="en-US" altLang="zh-CN" sz="2400" dirty="0" err="1">
-                <a:latin typeface="Times New Roman" panose="02020603050405020304" pitchFamily="18" charset="0"/>
-                <a:ea typeface="宋体" panose="02010600030101010101" pitchFamily="2" charset="-122"/>
-              </a:rPr>
-              <a:t>printf</a:t>
-            </a:r>
-            <a:r>
-              <a:rPr lang="en-US" altLang="zh-CN" sz="2400" dirty="0">
-                <a:latin typeface="Times New Roman" panose="02020603050405020304" pitchFamily="18" charset="0"/>
-                <a:ea typeface="宋体" panose="02010600030101010101" pitchFamily="2" charset="-122"/>
-              </a:rPr>
-              <a:t>(“I=%d\</a:t>
-            </a:r>
-            <a:r>
-              <a:rPr lang="en-US" altLang="zh-CN" sz="2400" dirty="0" err="1">
-                <a:latin typeface="Times New Roman" panose="02020603050405020304" pitchFamily="18" charset="0"/>
-                <a:ea typeface="宋体" panose="02010600030101010101" pitchFamily="2" charset="-122"/>
-              </a:rPr>
-              <a:t>n”,I</a:t>
-            </a:r>
-            <a:r>
-              <a:rPr lang="en-US" altLang="zh-CN" sz="2400" dirty="0">
-                <a:latin typeface="Times New Roman" panose="02020603050405020304" pitchFamily="18" charset="0"/>
-                <a:ea typeface="宋体" panose="02010600030101010101" pitchFamily="2" charset="-122"/>
-              </a:rPr>
-              <a:t>); </a:t>
-            </a:r>
-          </a:p>
-        </p:txBody>
-      </p:sp>
-    </p:spTree>
-    <p:extLst>
-      <p:ext uri="{BB962C8B-B14F-4D97-AF65-F5344CB8AC3E}">
-        <p14:creationId xmlns:p14="http://schemas.microsoft.com/office/powerpoint/2010/main" val="165856857"/>
-      </p:ext>
-    </p:extLst>
-  </p:cSld>
-  <p:clrMapOvr>
-    <a:masterClrMapping/>
-  </p:clrMapOvr>
-  <mc:AlternateContent xmlns:mc="http://schemas.openxmlformats.org/markup-compatibility/2006" xmlns:p14="http://schemas.microsoft.com/office/powerpoint/2010/main">
-    <mc:Choice Requires="p14">
-      <p:transition p14:dur="100">
-        <p:cut/>
-      </p:transition>
-    </mc:Choice>
-    <mc:Fallback xmlns="">
-      <p:transition>
-        <p:cut/>
-      </p:transition>
-    </mc:Fallback>
-  </mc:AlternateContent>
-</p:sld>
-</file>
-
-<file path=ppt/slides/slide40.xml><?xml version="1.0" encoding="utf-8"?>
+<file path=ppt/slides/slide41.xml><?xml version="1.0" encoding="utf-8"?>
 <p:sld xmlns:a="http://schemas.openxmlformats.org/drawingml/2006/main" xmlns:r="http://schemas.openxmlformats.org/officeDocument/2006/relationships" xmlns:p="http://schemas.openxmlformats.org/presentationml/2006/main">
   <p:cSld>
     <p:spTree>
@@ -29334,7 +29752,7 @@
           <a:p>
             <a:fld id="{EBB1F091-3A24-4346-912C-5ECD06B05EBE}" type="slidenum">
               <a:rPr lang="en-US" smtClean="0"/>
-              <a:t>40</a:t>
+              <a:t>41</a:t>
             </a:fld>
             <a:endParaRPr lang="en-US"/>
           </a:p>
@@ -29365,7 +29783,7 @@
 </p:sld>
 </file>
 
-<file path=ppt/slides/slide41.xml><?xml version="1.0" encoding="utf-8"?>
+<file path=ppt/slides/slide42.xml><?xml version="1.0" encoding="utf-8"?>
 <p:sld xmlns:a="http://schemas.openxmlformats.org/drawingml/2006/main" xmlns:r="http://schemas.openxmlformats.org/officeDocument/2006/relationships" xmlns:p="http://schemas.openxmlformats.org/presentationml/2006/main">
   <p:cSld>
     <p:spTree>
@@ -29629,7 +30047,7 @@
           <a:p>
             <a:fld id="{EBB1F091-3A24-4346-912C-5ECD06B05EBE}" type="slidenum">
               <a:rPr lang="en-US" smtClean="0"/>
-              <a:t>41</a:t>
+              <a:t>42</a:t>
             </a:fld>
             <a:endParaRPr lang="en-US"/>
           </a:p>
@@ -29878,7 +30296,7 @@
 </p:sld>
 </file>
 
-<file path=ppt/slides/slide42.xml><?xml version="1.0" encoding="utf-8"?>
+<file path=ppt/slides/slide43.xml><?xml version="1.0" encoding="utf-8"?>
 <p:sld xmlns:a="http://schemas.openxmlformats.org/drawingml/2006/main" xmlns:r="http://schemas.openxmlformats.org/officeDocument/2006/relationships" xmlns:p="http://schemas.openxmlformats.org/presentationml/2006/main">
   <p:cSld>
     <p:spTree>
@@ -30124,7 +30542,7 @@
           <a:p>
             <a:fld id="{EBB1F091-3A24-4346-912C-5ECD06B05EBE}" type="slidenum">
               <a:rPr lang="en-US" smtClean="0"/>
-              <a:t>42</a:t>
+              <a:t>43</a:t>
             </a:fld>
             <a:endParaRPr lang="en-US"/>
           </a:p>
@@ -30594,7 +31012,7 @@
 </p:sld>
 </file>
 
-<file path=ppt/slides/slide43.xml><?xml version="1.0" encoding="utf-8"?>
+<file path=ppt/slides/slide44.xml><?xml version="1.0" encoding="utf-8"?>
 <p:sld xmlns:a="http://schemas.openxmlformats.org/drawingml/2006/main" xmlns:r="http://schemas.openxmlformats.org/officeDocument/2006/relationships" xmlns:p="http://schemas.openxmlformats.org/presentationml/2006/main">
   <p:cSld>
     <p:spTree>
@@ -30729,7 +31147,7 @@
           <a:p>
             <a:fld id="{EBB1F091-3A24-4346-912C-5ECD06B05EBE}" type="slidenum">
               <a:rPr lang="en-US" smtClean="0"/>
-              <a:t>43</a:t>
+              <a:t>44</a:t>
             </a:fld>
             <a:endParaRPr lang="en-US"/>
           </a:p>
@@ -30797,7 +31215,7 @@
 </p:sld>
 </file>
 
-<file path=ppt/slides/slide44.xml><?xml version="1.0" encoding="utf-8"?>
+<file path=ppt/slides/slide45.xml><?xml version="1.0" encoding="utf-8"?>
 <p:sld xmlns:a="http://schemas.openxmlformats.org/drawingml/2006/main" xmlns:r="http://schemas.openxmlformats.org/officeDocument/2006/relationships" xmlns:p="http://schemas.openxmlformats.org/presentationml/2006/main">
   <p:cSld>
     <p:spTree>
@@ -31076,7 +31494,7 @@
           <a:p>
             <a:fld id="{EBB1F091-3A24-4346-912C-5ECD06B05EBE}" type="slidenum">
               <a:rPr lang="en-US" smtClean="0"/>
-              <a:t>44</a:t>
+              <a:t>45</a:t>
             </a:fld>
             <a:endParaRPr lang="en-US"/>
           </a:p>
@@ -31107,7 +31525,7 @@
 </p:sld>
 </file>
 
-<file path=ppt/slides/slide45.xml><?xml version="1.0" encoding="utf-8"?>
+<file path=ppt/slides/slide46.xml><?xml version="1.0" encoding="utf-8"?>
 <p:sld xmlns:a="http://schemas.openxmlformats.org/drawingml/2006/main" xmlns:r="http://schemas.openxmlformats.org/officeDocument/2006/relationships" xmlns:p="http://schemas.openxmlformats.org/presentationml/2006/main">
   <p:cSld>
     <p:spTree>
@@ -31852,7 +32270,7 @@
           <a:p>
             <a:fld id="{EBB1F091-3A24-4346-912C-5ECD06B05EBE}" type="slidenum">
               <a:rPr lang="en-US" smtClean="0"/>
-              <a:t>45</a:t>
+              <a:t>46</a:t>
             </a:fld>
             <a:endParaRPr lang="en-US"/>
           </a:p>
@@ -32311,7 +32729,7 @@
 </p:sld>
 </file>
 
-<file path=ppt/slides/slide46.xml><?xml version="1.0" encoding="utf-8"?>
+<file path=ppt/slides/slide47.xml><?xml version="1.0" encoding="utf-8"?>
 <p:sld xmlns:a="http://schemas.openxmlformats.org/drawingml/2006/main" xmlns:r="http://schemas.openxmlformats.org/officeDocument/2006/relationships" xmlns:p="http://schemas.openxmlformats.org/presentationml/2006/main">
   <p:cSld>
     <p:spTree>
@@ -32492,7 +32910,7 @@
           <a:p>
             <a:fld id="{EBB1F091-3A24-4346-912C-5ECD06B05EBE}" type="slidenum">
               <a:rPr lang="en-US" smtClean="0"/>
-              <a:t>46</a:t>
+              <a:t>47</a:t>
             </a:fld>
             <a:endParaRPr lang="en-US"/>
           </a:p>
@@ -33137,7 +33555,7 @@
           <a:p>
             <a:r>
               <a:rPr lang="en-US" altLang="zh-CN" sz="1800" b="0" dirty="0">
-                <a:latin typeface="Lucida Sans" panose="020B0602030504020204" pitchFamily="34" charset="77"/>
+                <a:latin typeface="Avenir Next LT Pro" panose="020B0504020202020204" pitchFamily="34" charset="77"/>
                 <a:ea typeface="宋体" panose="02010600030101010101" pitchFamily="2" charset="-122"/>
               </a:rPr>
               <a:t>X is data dependent on Y if (1) there is a variable v that is defined at Y and used at X and (2) there exists a path of nonzero length from Y to X along which v is not re-defined.</a:t>
